--- a/docs/diagrams/ModelComponentClassDiagram.pptx
+++ b/docs/diagrams/ModelComponentClassDiagram.pptx
@@ -208,7 +208,7 @@
           <a:p>
             <a:fld id="{F5CC4B3F-88C1-4FFA-B1B6-F41C21DC6924}" type="datetimeFigureOut">
               <a:rPr lang="en-US" smtClean="0"/>
-              <a:t>10/19/17</a:t>
+              <a:t>11/13/17</a:t>
             </a:fld>
             <a:endParaRPr lang="en-US"/>
           </a:p>
@@ -657,7 +657,7 @@
           <a:p>
             <a:fld id="{78C97017-6FC3-485B-9764-EAC9E56C1D49}" type="datetimeFigureOut">
               <a:rPr lang="en-US" smtClean="0"/>
-              <a:t>10/19/17</a:t>
+              <a:t>11/13/17</a:t>
             </a:fld>
             <a:endParaRPr lang="en-US"/>
           </a:p>
@@ -827,7 +827,7 @@
           <a:p>
             <a:fld id="{78C97017-6FC3-485B-9764-EAC9E56C1D49}" type="datetimeFigureOut">
               <a:rPr lang="en-US" smtClean="0"/>
-              <a:t>10/19/17</a:t>
+              <a:t>11/13/17</a:t>
             </a:fld>
             <a:endParaRPr lang="en-US"/>
           </a:p>
@@ -1007,7 +1007,7 @@
           <a:p>
             <a:fld id="{78C97017-6FC3-485B-9764-EAC9E56C1D49}" type="datetimeFigureOut">
               <a:rPr lang="en-US" smtClean="0"/>
-              <a:t>10/19/17</a:t>
+              <a:t>11/13/17</a:t>
             </a:fld>
             <a:endParaRPr lang="en-US"/>
           </a:p>
@@ -1177,7 +1177,7 @@
           <a:p>
             <a:fld id="{78C97017-6FC3-485B-9764-EAC9E56C1D49}" type="datetimeFigureOut">
               <a:rPr lang="en-US" smtClean="0"/>
-              <a:t>10/19/17</a:t>
+              <a:t>11/13/17</a:t>
             </a:fld>
             <a:endParaRPr lang="en-US"/>
           </a:p>
@@ -1423,7 +1423,7 @@
           <a:p>
             <a:fld id="{78C97017-6FC3-485B-9764-EAC9E56C1D49}" type="datetimeFigureOut">
               <a:rPr lang="en-US" smtClean="0"/>
-              <a:t>10/19/17</a:t>
+              <a:t>11/13/17</a:t>
             </a:fld>
             <a:endParaRPr lang="en-US"/>
           </a:p>
@@ -1711,7 +1711,7 @@
           <a:p>
             <a:fld id="{78C97017-6FC3-485B-9764-EAC9E56C1D49}" type="datetimeFigureOut">
               <a:rPr lang="en-US" smtClean="0"/>
-              <a:t>10/19/17</a:t>
+              <a:t>11/13/17</a:t>
             </a:fld>
             <a:endParaRPr lang="en-US"/>
           </a:p>
@@ -2133,7 +2133,7 @@
           <a:p>
             <a:fld id="{78C97017-6FC3-485B-9764-EAC9E56C1D49}" type="datetimeFigureOut">
               <a:rPr lang="en-US" smtClean="0"/>
-              <a:t>10/19/17</a:t>
+              <a:t>11/13/17</a:t>
             </a:fld>
             <a:endParaRPr lang="en-US"/>
           </a:p>
@@ -2251,7 +2251,7 @@
           <a:p>
             <a:fld id="{78C97017-6FC3-485B-9764-EAC9E56C1D49}" type="datetimeFigureOut">
               <a:rPr lang="en-US" smtClean="0"/>
-              <a:t>10/19/17</a:t>
+              <a:t>11/13/17</a:t>
             </a:fld>
             <a:endParaRPr lang="en-US"/>
           </a:p>
@@ -2346,7 +2346,7 @@
           <a:p>
             <a:fld id="{78C97017-6FC3-485B-9764-EAC9E56C1D49}" type="datetimeFigureOut">
               <a:rPr lang="en-US" smtClean="0"/>
-              <a:t>10/19/17</a:t>
+              <a:t>11/13/17</a:t>
             </a:fld>
             <a:endParaRPr lang="en-US"/>
           </a:p>
@@ -2623,7 +2623,7 @@
           <a:p>
             <a:fld id="{78C97017-6FC3-485B-9764-EAC9E56C1D49}" type="datetimeFigureOut">
               <a:rPr lang="en-US" smtClean="0"/>
-              <a:t>10/19/17</a:t>
+              <a:t>11/13/17</a:t>
             </a:fld>
             <a:endParaRPr lang="en-US"/>
           </a:p>
@@ -2876,7 +2876,7 @@
           <a:p>
             <a:fld id="{78C97017-6FC3-485B-9764-EAC9E56C1D49}" type="datetimeFigureOut">
               <a:rPr lang="en-US" smtClean="0"/>
-              <a:t>10/19/17</a:t>
+              <a:t>11/13/17</a:t>
             </a:fld>
             <a:endParaRPr lang="en-US"/>
           </a:p>
@@ -3089,7 +3089,7 @@
           <a:p>
             <a:fld id="{78C97017-6FC3-485B-9764-EAC9E56C1D49}" type="datetimeFigureOut">
               <a:rPr lang="en-US" smtClean="0"/>
-              <a:t>10/19/17</a:t>
+              <a:t>11/13/17</a:t>
             </a:fld>
             <a:endParaRPr lang="en-US"/>
           </a:p>
@@ -3464,2554 +3464,3920 @@
           <a:chExt cx="0" cy="0"/>
         </a:xfrm>
       </p:grpSpPr>
-      <p:sp>
-        <p:nvSpPr>
-          <p:cNvPr id="118" name="Rectangle 65"/>
-          <p:cNvSpPr/>
+      <p:grpSp>
+        <p:nvGrpSpPr>
+          <p:cNvPr id="33" name="Group 32"/>
+          <p:cNvGrpSpPr/>
           <p:nvPr/>
-        </p:nvSpPr>
-        <p:spPr>
+        </p:nvGrpSpPr>
+        <p:grpSpPr>
           <a:xfrm>
-            <a:off x="1119865" y="1727200"/>
-            <a:ext cx="7490735" cy="2997200"/>
+            <a:off x="910091" y="0"/>
+            <a:ext cx="7700509" cy="6705600"/>
+            <a:chOff x="910091" y="0"/>
+            <a:chExt cx="7700509" cy="6705600"/>
           </a:xfrm>
-          <a:prstGeom prst="roundRect">
-            <a:avLst>
-              <a:gd name="adj" fmla="val 3484"/>
-            </a:avLst>
-          </a:prstGeom>
-          <a:solidFill>
-            <a:schemeClr val="accent4">
-              <a:lumMod val="20000"/>
-              <a:lumOff val="80000"/>
-            </a:schemeClr>
-          </a:solidFill>
-          <a:ln w="19050">
-            <a:noFill/>
-          </a:ln>
-          <a:effectLst/>
-        </p:spPr>
-        <p:style>
-          <a:lnRef idx="1">
-            <a:schemeClr val="accent2"/>
-          </a:lnRef>
-          <a:fillRef idx="2">
-            <a:schemeClr val="accent2"/>
-          </a:fillRef>
-          <a:effectRef idx="1">
-            <a:schemeClr val="accent2"/>
-          </a:effectRef>
-          <a:fontRef idx="minor">
-            <a:schemeClr val="dk1"/>
-          </a:fontRef>
-        </p:style>
-        <p:txBody>
-          <a:bodyPr rtlCol="0" anchor="t"/>
-          <a:lstStyle/>
-          <a:p>
-            <a:r>
-              <a:rPr lang="en-US" sz="1200" b="1" dirty="0" smtClean="0">
+        </p:grpSpPr>
+        <p:sp>
+          <p:nvSpPr>
+            <p:cNvPr id="118" name="Rectangle 65"/>
+            <p:cNvSpPr/>
+            <p:nvPr/>
+          </p:nvSpPr>
+          <p:spPr>
+            <a:xfrm>
+              <a:off x="1119865" y="0"/>
+              <a:ext cx="7490735" cy="6705600"/>
+            </a:xfrm>
+            <a:prstGeom prst="roundRect">
+              <a:avLst>
+                <a:gd name="adj" fmla="val 3484"/>
+              </a:avLst>
+            </a:prstGeom>
+            <a:solidFill>
+              <a:schemeClr val="accent4">
+                <a:lumMod val="20000"/>
+                <a:lumOff val="80000"/>
+              </a:schemeClr>
+            </a:solidFill>
+            <a:ln w="19050">
+              <a:noFill/>
+            </a:ln>
+            <a:effectLst/>
+          </p:spPr>
+          <p:style>
+            <a:lnRef idx="1">
+              <a:schemeClr val="accent2"/>
+            </a:lnRef>
+            <a:fillRef idx="2">
+              <a:schemeClr val="accent2"/>
+            </a:fillRef>
+            <a:effectRef idx="1">
+              <a:schemeClr val="accent2"/>
+            </a:effectRef>
+            <a:fontRef idx="minor">
+              <a:schemeClr val="dk1"/>
+            </a:fontRef>
+          </p:style>
+          <p:txBody>
+            <a:bodyPr rtlCol="0" anchor="t"/>
+            <a:lstStyle/>
+            <a:p>
+              <a:r>
+                <a:rPr lang="en-US" sz="1200" b="1" dirty="0" smtClean="0">
+                  <a:solidFill>
+                    <a:srgbClr val="7030A0"/>
+                  </a:solidFill>
+                </a:rPr>
+                <a:t>Model</a:t>
+              </a:r>
+              <a:endParaRPr lang="en-SG" sz="1200" b="1" dirty="0">
                 <a:solidFill>
                   <a:srgbClr val="7030A0"/>
                 </a:solidFill>
-              </a:rPr>
-              <a:t>Model</a:t>
-            </a:r>
-            <a:endParaRPr lang="en-SG" sz="1200" b="1" dirty="0">
+              </a:endParaRPr>
+            </a:p>
+          </p:txBody>
+        </p:sp>
+        <p:sp>
+          <p:nvSpPr>
+            <p:cNvPr id="2" name="Rectangle 8"/>
+            <p:cNvSpPr/>
+            <p:nvPr/>
+          </p:nvSpPr>
+          <p:spPr>
+            <a:xfrm>
+              <a:off x="2877180" y="2472640"/>
+              <a:ext cx="1093635" cy="346760"/>
+            </a:xfrm>
+            <a:prstGeom prst="rect">
+              <a:avLst/>
+            </a:prstGeom>
+            <a:solidFill>
+              <a:srgbClr val="7030A0"/>
+            </a:solidFill>
+            <a:ln w="19050">
               <a:solidFill>
                 <a:srgbClr val="7030A0"/>
               </a:solidFill>
-            </a:endParaRPr>
-          </a:p>
-        </p:txBody>
-      </p:sp>
-      <p:sp>
-        <p:nvSpPr>
-          <p:cNvPr id="2" name="Rectangle 8"/>
-          <p:cNvSpPr/>
-          <p:nvPr/>
-        </p:nvSpPr>
-        <p:spPr>
-          <a:xfrm>
-            <a:off x="2877180" y="3158440"/>
-            <a:ext cx="1093635" cy="346760"/>
-          </a:xfrm>
-          <a:prstGeom prst="rect">
-            <a:avLst/>
-          </a:prstGeom>
-          <a:solidFill>
-            <a:srgbClr val="7030A0"/>
-          </a:solidFill>
-          <a:ln w="19050">
+            </a:ln>
+            <a:effectLst/>
+          </p:spPr>
+          <p:style>
+            <a:lnRef idx="1">
+              <a:schemeClr val="accent2"/>
+            </a:lnRef>
+            <a:fillRef idx="2">
+              <a:schemeClr val="accent2"/>
+            </a:fillRef>
+            <a:effectRef idx="1">
+              <a:schemeClr val="accent2"/>
+            </a:effectRef>
+            <a:fontRef idx="minor">
+              <a:schemeClr val="dk1"/>
+            </a:fontRef>
+          </p:style>
+          <p:txBody>
+            <a:bodyPr rtlCol="0" anchor="ctr"/>
+            <a:lstStyle/>
+            <a:p>
+              <a:pPr algn="ctr"/>
+              <a:r>
+                <a:rPr lang="en-US" sz="1050" dirty="0" err="1" smtClean="0">
+                  <a:solidFill>
+                    <a:schemeClr val="bg1"/>
+                  </a:solidFill>
+                </a:rPr>
+                <a:t>UserPref</a:t>
+              </a:r>
+              <a:endParaRPr lang="en-SG" sz="1050" dirty="0">
+                <a:solidFill>
+                  <a:schemeClr val="bg1"/>
+                </a:solidFill>
+              </a:endParaRPr>
+            </a:p>
+          </p:txBody>
+        </p:sp>
+        <p:sp>
+          <p:nvSpPr>
+            <p:cNvPr id="9" name="Rectangle 62"/>
+            <p:cNvSpPr/>
+            <p:nvPr/>
+          </p:nvSpPr>
+          <p:spPr>
+            <a:xfrm rot="16200000">
+              <a:off x="-140075" y="4006922"/>
+              <a:ext cx="4743752" cy="348801"/>
+            </a:xfrm>
+            <a:prstGeom prst="rect">
+              <a:avLst/>
+            </a:prstGeom>
             <a:solidFill>
               <a:srgbClr val="7030A0"/>
             </a:solidFill>
-          </a:ln>
-          <a:effectLst/>
-        </p:spPr>
-        <p:style>
-          <a:lnRef idx="1">
-            <a:schemeClr val="accent2"/>
-          </a:lnRef>
-          <a:fillRef idx="2">
-            <a:schemeClr val="accent2"/>
-          </a:fillRef>
-          <a:effectRef idx="1">
-            <a:schemeClr val="accent2"/>
-          </a:effectRef>
-          <a:fontRef idx="minor">
-            <a:schemeClr val="dk1"/>
-          </a:fontRef>
-        </p:style>
-        <p:txBody>
-          <a:bodyPr rtlCol="0" anchor="ctr"/>
-          <a:lstStyle/>
-          <a:p>
-            <a:pPr algn="ctr"/>
-            <a:r>
-              <a:rPr lang="en-US" sz="1050" dirty="0" err="1" smtClean="0">
+            <a:ln w="19050">
+              <a:solidFill>
+                <a:srgbClr val="7030A0"/>
+              </a:solidFill>
+            </a:ln>
+            <a:effectLst/>
+          </p:spPr>
+          <p:style>
+            <a:lnRef idx="1">
+              <a:schemeClr val="accent2"/>
+            </a:lnRef>
+            <a:fillRef idx="2">
+              <a:schemeClr val="accent2"/>
+            </a:fillRef>
+            <a:effectRef idx="1">
+              <a:schemeClr val="accent2"/>
+            </a:effectRef>
+            <a:fontRef idx="minor">
+              <a:schemeClr val="dk1"/>
+            </a:fontRef>
+          </p:style>
+          <p:txBody>
+            <a:bodyPr rtlCol="0" anchor="ctr"/>
+            <a:lstStyle/>
+            <a:p>
+              <a:pPr algn="ctr"/>
+              <a:r>
+                <a:rPr lang="en-US" sz="1050" dirty="0" err="1" smtClean="0">
+                  <a:solidFill>
+                    <a:schemeClr val="bg1"/>
+                  </a:solidFill>
+                </a:rPr>
+                <a:t>ModelManager</a:t>
+              </a:r>
+              <a:endParaRPr lang="en-SG" sz="1050" dirty="0">
                 <a:solidFill>
                   <a:schemeClr val="bg1"/>
                 </a:solidFill>
-              </a:rPr>
-              <a:t>UserPref</a:t>
-            </a:r>
-            <a:endParaRPr lang="en-SG" sz="1050" dirty="0">
+              </a:endParaRPr>
+            </a:p>
+          </p:txBody>
+        </p:sp>
+        <p:cxnSp>
+          <p:nvCxnSpPr>
+            <p:cNvPr id="53" name="Elbow Connector 63"/>
+            <p:cNvCxnSpPr>
+              <a:stCxn id="71" idx="3"/>
+            </p:cNvCxnSpPr>
+            <p:nvPr/>
+          </p:nvCxnSpPr>
+          <p:spPr>
+            <a:xfrm flipV="1">
+              <a:off x="6477000" y="2508331"/>
+              <a:ext cx="95385" cy="416514"/>
+            </a:xfrm>
+            <a:prstGeom prst="bentConnector2">
+              <a:avLst/>
+            </a:prstGeom>
+            <a:ln w="19050">
               <a:solidFill>
-                <a:schemeClr val="bg1"/>
+                <a:srgbClr val="7030A0"/>
               </a:solidFill>
-            </a:endParaRPr>
-          </a:p>
-        </p:txBody>
-      </p:sp>
-      <p:sp>
-        <p:nvSpPr>
-          <p:cNvPr id="9" name="Rectangle 62"/>
-          <p:cNvSpPr/>
-          <p:nvPr/>
-        </p:nvSpPr>
-        <p:spPr>
-          <a:xfrm rot="16200000">
-            <a:off x="1683963" y="2868687"/>
-            <a:ext cx="1093635" cy="346760"/>
-          </a:xfrm>
-          <a:prstGeom prst="rect">
-            <a:avLst/>
-          </a:prstGeom>
-          <a:solidFill>
-            <a:srgbClr val="7030A0"/>
-          </a:solidFill>
-          <a:ln w="19050">
+              <a:prstDash val="sysDot"/>
+              <a:headEnd type="none" w="med" len="med"/>
+              <a:tailEnd type="none" w="med" len="med"/>
+            </a:ln>
+            <a:effectLst/>
+          </p:spPr>
+          <p:style>
+            <a:lnRef idx="1">
+              <a:schemeClr val="accent2"/>
+            </a:lnRef>
+            <a:fillRef idx="2">
+              <a:schemeClr val="accent2"/>
+            </a:fillRef>
+            <a:effectRef idx="1">
+              <a:schemeClr val="accent2"/>
+            </a:effectRef>
+            <a:fontRef idx="minor">
+              <a:schemeClr val="dk1"/>
+            </a:fontRef>
+          </p:style>
+        </p:cxnSp>
+        <p:cxnSp>
+          <p:nvCxnSpPr>
+            <p:cNvPr id="107" name="Elbow Connector 106"/>
+            <p:cNvCxnSpPr>
+              <a:endCxn id="62" idx="2"/>
+            </p:cNvCxnSpPr>
+            <p:nvPr/>
+          </p:nvCxnSpPr>
+          <p:spPr>
+            <a:xfrm flipV="1">
+              <a:off x="2418026" y="2519026"/>
+              <a:ext cx="4249744" cy="833774"/>
+            </a:xfrm>
+            <a:prstGeom prst="bentConnector2">
+              <a:avLst/>
+            </a:prstGeom>
+            <a:ln w="19050">
+              <a:solidFill>
+                <a:srgbClr val="7030A0"/>
+              </a:solidFill>
+              <a:prstDash val="solid"/>
+              <a:headEnd type="none" w="med" len="med"/>
+              <a:tailEnd type="arrow" w="med" len="med"/>
+            </a:ln>
+            <a:effectLst/>
+          </p:spPr>
+          <p:style>
+            <a:lnRef idx="1">
+              <a:schemeClr val="accent2"/>
+            </a:lnRef>
+            <a:fillRef idx="2">
+              <a:schemeClr val="accent2"/>
+            </a:fillRef>
+            <a:effectRef idx="1">
+              <a:schemeClr val="accent2"/>
+            </a:effectRef>
+            <a:fontRef idx="minor">
+              <a:schemeClr val="dk1"/>
+            </a:fontRef>
+          </p:style>
+        </p:cxnSp>
+        <p:sp>
+          <p:nvSpPr>
+            <p:cNvPr id="119" name="Rectangle 62"/>
+            <p:cNvSpPr/>
+            <p:nvPr/>
+          </p:nvSpPr>
+          <p:spPr>
+            <a:xfrm rot="16200000">
+              <a:off x="956202" y="2175402"/>
+              <a:ext cx="1093635" cy="346760"/>
+            </a:xfrm>
+            <a:prstGeom prst="rect">
+              <a:avLst/>
+            </a:prstGeom>
             <a:solidFill>
               <a:srgbClr val="7030A0"/>
             </a:solidFill>
-          </a:ln>
-          <a:effectLst/>
-        </p:spPr>
-        <p:style>
-          <a:lnRef idx="1">
-            <a:schemeClr val="accent2"/>
-          </a:lnRef>
-          <a:fillRef idx="2">
-            <a:schemeClr val="accent2"/>
-          </a:fillRef>
-          <a:effectRef idx="1">
-            <a:schemeClr val="accent2"/>
-          </a:effectRef>
-          <a:fontRef idx="minor">
-            <a:schemeClr val="dk1"/>
-          </a:fontRef>
-        </p:style>
-        <p:txBody>
-          <a:bodyPr rtlCol="0" anchor="ctr"/>
-          <a:lstStyle/>
-          <a:p>
-            <a:pPr algn="ctr"/>
-            <a:r>
-              <a:rPr lang="en-US" sz="1050" dirty="0" err="1" smtClean="0">
+            <a:ln w="19050">
+              <a:solidFill>
+                <a:srgbClr val="7030A0"/>
+              </a:solidFill>
+            </a:ln>
+            <a:effectLst/>
+          </p:spPr>
+          <p:style>
+            <a:lnRef idx="1">
+              <a:schemeClr val="accent2"/>
+            </a:lnRef>
+            <a:fillRef idx="2">
+              <a:schemeClr val="accent2"/>
+            </a:fillRef>
+            <a:effectRef idx="1">
+              <a:schemeClr val="accent2"/>
+            </a:effectRef>
+            <a:fontRef idx="minor">
+              <a:schemeClr val="dk1"/>
+            </a:fontRef>
+          </p:style>
+          <p:txBody>
+            <a:bodyPr rtlCol="0" anchor="ctr"/>
+            <a:lstStyle/>
+            <a:p>
+              <a:pPr algn="ctr"/>
+              <a:r>
+                <a:rPr lang="en-US" sz="1050" dirty="0">
+                  <a:solidFill>
+                    <a:schemeClr val="bg1"/>
+                  </a:solidFill>
+                </a:rPr>
+                <a:t>&lt;&lt;interface&gt;&gt;</a:t>
+              </a:r>
+            </a:p>
+            <a:p>
+              <a:pPr algn="ctr"/>
+              <a:r>
+                <a:rPr lang="en-US" sz="1050" dirty="0" smtClean="0">
+                  <a:solidFill>
+                    <a:schemeClr val="bg1"/>
+                  </a:solidFill>
+                </a:rPr>
+                <a:t>Model</a:t>
+              </a:r>
+              <a:endParaRPr lang="en-SG" sz="1050" dirty="0">
                 <a:solidFill>
                   <a:schemeClr val="bg1"/>
                 </a:solidFill>
-              </a:rPr>
-              <a:t>ModelManager</a:t>
-            </a:r>
-            <a:endParaRPr lang="en-SG" sz="1050" dirty="0">
-              <a:solidFill>
-                <a:schemeClr val="bg1"/>
-              </a:solidFill>
-            </a:endParaRPr>
-          </a:p>
-        </p:txBody>
-      </p:sp>
-      <p:cxnSp>
-        <p:nvCxnSpPr>
-          <p:cNvPr id="53" name="Elbow Connector 63"/>
-          <p:cNvCxnSpPr>
-            <a:stCxn id="71" idx="3"/>
-          </p:cNvCxnSpPr>
-          <p:nvPr/>
-        </p:nvCxnSpPr>
-        <p:spPr>
-          <a:xfrm flipV="1">
-            <a:off x="6477000" y="3194131"/>
-            <a:ext cx="95385" cy="416514"/>
-          </a:xfrm>
-          <a:prstGeom prst="bentConnector2">
-            <a:avLst/>
-          </a:prstGeom>
-          <a:ln w="19050">
+              </a:endParaRPr>
+            </a:p>
+          </p:txBody>
+        </p:sp>
+        <p:sp>
+          <p:nvSpPr>
+            <p:cNvPr id="120" name="Isosceles Triangle 102"/>
+            <p:cNvSpPr/>
+            <p:nvPr/>
+          </p:nvSpPr>
+          <p:spPr>
+            <a:xfrm rot="16200000">
+              <a:off x="1626910" y="2266491"/>
+              <a:ext cx="270504" cy="175523"/>
+            </a:xfrm>
+            <a:prstGeom prst="triangle">
+              <a:avLst/>
+            </a:prstGeom>
             <a:solidFill>
               <a:srgbClr val="7030A0"/>
             </a:solidFill>
-            <a:prstDash val="sysDot"/>
-            <a:headEnd type="none" w="med" len="med"/>
-            <a:tailEnd type="none" w="med" len="med"/>
-          </a:ln>
-          <a:effectLst/>
-        </p:spPr>
-        <p:style>
-          <a:lnRef idx="1">
-            <a:schemeClr val="accent2"/>
-          </a:lnRef>
-          <a:fillRef idx="2">
-            <a:schemeClr val="accent2"/>
-          </a:fillRef>
-          <a:effectRef idx="1">
-            <a:schemeClr val="accent2"/>
-          </a:effectRef>
-          <a:fontRef idx="minor">
-            <a:schemeClr val="dk1"/>
-          </a:fontRef>
-        </p:style>
-      </p:cxnSp>
-      <p:cxnSp>
-        <p:nvCxnSpPr>
-          <p:cNvPr id="107" name="Elbow Connector 106"/>
-          <p:cNvCxnSpPr>
-            <a:stCxn id="9" idx="1"/>
-          </p:cNvCxnSpPr>
-          <p:nvPr/>
-        </p:nvCxnSpPr>
-        <p:spPr>
-          <a:xfrm rot="5400000" flipH="1" flipV="1">
-            <a:off x="4360065" y="1080909"/>
-            <a:ext cx="378691" cy="4637261"/>
-          </a:xfrm>
-          <a:prstGeom prst="bentConnector4">
-            <a:avLst>
-              <a:gd name="adj1" fmla="val -101829"/>
-              <a:gd name="adj2" fmla="val 99976"/>
-            </a:avLst>
-          </a:prstGeom>
-          <a:ln w="19050">
+            <a:ln w="19050">
+              <a:solidFill>
+                <a:srgbClr val="7030A0"/>
+              </a:solidFill>
+            </a:ln>
+            <a:effectLst/>
+          </p:spPr>
+          <p:style>
+            <a:lnRef idx="1">
+              <a:schemeClr val="accent6"/>
+            </a:lnRef>
+            <a:fillRef idx="2">
+              <a:schemeClr val="accent6"/>
+            </a:fillRef>
+            <a:effectRef idx="1">
+              <a:schemeClr val="accent6"/>
+            </a:effectRef>
+            <a:fontRef idx="minor">
+              <a:schemeClr val="dk1"/>
+            </a:fontRef>
+          </p:style>
+          <p:txBody>
+            <a:bodyPr rtlCol="0" anchor="ctr"/>
+            <a:lstStyle/>
+            <a:p>
+              <a:pPr algn="ctr"/>
+              <a:endParaRPr lang="en-SG" sz="1050"/>
+            </a:p>
+          </p:txBody>
+        </p:sp>
+        <p:cxnSp>
+          <p:nvCxnSpPr>
+            <p:cNvPr id="58" name="Straight Arrow Connector 57"/>
+            <p:cNvCxnSpPr>
+              <a:stCxn id="42" idx="3"/>
+              <a:endCxn id="2" idx="1"/>
+            </p:cNvCxnSpPr>
+            <p:nvPr/>
+          </p:nvCxnSpPr>
+          <p:spPr>
+            <a:xfrm>
+              <a:off x="2656370" y="2640736"/>
+              <a:ext cx="220810" cy="5284"/>
+            </a:xfrm>
+            <a:prstGeom prst="straightConnector1">
+              <a:avLst/>
+            </a:prstGeom>
+            <a:ln w="19050">
+              <a:solidFill>
+                <a:srgbClr val="7030A0"/>
+              </a:solidFill>
+              <a:headEnd type="none" w="med" len="med"/>
+              <a:tailEnd type="arrow" w="med" len="med"/>
+            </a:ln>
+            <a:effectLst/>
+          </p:spPr>
+          <p:style>
+            <a:lnRef idx="1">
+              <a:schemeClr val="accent2"/>
+            </a:lnRef>
+            <a:fillRef idx="2">
+              <a:schemeClr val="accent2"/>
+            </a:fillRef>
+            <a:effectRef idx="1">
+              <a:schemeClr val="accent2"/>
+            </a:effectRef>
+            <a:fontRef idx="minor">
+              <a:schemeClr val="dk1"/>
+            </a:fontRef>
+          </p:style>
+        </p:cxnSp>
+        <p:sp>
+          <p:nvSpPr>
+            <p:cNvPr id="71" name="Isosceles Triangle 102"/>
+            <p:cNvSpPr/>
+            <p:nvPr/>
+          </p:nvSpPr>
+          <p:spPr>
+            <a:xfrm rot="5400000" flipV="1">
+              <a:off x="6253986" y="2837083"/>
+              <a:ext cx="270504" cy="175523"/>
+            </a:xfrm>
+            <a:prstGeom prst="triangle">
+              <a:avLst/>
+            </a:prstGeom>
             <a:solidFill>
               <a:srgbClr val="7030A0"/>
             </a:solidFill>
-            <a:prstDash val="solid"/>
-            <a:headEnd type="none" w="med" len="med"/>
-            <a:tailEnd type="arrow" w="med" len="med"/>
-          </a:ln>
-          <a:effectLst/>
-        </p:spPr>
-        <p:style>
-          <a:lnRef idx="1">
-            <a:schemeClr val="accent2"/>
-          </a:lnRef>
-          <a:fillRef idx="2">
-            <a:schemeClr val="accent2"/>
-          </a:fillRef>
-          <a:effectRef idx="1">
-            <a:schemeClr val="accent2"/>
-          </a:effectRef>
-          <a:fontRef idx="minor">
-            <a:schemeClr val="dk1"/>
-          </a:fontRef>
-        </p:style>
-      </p:cxnSp>
-      <p:sp>
-        <p:nvSpPr>
-          <p:cNvPr id="119" name="Rectangle 62"/>
-          <p:cNvSpPr/>
-          <p:nvPr/>
-        </p:nvSpPr>
-        <p:spPr>
-          <a:xfrm rot="16200000">
-            <a:off x="956202" y="2861202"/>
-            <a:ext cx="1093635" cy="346760"/>
-          </a:xfrm>
-          <a:prstGeom prst="rect">
-            <a:avLst/>
-          </a:prstGeom>
-          <a:solidFill>
-            <a:srgbClr val="7030A0"/>
-          </a:solidFill>
-          <a:ln w="19050">
+            <a:ln w="19050">
+              <a:solidFill>
+                <a:srgbClr val="7030A0"/>
+              </a:solidFill>
+            </a:ln>
+            <a:effectLst/>
+          </p:spPr>
+          <p:style>
+            <a:lnRef idx="1">
+              <a:schemeClr val="accent4"/>
+            </a:lnRef>
+            <a:fillRef idx="2">
+              <a:schemeClr val="accent4"/>
+            </a:fillRef>
+            <a:effectRef idx="1">
+              <a:schemeClr val="accent4"/>
+            </a:effectRef>
+            <a:fontRef idx="minor">
+              <a:schemeClr val="dk1"/>
+            </a:fontRef>
+          </p:style>
+          <p:txBody>
+            <a:bodyPr rtlCol="0" anchor="ctr"/>
+            <a:lstStyle/>
+            <a:p>
+              <a:pPr algn="ctr"/>
+              <a:endParaRPr lang="en-SG" sz="1050" b="1">
+                <a:solidFill>
+                  <a:srgbClr val="92D050"/>
+                </a:solidFill>
+              </a:endParaRPr>
+            </a:p>
+          </p:txBody>
+        </p:sp>
+        <p:cxnSp>
+          <p:nvCxnSpPr>
+            <p:cNvPr id="75" name="Elbow Connector 122"/>
+            <p:cNvCxnSpPr/>
+            <p:nvPr/>
+          </p:nvCxnSpPr>
+          <p:spPr>
+            <a:xfrm>
+              <a:off x="910091" y="2354253"/>
+              <a:ext cx="419548" cy="2860"/>
+            </a:xfrm>
+            <a:prstGeom prst="bentConnector3">
+              <a:avLst>
+                <a:gd name="adj1" fmla="val 50000"/>
+              </a:avLst>
+            </a:prstGeom>
+            <a:ln w="19050">
+              <a:solidFill>
+                <a:schemeClr val="bg1">
+                  <a:lumMod val="75000"/>
+                </a:schemeClr>
+              </a:solidFill>
+              <a:prstDash val="sysDot"/>
+              <a:headEnd type="none" w="med" len="med"/>
+              <a:tailEnd type="arrow" w="med" len="med"/>
+            </a:ln>
+            <a:effectLst/>
+          </p:spPr>
+          <p:style>
+            <a:lnRef idx="1">
+              <a:schemeClr val="accent2"/>
+            </a:lnRef>
+            <a:fillRef idx="2">
+              <a:schemeClr val="accent2"/>
+            </a:fillRef>
+            <a:effectRef idx="1">
+              <a:schemeClr val="accent2"/>
+            </a:effectRef>
+            <a:fontRef idx="minor">
+              <a:schemeClr val="dk1"/>
+            </a:fontRef>
+          </p:style>
+        </p:cxnSp>
+        <p:cxnSp>
+          <p:nvCxnSpPr>
+            <p:cNvPr id="21" name="Straight Connector 20"/>
+            <p:cNvCxnSpPr>
+              <a:stCxn id="120" idx="3"/>
+            </p:cNvCxnSpPr>
+            <p:nvPr/>
+          </p:nvCxnSpPr>
+          <p:spPr>
+            <a:xfrm flipV="1">
+              <a:off x="1849924" y="2354252"/>
+              <a:ext cx="216105" cy="1"/>
+            </a:xfrm>
+            <a:prstGeom prst="line">
+              <a:avLst/>
+            </a:prstGeom>
+            <a:ln w="19050">
+              <a:solidFill>
+                <a:srgbClr val="7030A0"/>
+              </a:solidFill>
+              <a:prstDash val="sysDot"/>
+              <a:headEnd type="none" w="med" len="med"/>
+              <a:tailEnd type="none" w="med" len="med"/>
+            </a:ln>
+            <a:effectLst/>
+          </p:spPr>
+          <p:style>
+            <a:lnRef idx="1">
+              <a:schemeClr val="accent2"/>
+            </a:lnRef>
+            <a:fillRef idx="2">
+              <a:schemeClr val="accent2"/>
+            </a:fillRef>
+            <a:effectRef idx="1">
+              <a:schemeClr val="accent2"/>
+            </a:effectRef>
+            <a:fontRef idx="minor">
+              <a:schemeClr val="dk1"/>
+            </a:fontRef>
+          </p:style>
+        </p:cxnSp>
+        <p:sp>
+          <p:nvSpPr>
+            <p:cNvPr id="42" name="Flowchart: Decision 96"/>
+            <p:cNvSpPr/>
+            <p:nvPr/>
+          </p:nvSpPr>
+          <p:spPr>
+            <a:xfrm>
+              <a:off x="2420322" y="2554046"/>
+              <a:ext cx="236048" cy="173380"/>
+            </a:xfrm>
+            <a:prstGeom prst="flowChartDecision">
+              <a:avLst/>
+            </a:prstGeom>
+            <a:noFill/>
+            <a:ln w="19050">
+              <a:solidFill>
+                <a:srgbClr val="7030A0"/>
+              </a:solidFill>
+            </a:ln>
+            <a:effectLst/>
+          </p:spPr>
+          <p:style>
+            <a:lnRef idx="1">
+              <a:schemeClr val="accent6"/>
+            </a:lnRef>
+            <a:fillRef idx="2">
+              <a:schemeClr val="accent6"/>
+            </a:fillRef>
+            <a:effectRef idx="1">
+              <a:schemeClr val="accent6"/>
+            </a:effectRef>
+            <a:fontRef idx="minor">
+              <a:schemeClr val="dk1"/>
+            </a:fontRef>
+          </p:style>
+          <p:txBody>
+            <a:bodyPr rtlCol="0" anchor="ctr"/>
+            <a:lstStyle/>
+            <a:p>
+              <a:pPr algn="ctr"/>
+              <a:endParaRPr lang="en-US" sz="1050"/>
+            </a:p>
+          </p:txBody>
+        </p:sp>
+        <p:sp>
+          <p:nvSpPr>
+            <p:cNvPr id="46" name="Rectangle 8"/>
+            <p:cNvSpPr/>
+            <p:nvPr/>
+          </p:nvSpPr>
+          <p:spPr>
+            <a:xfrm>
+              <a:off x="2879490" y="1941620"/>
+              <a:ext cx="1093635" cy="346760"/>
+            </a:xfrm>
+            <a:prstGeom prst="rect">
+              <a:avLst/>
+            </a:prstGeom>
+            <a:ln w="19050">
+              <a:solidFill>
+                <a:srgbClr val="7030A0"/>
+              </a:solidFill>
+            </a:ln>
+            <a:effectLst/>
+          </p:spPr>
+          <p:style>
+            <a:lnRef idx="1">
+              <a:schemeClr val="accent4"/>
+            </a:lnRef>
+            <a:fillRef idx="2">
+              <a:schemeClr val="accent4"/>
+            </a:fillRef>
+            <a:effectRef idx="1">
+              <a:schemeClr val="accent4"/>
+            </a:effectRef>
+            <a:fontRef idx="minor">
+              <a:schemeClr val="dk1"/>
+            </a:fontRef>
+          </p:style>
+          <p:txBody>
+            <a:bodyPr rtlCol="0" anchor="ctr"/>
+            <a:lstStyle/>
+            <a:p>
+              <a:pPr algn="ctr"/>
+              <a:r>
+                <a:rPr lang="en-US" sz="1050" dirty="0" err="1" smtClean="0">
+                  <a:solidFill>
+                    <a:srgbClr val="7030A0"/>
+                  </a:solidFill>
+                </a:rPr>
+                <a:t>AddressBook</a:t>
+              </a:r>
+              <a:endParaRPr lang="en-SG" sz="1050" dirty="0">
+                <a:solidFill>
+                  <a:srgbClr val="7030A0"/>
+                </a:solidFill>
+              </a:endParaRPr>
+            </a:p>
+          </p:txBody>
+        </p:sp>
+        <p:cxnSp>
+          <p:nvCxnSpPr>
+            <p:cNvPr id="47" name="Straight Arrow Connector 46"/>
+            <p:cNvCxnSpPr>
+              <a:stCxn id="48" idx="3"/>
+              <a:endCxn id="46" idx="1"/>
+            </p:cNvCxnSpPr>
+            <p:nvPr/>
+          </p:nvCxnSpPr>
+          <p:spPr>
+            <a:xfrm>
+              <a:off x="2658680" y="2109716"/>
+              <a:ext cx="220810" cy="5284"/>
+            </a:xfrm>
+            <a:prstGeom prst="straightConnector1">
+              <a:avLst/>
+            </a:prstGeom>
+            <a:ln w="19050">
+              <a:solidFill>
+                <a:srgbClr val="7030A0"/>
+              </a:solidFill>
+              <a:headEnd type="none" w="med" len="med"/>
+              <a:tailEnd type="arrow" w="med" len="med"/>
+            </a:ln>
+            <a:effectLst/>
+          </p:spPr>
+          <p:style>
+            <a:lnRef idx="1">
+              <a:schemeClr val="accent2"/>
+            </a:lnRef>
+            <a:fillRef idx="2">
+              <a:schemeClr val="accent2"/>
+            </a:fillRef>
+            <a:effectRef idx="1">
+              <a:schemeClr val="accent2"/>
+            </a:effectRef>
+            <a:fontRef idx="minor">
+              <a:schemeClr val="dk1"/>
+            </a:fontRef>
+          </p:style>
+        </p:cxnSp>
+        <p:sp>
+          <p:nvSpPr>
+            <p:cNvPr id="48" name="Flowchart: Decision 96"/>
+            <p:cNvSpPr/>
+            <p:nvPr/>
+          </p:nvSpPr>
+          <p:spPr>
+            <a:xfrm>
+              <a:off x="2422632" y="2023026"/>
+              <a:ext cx="236048" cy="173380"/>
+            </a:xfrm>
+            <a:prstGeom prst="flowChartDecision">
+              <a:avLst/>
+            </a:prstGeom>
+            <a:noFill/>
+            <a:ln w="19050">
+              <a:solidFill>
+                <a:srgbClr val="7030A0"/>
+              </a:solidFill>
+            </a:ln>
+            <a:effectLst/>
+          </p:spPr>
+          <p:style>
+            <a:lnRef idx="1">
+              <a:schemeClr val="accent6"/>
+            </a:lnRef>
+            <a:fillRef idx="2">
+              <a:schemeClr val="accent6"/>
+            </a:fillRef>
+            <a:effectRef idx="1">
+              <a:schemeClr val="accent6"/>
+            </a:effectRef>
+            <a:fontRef idx="minor">
+              <a:schemeClr val="dk1"/>
+            </a:fontRef>
+          </p:style>
+          <p:txBody>
+            <a:bodyPr rtlCol="0" anchor="ctr"/>
+            <a:lstStyle/>
+            <a:p>
+              <a:pPr algn="ctr"/>
+              <a:endParaRPr lang="en-US" sz="1050"/>
+            </a:p>
+          </p:txBody>
+        </p:sp>
+        <p:sp>
+          <p:nvSpPr>
+            <p:cNvPr id="49" name="Rectangle 8"/>
+            <p:cNvSpPr/>
+            <p:nvPr/>
+          </p:nvSpPr>
+          <p:spPr>
+            <a:xfrm>
+              <a:off x="4487017" y="2161571"/>
+              <a:ext cx="1156969" cy="346760"/>
+            </a:xfrm>
+            <a:prstGeom prst="rect">
+              <a:avLst/>
+            </a:prstGeom>
+            <a:ln w="19050">
+              <a:solidFill>
+                <a:srgbClr val="7030A0"/>
+              </a:solidFill>
+            </a:ln>
+            <a:effectLst/>
+          </p:spPr>
+          <p:style>
+            <a:lnRef idx="1">
+              <a:schemeClr val="accent4"/>
+            </a:lnRef>
+            <a:fillRef idx="2">
+              <a:schemeClr val="accent4"/>
+            </a:fillRef>
+            <a:effectRef idx="1">
+              <a:schemeClr val="accent4"/>
+            </a:effectRef>
+            <a:fontRef idx="minor">
+              <a:schemeClr val="dk1"/>
+            </a:fontRef>
+          </p:style>
+          <p:txBody>
+            <a:bodyPr rtlCol="0" anchor="ctr"/>
+            <a:lstStyle/>
+            <a:p>
+              <a:pPr algn="ctr"/>
+              <a:r>
+                <a:rPr lang="en-US" sz="1050" dirty="0" err="1" smtClean="0">
+                  <a:solidFill>
+                    <a:srgbClr val="7030A0"/>
+                  </a:solidFill>
+                </a:rPr>
+                <a:t>UniquePersonList</a:t>
+              </a:r>
+              <a:endParaRPr lang="en-SG" sz="1050" dirty="0">
+                <a:solidFill>
+                  <a:srgbClr val="7030A0"/>
+                </a:solidFill>
+              </a:endParaRPr>
+            </a:p>
+          </p:txBody>
+        </p:sp>
+        <p:sp>
+          <p:nvSpPr>
+            <p:cNvPr id="51" name="Flowchart: Decision 96"/>
+            <p:cNvSpPr/>
+            <p:nvPr/>
+          </p:nvSpPr>
+          <p:spPr>
+            <a:xfrm>
+              <a:off x="3984303" y="1988191"/>
+              <a:ext cx="236048" cy="173380"/>
+            </a:xfrm>
+            <a:prstGeom prst="flowChartDecision">
+              <a:avLst/>
+            </a:prstGeom>
             <a:solidFill>
               <a:srgbClr val="7030A0"/>
             </a:solidFill>
-          </a:ln>
-          <a:effectLst/>
-        </p:spPr>
-        <p:style>
-          <a:lnRef idx="1">
-            <a:schemeClr val="accent2"/>
-          </a:lnRef>
-          <a:fillRef idx="2">
-            <a:schemeClr val="accent2"/>
-          </a:fillRef>
-          <a:effectRef idx="1">
-            <a:schemeClr val="accent2"/>
-          </a:effectRef>
-          <a:fontRef idx="minor">
-            <a:schemeClr val="dk1"/>
-          </a:fontRef>
-        </p:style>
-        <p:txBody>
-          <a:bodyPr rtlCol="0" anchor="ctr"/>
-          <a:lstStyle/>
-          <a:p>
-            <a:pPr algn="ctr"/>
-            <a:r>
-              <a:rPr lang="en-US" sz="1050" dirty="0">
+            <a:ln w="19050">
+              <a:solidFill>
+                <a:srgbClr val="7030A0"/>
+              </a:solidFill>
+            </a:ln>
+            <a:effectLst/>
+          </p:spPr>
+          <p:style>
+            <a:lnRef idx="1">
+              <a:schemeClr val="accent6"/>
+            </a:lnRef>
+            <a:fillRef idx="2">
+              <a:schemeClr val="accent6"/>
+            </a:fillRef>
+            <a:effectRef idx="1">
+              <a:schemeClr val="accent6"/>
+            </a:effectRef>
+            <a:fontRef idx="minor">
+              <a:schemeClr val="dk1"/>
+            </a:fontRef>
+          </p:style>
+          <p:txBody>
+            <a:bodyPr rtlCol="0" anchor="ctr"/>
+            <a:lstStyle/>
+            <a:p>
+              <a:pPr algn="ctr"/>
+              <a:endParaRPr lang="en-US" sz="1050"/>
+            </a:p>
+          </p:txBody>
+        </p:sp>
+        <p:cxnSp>
+          <p:nvCxnSpPr>
+            <p:cNvPr id="30" name="Elbow Connector 29"/>
+            <p:cNvCxnSpPr>
+              <a:stCxn id="51" idx="3"/>
+              <a:endCxn id="49" idx="1"/>
+            </p:cNvCxnSpPr>
+            <p:nvPr/>
+          </p:nvCxnSpPr>
+          <p:spPr>
+            <a:xfrm>
+              <a:off x="4220351" y="2074881"/>
+              <a:ext cx="266666" cy="260070"/>
+            </a:xfrm>
+            <a:prstGeom prst="bentConnector3">
+              <a:avLst/>
+            </a:prstGeom>
+            <a:ln w="19050">
+              <a:solidFill>
+                <a:srgbClr val="7030A0"/>
+              </a:solidFill>
+              <a:headEnd type="none" w="med" len="med"/>
+              <a:tailEnd type="arrow" w="med" len="med"/>
+            </a:ln>
+            <a:effectLst/>
+          </p:spPr>
+          <p:style>
+            <a:lnRef idx="1">
+              <a:schemeClr val="accent2"/>
+            </a:lnRef>
+            <a:fillRef idx="2">
+              <a:schemeClr val="accent2"/>
+            </a:fillRef>
+            <a:effectRef idx="1">
+              <a:schemeClr val="accent2"/>
+            </a:effectRef>
+            <a:fontRef idx="minor">
+              <a:schemeClr val="dk1"/>
+            </a:fontRef>
+          </p:style>
+        </p:cxnSp>
+        <p:sp>
+          <p:nvSpPr>
+            <p:cNvPr id="57" name="Rectangle 8"/>
+            <p:cNvSpPr/>
+            <p:nvPr/>
+          </p:nvSpPr>
+          <p:spPr>
+            <a:xfrm>
+              <a:off x="4477328" y="1594769"/>
+              <a:ext cx="1156969" cy="346760"/>
+            </a:xfrm>
+            <a:prstGeom prst="rect">
+              <a:avLst/>
+            </a:prstGeom>
+            <a:ln w="19050">
+              <a:solidFill>
+                <a:srgbClr val="7030A0"/>
+              </a:solidFill>
+            </a:ln>
+            <a:effectLst/>
+          </p:spPr>
+          <p:style>
+            <a:lnRef idx="1">
+              <a:schemeClr val="accent4"/>
+            </a:lnRef>
+            <a:fillRef idx="2">
+              <a:schemeClr val="accent4"/>
+            </a:fillRef>
+            <a:effectRef idx="1">
+              <a:schemeClr val="accent4"/>
+            </a:effectRef>
+            <a:fontRef idx="minor">
+              <a:schemeClr val="dk1"/>
+            </a:fontRef>
+          </p:style>
+          <p:txBody>
+            <a:bodyPr rtlCol="0" anchor="ctr"/>
+            <a:lstStyle/>
+            <a:p>
+              <a:pPr algn="ctr"/>
+              <a:r>
+                <a:rPr lang="en-US" sz="1050" dirty="0" err="1" smtClean="0">
+                  <a:solidFill>
+                    <a:srgbClr val="7030A0"/>
+                  </a:solidFill>
+                </a:rPr>
+                <a:t>UniqueTagList</a:t>
+              </a:r>
+              <a:endParaRPr lang="en-SG" sz="1050" dirty="0">
                 <a:solidFill>
-                  <a:schemeClr val="bg1"/>
+                  <a:srgbClr val="7030A0"/>
                 </a:solidFill>
-              </a:rPr>
-              <a:t>&lt;&lt;interface&gt;&gt;</a:t>
-            </a:r>
-          </a:p>
-          <a:p>
-            <a:pPr algn="ctr"/>
-            <a:r>
-              <a:rPr lang="en-US" sz="1050" dirty="0" smtClean="0">
+              </a:endParaRPr>
+            </a:p>
+          </p:txBody>
+        </p:sp>
+        <p:cxnSp>
+          <p:nvCxnSpPr>
+            <p:cNvPr id="59" name="Elbow Connector 58"/>
+            <p:cNvCxnSpPr>
+              <a:stCxn id="51" idx="3"/>
+              <a:endCxn id="57" idx="1"/>
+            </p:cNvCxnSpPr>
+            <p:nvPr/>
+          </p:nvCxnSpPr>
+          <p:spPr>
+            <a:xfrm flipV="1">
+              <a:off x="4220351" y="1768149"/>
+              <a:ext cx="256977" cy="306732"/>
+            </a:xfrm>
+            <a:prstGeom prst="bentConnector3">
+              <a:avLst>
+                <a:gd name="adj1" fmla="val 50000"/>
+              </a:avLst>
+            </a:prstGeom>
+            <a:ln w="19050">
+              <a:solidFill>
+                <a:srgbClr val="7030A0"/>
+              </a:solidFill>
+              <a:headEnd type="none" w="med" len="med"/>
+              <a:tailEnd type="arrow" w="med" len="med"/>
+            </a:ln>
+            <a:effectLst/>
+          </p:spPr>
+          <p:style>
+            <a:lnRef idx="1">
+              <a:schemeClr val="accent2"/>
+            </a:lnRef>
+            <a:fillRef idx="2">
+              <a:schemeClr val="accent2"/>
+            </a:fillRef>
+            <a:effectRef idx="1">
+              <a:schemeClr val="accent2"/>
+            </a:effectRef>
+            <a:fontRef idx="minor">
+              <a:schemeClr val="dk1"/>
+            </a:fontRef>
+          </p:style>
+        </p:cxnSp>
+        <p:sp>
+          <p:nvSpPr>
+            <p:cNvPr id="62" name="Rectangle 8"/>
+            <p:cNvSpPr/>
+            <p:nvPr/>
+          </p:nvSpPr>
+          <p:spPr>
+            <a:xfrm>
+              <a:off x="6313677" y="2172266"/>
+              <a:ext cx="708186" cy="346760"/>
+            </a:xfrm>
+            <a:prstGeom prst="rect">
+              <a:avLst/>
+            </a:prstGeom>
+            <a:ln w="19050">
+              <a:solidFill>
+                <a:srgbClr val="7030A0"/>
+              </a:solidFill>
+            </a:ln>
+            <a:effectLst/>
+          </p:spPr>
+          <p:style>
+            <a:lnRef idx="1">
+              <a:schemeClr val="accent4"/>
+            </a:lnRef>
+            <a:fillRef idx="2">
+              <a:schemeClr val="accent4"/>
+            </a:fillRef>
+            <a:effectRef idx="1">
+              <a:schemeClr val="accent4"/>
+            </a:effectRef>
+            <a:fontRef idx="minor">
+              <a:schemeClr val="dk1"/>
+            </a:fontRef>
+          </p:style>
+          <p:txBody>
+            <a:bodyPr rtlCol="0" anchor="ctr"/>
+            <a:lstStyle/>
+            <a:p>
+              <a:pPr algn="ctr"/>
+              <a:r>
+                <a:rPr lang="en-US" sz="1050" dirty="0" smtClean="0">
+                  <a:solidFill>
+                    <a:srgbClr val="7030A0"/>
+                  </a:solidFill>
+                </a:rPr>
+                <a:t>Person</a:t>
+              </a:r>
+              <a:endParaRPr lang="en-SG" sz="1050" dirty="0">
                 <a:solidFill>
-                  <a:schemeClr val="bg1"/>
+                  <a:srgbClr val="7030A0"/>
                 </a:solidFill>
-              </a:rPr>
-              <a:t>Model</a:t>
-            </a:r>
-            <a:endParaRPr lang="en-SG" sz="1050" dirty="0">
+              </a:endParaRPr>
+            </a:p>
+          </p:txBody>
+        </p:sp>
+        <p:sp>
+          <p:nvSpPr>
+            <p:cNvPr id="63" name="Flowchart: Decision 96"/>
+            <p:cNvSpPr/>
+            <p:nvPr/>
+          </p:nvSpPr>
+          <p:spPr>
+            <a:xfrm>
+              <a:off x="5643227" y="2258179"/>
+              <a:ext cx="236048" cy="173380"/>
+            </a:xfrm>
+            <a:prstGeom prst="flowChartDecision">
+              <a:avLst/>
+            </a:prstGeom>
+            <a:noFill/>
+            <a:ln w="19050">
               <a:solidFill>
-                <a:schemeClr val="bg1"/>
+                <a:srgbClr val="7030A0"/>
               </a:solidFill>
-            </a:endParaRPr>
-          </a:p>
-        </p:txBody>
-      </p:sp>
-      <p:sp>
-        <p:nvSpPr>
-          <p:cNvPr id="120" name="Isosceles Triangle 102"/>
-          <p:cNvSpPr/>
-          <p:nvPr/>
-        </p:nvSpPr>
-        <p:spPr>
-          <a:xfrm rot="16200000">
-            <a:off x="1626910" y="2952291"/>
-            <a:ext cx="270504" cy="175523"/>
-          </a:xfrm>
-          <a:prstGeom prst="triangle">
-            <a:avLst/>
-          </a:prstGeom>
-          <a:solidFill>
-            <a:srgbClr val="7030A0"/>
-          </a:solidFill>
-          <a:ln w="19050">
+            </a:ln>
+            <a:effectLst/>
+          </p:spPr>
+          <p:style>
+            <a:lnRef idx="1">
+              <a:schemeClr val="accent6"/>
+            </a:lnRef>
+            <a:fillRef idx="2">
+              <a:schemeClr val="accent6"/>
+            </a:fillRef>
+            <a:effectRef idx="1">
+              <a:schemeClr val="accent6"/>
+            </a:effectRef>
+            <a:fontRef idx="minor">
+              <a:schemeClr val="dk1"/>
+            </a:fontRef>
+          </p:style>
+          <p:txBody>
+            <a:bodyPr rtlCol="0" anchor="ctr"/>
+            <a:lstStyle/>
+            <a:p>
+              <a:pPr algn="ctr"/>
+              <a:endParaRPr lang="en-US" sz="1050"/>
+            </a:p>
+          </p:txBody>
+        </p:sp>
+        <p:cxnSp>
+          <p:nvCxnSpPr>
+            <p:cNvPr id="64" name="Elbow Connector 63"/>
+            <p:cNvCxnSpPr>
+              <a:stCxn id="63" idx="3"/>
+              <a:endCxn id="62" idx="1"/>
+            </p:cNvCxnSpPr>
+            <p:nvPr/>
+          </p:nvCxnSpPr>
+          <p:spPr>
+            <a:xfrm>
+              <a:off x="5879275" y="2344869"/>
+              <a:ext cx="434402" cy="777"/>
+            </a:xfrm>
+            <a:prstGeom prst="bentConnector3">
+              <a:avLst/>
+            </a:prstGeom>
+            <a:ln w="19050">
+              <a:solidFill>
+                <a:srgbClr val="7030A0"/>
+              </a:solidFill>
+              <a:headEnd type="none" w="med" len="med"/>
+              <a:tailEnd type="arrow" w="med" len="med"/>
+            </a:ln>
+            <a:effectLst/>
+          </p:spPr>
+          <p:style>
+            <a:lnRef idx="1">
+              <a:schemeClr val="accent2"/>
+            </a:lnRef>
+            <a:fillRef idx="2">
+              <a:schemeClr val="accent2"/>
+            </a:fillRef>
+            <a:effectRef idx="1">
+              <a:schemeClr val="accent2"/>
+            </a:effectRef>
+            <a:fontRef idx="minor">
+              <a:schemeClr val="dk1"/>
+            </a:fontRef>
+          </p:style>
+        </p:cxnSp>
+        <p:sp>
+          <p:nvSpPr>
+            <p:cNvPr id="67" name="Rectangle 8"/>
+            <p:cNvSpPr/>
+            <p:nvPr/>
+          </p:nvSpPr>
+          <p:spPr>
+            <a:xfrm>
+              <a:off x="5336105" y="1123532"/>
+              <a:ext cx="483700" cy="346760"/>
+            </a:xfrm>
+            <a:prstGeom prst="rect">
+              <a:avLst/>
+            </a:prstGeom>
+            <a:ln w="19050">
+              <a:solidFill>
+                <a:srgbClr val="7030A0"/>
+              </a:solidFill>
+            </a:ln>
+            <a:effectLst/>
+          </p:spPr>
+          <p:style>
+            <a:lnRef idx="1">
+              <a:schemeClr val="accent4"/>
+            </a:lnRef>
+            <a:fillRef idx="2">
+              <a:schemeClr val="accent4"/>
+            </a:fillRef>
+            <a:effectRef idx="1">
+              <a:schemeClr val="accent4"/>
+            </a:effectRef>
+            <a:fontRef idx="minor">
+              <a:schemeClr val="dk1"/>
+            </a:fontRef>
+          </p:style>
+          <p:txBody>
+            <a:bodyPr rtlCol="0" anchor="ctr"/>
+            <a:lstStyle/>
+            <a:p>
+              <a:pPr algn="ctr"/>
+              <a:r>
+                <a:rPr lang="en-US" sz="1050" dirty="0" smtClean="0">
+                  <a:solidFill>
+                    <a:srgbClr val="7030A0"/>
+                  </a:solidFill>
+                </a:rPr>
+                <a:t>Tag</a:t>
+              </a:r>
+              <a:endParaRPr lang="en-SG" sz="1050" dirty="0">
+                <a:solidFill>
+                  <a:srgbClr val="7030A0"/>
+                </a:solidFill>
+              </a:endParaRPr>
+            </a:p>
+          </p:txBody>
+        </p:sp>
+        <p:sp>
+          <p:nvSpPr>
+            <p:cNvPr id="68" name="Flowchart: Decision 96"/>
+            <p:cNvSpPr/>
+            <p:nvPr/>
+          </p:nvSpPr>
+          <p:spPr>
+            <a:xfrm rot="16200000">
+              <a:off x="4921666" y="1380740"/>
+              <a:ext cx="236048" cy="173380"/>
+            </a:xfrm>
+            <a:prstGeom prst="flowChartDecision">
+              <a:avLst/>
+            </a:prstGeom>
+            <a:noFill/>
+            <a:ln w="19050">
+              <a:solidFill>
+                <a:srgbClr val="7030A0"/>
+              </a:solidFill>
+            </a:ln>
+            <a:effectLst/>
+          </p:spPr>
+          <p:style>
+            <a:lnRef idx="1">
+              <a:schemeClr val="accent6"/>
+            </a:lnRef>
+            <a:fillRef idx="2">
+              <a:schemeClr val="accent6"/>
+            </a:fillRef>
+            <a:effectRef idx="1">
+              <a:schemeClr val="accent6"/>
+            </a:effectRef>
+            <a:fontRef idx="minor">
+              <a:schemeClr val="dk1"/>
+            </a:fontRef>
+          </p:style>
+          <p:txBody>
+            <a:bodyPr rtlCol="0" anchor="ctr"/>
+            <a:lstStyle/>
+            <a:p>
+              <a:pPr algn="ctr"/>
+              <a:endParaRPr lang="en-US" sz="1050"/>
+            </a:p>
+          </p:txBody>
+        </p:sp>
+        <p:cxnSp>
+          <p:nvCxnSpPr>
+            <p:cNvPr id="69" name="Elbow Connector 68"/>
+            <p:cNvCxnSpPr>
+              <a:stCxn id="68" idx="3"/>
+              <a:endCxn id="67" idx="1"/>
+            </p:cNvCxnSpPr>
+            <p:nvPr/>
+          </p:nvCxnSpPr>
+          <p:spPr>
+            <a:xfrm rot="5400000" flipH="1" flipV="1">
+              <a:off x="5161650" y="1174952"/>
+              <a:ext cx="52494" cy="296415"/>
+            </a:xfrm>
+            <a:prstGeom prst="bentConnector2">
+              <a:avLst/>
+            </a:prstGeom>
+            <a:ln w="19050">
+              <a:solidFill>
+                <a:srgbClr val="7030A0"/>
+              </a:solidFill>
+              <a:headEnd type="none" w="med" len="med"/>
+              <a:tailEnd type="arrow" w="med" len="med"/>
+            </a:ln>
+            <a:effectLst/>
+          </p:spPr>
+          <p:style>
+            <a:lnRef idx="1">
+              <a:schemeClr val="accent2"/>
+            </a:lnRef>
+            <a:fillRef idx="2">
+              <a:schemeClr val="accent2"/>
+            </a:fillRef>
+            <a:effectRef idx="1">
+              <a:schemeClr val="accent2"/>
+            </a:effectRef>
+            <a:fontRef idx="minor">
+              <a:schemeClr val="dk1"/>
+            </a:fontRef>
+          </p:style>
+        </p:cxnSp>
+        <p:sp>
+          <p:nvSpPr>
+            <p:cNvPr id="72" name="Rectangle 8"/>
+            <p:cNvSpPr/>
+            <p:nvPr/>
+          </p:nvSpPr>
+          <p:spPr>
+            <a:xfrm>
+              <a:off x="5128257" y="2743200"/>
+              <a:ext cx="1156969" cy="346760"/>
+            </a:xfrm>
+            <a:prstGeom prst="rect">
+              <a:avLst/>
+            </a:prstGeom>
+            <a:ln w="19050">
+              <a:solidFill>
+                <a:srgbClr val="7030A0"/>
+              </a:solidFill>
+            </a:ln>
+            <a:effectLst/>
+          </p:spPr>
+          <p:style>
+            <a:lnRef idx="1">
+              <a:schemeClr val="accent4"/>
+            </a:lnRef>
+            <a:fillRef idx="2">
+              <a:schemeClr val="accent4"/>
+            </a:fillRef>
+            <a:effectRef idx="1">
+              <a:schemeClr val="accent4"/>
+            </a:effectRef>
+            <a:fontRef idx="minor">
+              <a:schemeClr val="dk1"/>
+            </a:fontRef>
+          </p:style>
+          <p:txBody>
+            <a:bodyPr rtlCol="0" anchor="ctr"/>
+            <a:lstStyle/>
+            <a:p>
+              <a:pPr algn="ctr"/>
+              <a:r>
+                <a:rPr lang="en-US" sz="1050" dirty="0" smtClean="0">
+                  <a:solidFill>
+                    <a:srgbClr val="7030A0"/>
+                  </a:solidFill>
+                </a:rPr>
+                <a:t>&lt;&lt;interface&gt;&gt;</a:t>
+              </a:r>
+              <a:br>
+                <a:rPr lang="en-US" sz="1050" dirty="0" smtClean="0">
+                  <a:solidFill>
+                    <a:srgbClr val="7030A0"/>
+                  </a:solidFill>
+                </a:rPr>
+              </a:br>
+              <a:r>
+                <a:rPr lang="en-US" sz="1050" dirty="0" err="1" smtClean="0">
+                  <a:solidFill>
+                    <a:srgbClr val="7030A0"/>
+                  </a:solidFill>
+                </a:rPr>
+                <a:t>ReadOnlyPerson</a:t>
+              </a:r>
+              <a:endParaRPr lang="en-SG" sz="1050" dirty="0">
+                <a:solidFill>
+                  <a:srgbClr val="7030A0"/>
+                </a:solidFill>
+              </a:endParaRPr>
+            </a:p>
+          </p:txBody>
+        </p:sp>
+        <p:sp>
+          <p:nvSpPr>
+            <p:cNvPr id="76" name="Rectangle 8"/>
+            <p:cNvSpPr/>
+            <p:nvPr/>
+          </p:nvSpPr>
+          <p:spPr>
+            <a:xfrm>
+              <a:off x="7712397" y="1878438"/>
+              <a:ext cx="708186" cy="285783"/>
+            </a:xfrm>
+            <a:prstGeom prst="rect">
+              <a:avLst/>
+            </a:prstGeom>
+            <a:ln w="19050">
+              <a:solidFill>
+                <a:srgbClr val="7030A0"/>
+              </a:solidFill>
+            </a:ln>
+            <a:effectLst/>
+          </p:spPr>
+          <p:style>
+            <a:lnRef idx="1">
+              <a:schemeClr val="accent4"/>
+            </a:lnRef>
+            <a:fillRef idx="2">
+              <a:schemeClr val="accent4"/>
+            </a:fillRef>
+            <a:effectRef idx="1">
+              <a:schemeClr val="accent4"/>
+            </a:effectRef>
+            <a:fontRef idx="minor">
+              <a:schemeClr val="dk1"/>
+            </a:fontRef>
+          </p:style>
+          <p:txBody>
+            <a:bodyPr rtlCol="0" anchor="ctr"/>
+            <a:lstStyle/>
+            <a:p>
+              <a:pPr algn="ctr"/>
+              <a:r>
+                <a:rPr lang="en-US" sz="1050" dirty="0" smtClean="0">
+                  <a:solidFill>
+                    <a:srgbClr val="7030A0"/>
+                  </a:solidFill>
+                </a:rPr>
+                <a:t>Name</a:t>
+              </a:r>
+              <a:endParaRPr lang="en-SG" sz="1050" dirty="0">
+                <a:solidFill>
+                  <a:srgbClr val="7030A0"/>
+                </a:solidFill>
+              </a:endParaRPr>
+            </a:p>
+          </p:txBody>
+        </p:sp>
+        <p:sp>
+          <p:nvSpPr>
+            <p:cNvPr id="78" name="Flowchart: Decision 96"/>
+            <p:cNvSpPr/>
+            <p:nvPr/>
+          </p:nvSpPr>
+          <p:spPr>
+            <a:xfrm>
+              <a:off x="7041947" y="2262401"/>
+              <a:ext cx="236048" cy="173380"/>
+            </a:xfrm>
+            <a:prstGeom prst="flowChartDecision">
+              <a:avLst/>
+            </a:prstGeom>
             <a:solidFill>
               <a:srgbClr val="7030A0"/>
             </a:solidFill>
-          </a:ln>
-          <a:effectLst/>
-        </p:spPr>
-        <p:style>
-          <a:lnRef idx="1">
-            <a:schemeClr val="accent6"/>
-          </a:lnRef>
-          <a:fillRef idx="2">
-            <a:schemeClr val="accent6"/>
-          </a:fillRef>
-          <a:effectRef idx="1">
-            <a:schemeClr val="accent6"/>
-          </a:effectRef>
-          <a:fontRef idx="minor">
-            <a:schemeClr val="dk1"/>
-          </a:fontRef>
-        </p:style>
-        <p:txBody>
-          <a:bodyPr rtlCol="0" anchor="ctr"/>
-          <a:lstStyle/>
-          <a:p>
-            <a:pPr algn="ctr"/>
-            <a:endParaRPr lang="en-SG" sz="1050"/>
-          </a:p>
-        </p:txBody>
-      </p:sp>
-      <p:cxnSp>
-        <p:nvCxnSpPr>
-          <p:cNvPr id="58" name="Straight Arrow Connector 57"/>
-          <p:cNvCxnSpPr>
-            <a:stCxn id="42" idx="3"/>
-            <a:endCxn id="2" idx="1"/>
-          </p:cNvCxnSpPr>
-          <p:nvPr/>
-        </p:nvCxnSpPr>
-        <p:spPr>
-          <a:xfrm>
-            <a:off x="2656370" y="3326536"/>
-            <a:ext cx="220810" cy="5284"/>
-          </a:xfrm>
-          <a:prstGeom prst="straightConnector1">
-            <a:avLst/>
-          </a:prstGeom>
-          <a:ln w="19050">
+            <a:ln w="19050">
+              <a:solidFill>
+                <a:srgbClr val="7030A0"/>
+              </a:solidFill>
+            </a:ln>
+            <a:effectLst/>
+          </p:spPr>
+          <p:style>
+            <a:lnRef idx="1">
+              <a:schemeClr val="accent6"/>
+            </a:lnRef>
+            <a:fillRef idx="2">
+              <a:schemeClr val="accent6"/>
+            </a:fillRef>
+            <a:effectRef idx="1">
+              <a:schemeClr val="accent6"/>
+            </a:effectRef>
+            <a:fontRef idx="minor">
+              <a:schemeClr val="dk1"/>
+            </a:fontRef>
+          </p:style>
+          <p:txBody>
+            <a:bodyPr rtlCol="0" anchor="ctr"/>
+            <a:lstStyle/>
+            <a:p>
+              <a:pPr algn="ctr"/>
+              <a:endParaRPr lang="en-US" sz="1050"/>
+            </a:p>
+          </p:txBody>
+        </p:sp>
+        <p:cxnSp>
+          <p:nvCxnSpPr>
+            <p:cNvPr id="79" name="Elbow Connector 78"/>
+            <p:cNvCxnSpPr>
+              <a:stCxn id="78" idx="3"/>
+              <a:endCxn id="76" idx="1"/>
+            </p:cNvCxnSpPr>
+            <p:nvPr/>
+          </p:nvCxnSpPr>
+          <p:spPr>
+            <a:xfrm flipV="1">
+              <a:off x="7277995" y="2021330"/>
+              <a:ext cx="434402" cy="327761"/>
+            </a:xfrm>
+            <a:prstGeom prst="bentConnector3">
+              <a:avLst/>
+            </a:prstGeom>
+            <a:ln w="19050">
+              <a:solidFill>
+                <a:srgbClr val="7030A0"/>
+              </a:solidFill>
+              <a:headEnd type="none" w="med" len="med"/>
+              <a:tailEnd type="arrow" w="med" len="med"/>
+            </a:ln>
+            <a:effectLst/>
+          </p:spPr>
+          <p:style>
+            <a:lnRef idx="1">
+              <a:schemeClr val="accent2"/>
+            </a:lnRef>
+            <a:fillRef idx="2">
+              <a:schemeClr val="accent2"/>
+            </a:fillRef>
+            <a:effectRef idx="1">
+              <a:schemeClr val="accent2"/>
+            </a:effectRef>
+            <a:fontRef idx="minor">
+              <a:schemeClr val="dk1"/>
+            </a:fontRef>
+          </p:style>
+        </p:cxnSp>
+        <p:sp>
+          <p:nvSpPr>
+            <p:cNvPr id="80" name="Rectangle 8"/>
+            <p:cNvSpPr/>
+            <p:nvPr/>
+          </p:nvSpPr>
+          <p:spPr>
+            <a:xfrm>
+              <a:off x="7712397" y="2201416"/>
+              <a:ext cx="708186" cy="285783"/>
+            </a:xfrm>
+            <a:prstGeom prst="rect">
+              <a:avLst/>
+            </a:prstGeom>
+            <a:ln w="19050">
+              <a:solidFill>
+                <a:srgbClr val="7030A0"/>
+              </a:solidFill>
+            </a:ln>
+            <a:effectLst/>
+          </p:spPr>
+          <p:style>
+            <a:lnRef idx="1">
+              <a:schemeClr val="accent4"/>
+            </a:lnRef>
+            <a:fillRef idx="2">
+              <a:schemeClr val="accent4"/>
+            </a:fillRef>
+            <a:effectRef idx="1">
+              <a:schemeClr val="accent4"/>
+            </a:effectRef>
+            <a:fontRef idx="minor">
+              <a:schemeClr val="dk1"/>
+            </a:fontRef>
+          </p:style>
+          <p:txBody>
+            <a:bodyPr rtlCol="0" anchor="ctr"/>
+            <a:lstStyle/>
+            <a:p>
+              <a:pPr algn="ctr"/>
+              <a:r>
+                <a:rPr lang="en-US" sz="1050" dirty="0" smtClean="0">
+                  <a:solidFill>
+                    <a:srgbClr val="7030A0"/>
+                  </a:solidFill>
+                </a:rPr>
+                <a:t>Phone</a:t>
+              </a:r>
+              <a:endParaRPr lang="en-SG" sz="1050" dirty="0">
+                <a:solidFill>
+                  <a:srgbClr val="7030A0"/>
+                </a:solidFill>
+              </a:endParaRPr>
+            </a:p>
+          </p:txBody>
+        </p:sp>
+        <p:cxnSp>
+          <p:nvCxnSpPr>
+            <p:cNvPr id="81" name="Elbow Connector 80"/>
+            <p:cNvCxnSpPr>
+              <a:stCxn id="78" idx="3"/>
+              <a:endCxn id="80" idx="1"/>
+            </p:cNvCxnSpPr>
+            <p:nvPr/>
+          </p:nvCxnSpPr>
+          <p:spPr>
+            <a:xfrm flipV="1">
+              <a:off x="7277995" y="2344308"/>
+              <a:ext cx="434402" cy="4783"/>
+            </a:xfrm>
+            <a:prstGeom prst="bentConnector3">
+              <a:avLst/>
+            </a:prstGeom>
+            <a:ln w="19050">
+              <a:solidFill>
+                <a:srgbClr val="7030A0"/>
+              </a:solidFill>
+              <a:headEnd type="none" w="med" len="med"/>
+              <a:tailEnd type="arrow" w="med" len="med"/>
+            </a:ln>
+            <a:effectLst/>
+          </p:spPr>
+          <p:style>
+            <a:lnRef idx="1">
+              <a:schemeClr val="accent2"/>
+            </a:lnRef>
+            <a:fillRef idx="2">
+              <a:schemeClr val="accent2"/>
+            </a:fillRef>
+            <a:effectRef idx="1">
+              <a:schemeClr val="accent2"/>
+            </a:effectRef>
+            <a:fontRef idx="minor">
+              <a:schemeClr val="dk1"/>
+            </a:fontRef>
+          </p:style>
+        </p:cxnSp>
+        <p:sp>
+          <p:nvSpPr>
+            <p:cNvPr id="83" name="Rectangle 8"/>
+            <p:cNvSpPr/>
+            <p:nvPr/>
+          </p:nvSpPr>
+          <p:spPr>
+            <a:xfrm>
+              <a:off x="7712397" y="2524394"/>
+              <a:ext cx="708186" cy="285783"/>
+            </a:xfrm>
+            <a:prstGeom prst="rect">
+              <a:avLst/>
+            </a:prstGeom>
+            <a:ln w="19050">
+              <a:solidFill>
+                <a:srgbClr val="7030A0"/>
+              </a:solidFill>
+            </a:ln>
+            <a:effectLst/>
+          </p:spPr>
+          <p:style>
+            <a:lnRef idx="1">
+              <a:schemeClr val="accent4"/>
+            </a:lnRef>
+            <a:fillRef idx="2">
+              <a:schemeClr val="accent4"/>
+            </a:fillRef>
+            <a:effectRef idx="1">
+              <a:schemeClr val="accent4"/>
+            </a:effectRef>
+            <a:fontRef idx="minor">
+              <a:schemeClr val="dk1"/>
+            </a:fontRef>
+          </p:style>
+          <p:txBody>
+            <a:bodyPr rtlCol="0" anchor="ctr"/>
+            <a:lstStyle/>
+            <a:p>
+              <a:pPr algn="ctr"/>
+              <a:r>
+                <a:rPr lang="en-US" sz="1050" dirty="0" smtClean="0">
+                  <a:solidFill>
+                    <a:srgbClr val="7030A0"/>
+                  </a:solidFill>
+                </a:rPr>
+                <a:t>Email</a:t>
+              </a:r>
+              <a:endParaRPr lang="en-SG" sz="1050" dirty="0">
+                <a:solidFill>
+                  <a:srgbClr val="7030A0"/>
+                </a:solidFill>
+              </a:endParaRPr>
+            </a:p>
+          </p:txBody>
+        </p:sp>
+        <p:cxnSp>
+          <p:nvCxnSpPr>
+            <p:cNvPr id="84" name="Elbow Connector 83"/>
+            <p:cNvCxnSpPr>
+              <a:stCxn id="78" idx="3"/>
+              <a:endCxn id="83" idx="1"/>
+            </p:cNvCxnSpPr>
+            <p:nvPr/>
+          </p:nvCxnSpPr>
+          <p:spPr>
+            <a:xfrm>
+              <a:off x="7277995" y="2349091"/>
+              <a:ext cx="434402" cy="318195"/>
+            </a:xfrm>
+            <a:prstGeom prst="bentConnector3">
+              <a:avLst/>
+            </a:prstGeom>
+            <a:ln w="19050">
+              <a:solidFill>
+                <a:srgbClr val="7030A0"/>
+              </a:solidFill>
+              <a:headEnd type="none" w="med" len="med"/>
+              <a:tailEnd type="arrow" w="med" len="med"/>
+            </a:ln>
+            <a:effectLst/>
+          </p:spPr>
+          <p:style>
+            <a:lnRef idx="1">
+              <a:schemeClr val="accent2"/>
+            </a:lnRef>
+            <a:fillRef idx="2">
+              <a:schemeClr val="accent2"/>
+            </a:fillRef>
+            <a:effectRef idx="1">
+              <a:schemeClr val="accent2"/>
+            </a:effectRef>
+            <a:fontRef idx="minor">
+              <a:schemeClr val="dk1"/>
+            </a:fontRef>
+          </p:style>
+        </p:cxnSp>
+        <p:sp>
+          <p:nvSpPr>
+            <p:cNvPr id="85" name="Rectangle 8"/>
+            <p:cNvSpPr/>
+            <p:nvPr/>
+          </p:nvSpPr>
+          <p:spPr>
+            <a:xfrm>
+              <a:off x="7712397" y="2847371"/>
+              <a:ext cx="708186" cy="285783"/>
+            </a:xfrm>
+            <a:prstGeom prst="rect">
+              <a:avLst/>
+            </a:prstGeom>
+            <a:ln w="19050">
+              <a:solidFill>
+                <a:srgbClr val="7030A0"/>
+              </a:solidFill>
+            </a:ln>
+            <a:effectLst/>
+          </p:spPr>
+          <p:style>
+            <a:lnRef idx="1">
+              <a:schemeClr val="accent4"/>
+            </a:lnRef>
+            <a:fillRef idx="2">
+              <a:schemeClr val="accent4"/>
+            </a:fillRef>
+            <a:effectRef idx="1">
+              <a:schemeClr val="accent4"/>
+            </a:effectRef>
+            <a:fontRef idx="minor">
+              <a:schemeClr val="dk1"/>
+            </a:fontRef>
+          </p:style>
+          <p:txBody>
+            <a:bodyPr rtlCol="0" anchor="ctr"/>
+            <a:lstStyle/>
+            <a:p>
+              <a:pPr algn="ctr"/>
+              <a:r>
+                <a:rPr lang="en-US" sz="1050" dirty="0" smtClean="0">
+                  <a:solidFill>
+                    <a:srgbClr val="7030A0"/>
+                  </a:solidFill>
+                </a:rPr>
+                <a:t>Address</a:t>
+              </a:r>
+              <a:endParaRPr lang="en-SG" sz="1050" dirty="0">
+                <a:solidFill>
+                  <a:srgbClr val="7030A0"/>
+                </a:solidFill>
+              </a:endParaRPr>
+            </a:p>
+          </p:txBody>
+        </p:sp>
+        <p:cxnSp>
+          <p:nvCxnSpPr>
+            <p:cNvPr id="86" name="Elbow Connector 85"/>
+            <p:cNvCxnSpPr>
+              <a:stCxn id="78" idx="3"/>
+              <a:endCxn id="85" idx="1"/>
+            </p:cNvCxnSpPr>
+            <p:nvPr/>
+          </p:nvCxnSpPr>
+          <p:spPr>
+            <a:xfrm>
+              <a:off x="7277995" y="2349091"/>
+              <a:ext cx="434402" cy="641172"/>
+            </a:xfrm>
+            <a:prstGeom prst="bentConnector3">
+              <a:avLst/>
+            </a:prstGeom>
+            <a:ln w="19050">
+              <a:solidFill>
+                <a:srgbClr val="7030A0"/>
+              </a:solidFill>
+              <a:headEnd type="none" w="med" len="med"/>
+              <a:tailEnd type="arrow" w="med" len="med"/>
+            </a:ln>
+            <a:effectLst/>
+          </p:spPr>
+          <p:style>
+            <a:lnRef idx="1">
+              <a:schemeClr val="accent2"/>
+            </a:lnRef>
+            <a:fillRef idx="2">
+              <a:schemeClr val="accent2"/>
+            </a:fillRef>
+            <a:effectRef idx="1">
+              <a:schemeClr val="accent2"/>
+            </a:effectRef>
+            <a:fontRef idx="minor">
+              <a:schemeClr val="dk1"/>
+            </a:fontRef>
+          </p:style>
+        </p:cxnSp>
+        <p:cxnSp>
+          <p:nvCxnSpPr>
+            <p:cNvPr id="97" name="Elbow Connector 63"/>
+            <p:cNvCxnSpPr>
+              <a:stCxn id="99" idx="3"/>
+            </p:cNvCxnSpPr>
+            <p:nvPr/>
+          </p:nvCxnSpPr>
+          <p:spPr>
+            <a:xfrm rot="16200000" flipH="1">
+              <a:off x="3279321" y="1799631"/>
+              <a:ext cx="293825" cy="1"/>
+            </a:xfrm>
+            <a:prstGeom prst="bentConnector3">
+              <a:avLst>
+                <a:gd name="adj1" fmla="val 50000"/>
+              </a:avLst>
+            </a:prstGeom>
+            <a:ln w="19050">
+              <a:solidFill>
+                <a:srgbClr val="7030A0"/>
+              </a:solidFill>
+              <a:prstDash val="sysDot"/>
+              <a:headEnd type="none" w="med" len="med"/>
+              <a:tailEnd type="none" w="med" len="med"/>
+            </a:ln>
+            <a:effectLst/>
+          </p:spPr>
+          <p:style>
+            <a:lnRef idx="1">
+              <a:schemeClr val="accent2"/>
+            </a:lnRef>
+            <a:fillRef idx="2">
+              <a:schemeClr val="accent2"/>
+            </a:fillRef>
+            <a:effectRef idx="1">
+              <a:schemeClr val="accent2"/>
+            </a:effectRef>
+            <a:fontRef idx="minor">
+              <a:schemeClr val="dk1"/>
+            </a:fontRef>
+          </p:style>
+        </p:cxnSp>
+        <p:sp>
+          <p:nvSpPr>
+            <p:cNvPr id="99" name="Isosceles Triangle 102"/>
+            <p:cNvSpPr/>
+            <p:nvPr/>
+          </p:nvSpPr>
+          <p:spPr>
+            <a:xfrm rot="10800000" flipV="1">
+              <a:off x="3290981" y="1477197"/>
+              <a:ext cx="270504" cy="175523"/>
+            </a:xfrm>
+            <a:prstGeom prst="triangle">
+              <a:avLst/>
+            </a:prstGeom>
+            <a:ln w="19050">
+              <a:solidFill>
+                <a:srgbClr val="7030A0"/>
+              </a:solidFill>
+            </a:ln>
+            <a:effectLst/>
+          </p:spPr>
+          <p:style>
+            <a:lnRef idx="1">
+              <a:schemeClr val="accent4"/>
+            </a:lnRef>
+            <a:fillRef idx="2">
+              <a:schemeClr val="accent4"/>
+            </a:fillRef>
+            <a:effectRef idx="1">
+              <a:schemeClr val="accent4"/>
+            </a:effectRef>
+            <a:fontRef idx="minor">
+              <a:schemeClr val="dk1"/>
+            </a:fontRef>
+          </p:style>
+          <p:txBody>
+            <a:bodyPr rtlCol="0" anchor="ctr"/>
+            <a:lstStyle/>
+            <a:p>
+              <a:pPr algn="ctr"/>
+              <a:endParaRPr lang="en-SG" sz="1050" b="1">
+                <a:solidFill>
+                  <a:srgbClr val="92D050"/>
+                </a:solidFill>
+              </a:endParaRPr>
+            </a:p>
+          </p:txBody>
+        </p:sp>
+        <p:sp>
+          <p:nvSpPr>
+            <p:cNvPr id="100" name="Rectangle 8"/>
+            <p:cNvSpPr/>
+            <p:nvPr/>
+          </p:nvSpPr>
+          <p:spPr>
+            <a:xfrm>
+              <a:off x="2660303" y="1120670"/>
+              <a:ext cx="1539926" cy="346760"/>
+            </a:xfrm>
+            <a:prstGeom prst="rect">
+              <a:avLst/>
+            </a:prstGeom>
+            <a:ln w="19050">
+              <a:solidFill>
+                <a:srgbClr val="7030A0"/>
+              </a:solidFill>
+            </a:ln>
+            <a:effectLst/>
+          </p:spPr>
+          <p:style>
+            <a:lnRef idx="1">
+              <a:schemeClr val="accent4"/>
+            </a:lnRef>
+            <a:fillRef idx="2">
+              <a:schemeClr val="accent4"/>
+            </a:fillRef>
+            <a:effectRef idx="1">
+              <a:schemeClr val="accent4"/>
+            </a:effectRef>
+            <a:fontRef idx="minor">
+              <a:schemeClr val="dk1"/>
+            </a:fontRef>
+          </p:style>
+          <p:txBody>
+            <a:bodyPr rtlCol="0" anchor="ctr"/>
+            <a:lstStyle/>
+            <a:p>
+              <a:pPr algn="ctr"/>
+              <a:r>
+                <a:rPr lang="en-US" sz="1050" dirty="0" smtClean="0">
+                  <a:solidFill>
+                    <a:srgbClr val="7030A0"/>
+                  </a:solidFill>
+                </a:rPr>
+                <a:t>&lt;&lt;interface&gt;&gt;</a:t>
+              </a:r>
+              <a:br>
+                <a:rPr lang="en-US" sz="1050" dirty="0" smtClean="0">
+                  <a:solidFill>
+                    <a:srgbClr val="7030A0"/>
+                  </a:solidFill>
+                </a:rPr>
+              </a:br>
+              <a:r>
+                <a:rPr lang="en-US" sz="1050" dirty="0" err="1" smtClean="0">
+                  <a:solidFill>
+                    <a:srgbClr val="7030A0"/>
+                  </a:solidFill>
+                </a:rPr>
+                <a:t>ReadOnlyAddressBook</a:t>
+              </a:r>
+              <a:endParaRPr lang="en-SG" sz="1050" dirty="0">
+                <a:solidFill>
+                  <a:srgbClr val="7030A0"/>
+                </a:solidFill>
+              </a:endParaRPr>
+            </a:p>
+          </p:txBody>
+        </p:sp>
+        <p:sp>
+          <p:nvSpPr>
+            <p:cNvPr id="114" name="TextBox 113"/>
+            <p:cNvSpPr txBox="1"/>
+            <p:nvPr/>
+          </p:nvSpPr>
+          <p:spPr>
+            <a:xfrm rot="16200000">
+              <a:off x="6527512" y="2900505"/>
+              <a:ext cx="881018" cy="261610"/>
+            </a:xfrm>
+            <a:prstGeom prst="rect">
+              <a:avLst/>
+            </a:prstGeom>
+            <a:noFill/>
+          </p:spPr>
+          <p:txBody>
+            <a:bodyPr wrap="square" rtlCol="0">
+              <a:spAutoFit/>
+            </a:bodyPr>
+            <a:lstStyle/>
+            <a:p>
+              <a:pPr algn="r"/>
+              <a:r>
+                <a:rPr lang="en-US" sz="1100" dirty="0" smtClean="0">
+                  <a:solidFill>
+                    <a:srgbClr val="7030A0"/>
+                  </a:solidFill>
+                </a:rPr>
+                <a:t>filtered list</a:t>
+              </a:r>
+              <a:endParaRPr lang="en-SG" sz="1100" dirty="0">
+                <a:solidFill>
+                  <a:srgbClr val="7030A0"/>
+                </a:solidFill>
+              </a:endParaRPr>
+            </a:p>
+          </p:txBody>
+        </p:sp>
+        <p:sp>
+          <p:nvSpPr>
+            <p:cNvPr id="122" name="Rectangle 8"/>
+            <p:cNvSpPr/>
+            <p:nvPr/>
+          </p:nvSpPr>
+          <p:spPr>
+            <a:xfrm>
+              <a:off x="2041738" y="569960"/>
+              <a:ext cx="1066800" cy="346760"/>
+            </a:xfrm>
+            <a:prstGeom prst="rect">
+              <a:avLst/>
+            </a:prstGeom>
+            <a:ln w="19050">
+              <a:solidFill>
+                <a:srgbClr val="7030A0"/>
+              </a:solidFill>
+            </a:ln>
+            <a:effectLst/>
+          </p:spPr>
+          <p:style>
+            <a:lnRef idx="1">
+              <a:schemeClr val="accent4"/>
+            </a:lnRef>
+            <a:fillRef idx="2">
+              <a:schemeClr val="accent4"/>
+            </a:fillRef>
+            <a:effectRef idx="1">
+              <a:schemeClr val="accent4"/>
+            </a:effectRef>
+            <a:fontRef idx="minor">
+              <a:schemeClr val="dk1"/>
+            </a:fontRef>
+          </p:style>
+          <p:txBody>
+            <a:bodyPr rtlCol="0" anchor="ctr"/>
+            <a:lstStyle/>
+            <a:p>
+              <a:pPr algn="ctr"/>
+              <a:r>
+                <a:rPr lang="en-US" sz="1050" dirty="0" smtClean="0">
+                  <a:solidFill>
+                    <a:srgbClr val="7030A0"/>
+                  </a:solidFill>
+                </a:rPr>
+                <a:t>&lt;&lt;interface&gt;&gt;</a:t>
+              </a:r>
+              <a:r>
+                <a:rPr lang="en-US" sz="1050">
+                  <a:solidFill>
+                    <a:srgbClr val="7030A0"/>
+                  </a:solidFill>
+                </a:rPr>
+                <a:t/>
+              </a:r>
+              <a:br>
+                <a:rPr lang="en-US" sz="1050">
+                  <a:solidFill>
+                    <a:srgbClr val="7030A0"/>
+                  </a:solidFill>
+                </a:rPr>
+              </a:br>
+              <a:r>
+                <a:rPr lang="en-US" sz="1050" dirty="0" err="1" smtClean="0">
+                  <a:solidFill>
+                    <a:srgbClr val="7030A0"/>
+                  </a:solidFill>
+                </a:rPr>
+                <a:t>ObservableList</a:t>
+              </a:r>
+              <a:endParaRPr lang="en-SG" sz="1050" dirty="0">
+                <a:solidFill>
+                  <a:srgbClr val="7030A0"/>
+                </a:solidFill>
+              </a:endParaRPr>
+            </a:p>
+          </p:txBody>
+        </p:sp>
+        <p:cxnSp>
+          <p:nvCxnSpPr>
+            <p:cNvPr id="124" name="Elbow Connector 122"/>
+            <p:cNvCxnSpPr>
+              <a:endCxn id="122" idx="1"/>
+            </p:cNvCxnSpPr>
+            <p:nvPr/>
+          </p:nvCxnSpPr>
+          <p:spPr>
+            <a:xfrm rot="5400000" flipH="1" flipV="1">
+              <a:off x="1116261" y="1107185"/>
+              <a:ext cx="1289321" cy="561633"/>
+            </a:xfrm>
+            <a:prstGeom prst="bentConnector2">
+              <a:avLst/>
+            </a:prstGeom>
+            <a:ln w="19050">
+              <a:solidFill>
+                <a:srgbClr val="7030A0"/>
+              </a:solidFill>
+              <a:prstDash val="sysDot"/>
+              <a:headEnd type="none" w="med" len="med"/>
+              <a:tailEnd type="arrow" w="med" len="med"/>
+            </a:ln>
+            <a:effectLst/>
+          </p:spPr>
+          <p:style>
+            <a:lnRef idx="1">
+              <a:schemeClr val="accent2"/>
+            </a:lnRef>
+            <a:fillRef idx="2">
+              <a:schemeClr val="accent2"/>
+            </a:fillRef>
+            <a:effectRef idx="1">
+              <a:schemeClr val="accent2"/>
+            </a:effectRef>
+            <a:fontRef idx="minor">
+              <a:schemeClr val="dk1"/>
+            </a:fontRef>
+          </p:style>
+        </p:cxnSp>
+        <p:cxnSp>
+          <p:nvCxnSpPr>
+            <p:cNvPr id="50" name="Elbow Connector 49"/>
+            <p:cNvCxnSpPr>
+              <a:stCxn id="62" idx="0"/>
+              <a:endCxn id="57" idx="3"/>
+            </p:cNvCxnSpPr>
+            <p:nvPr/>
+          </p:nvCxnSpPr>
+          <p:spPr>
+            <a:xfrm rot="16200000" flipV="1">
+              <a:off x="5948976" y="1453471"/>
+              <a:ext cx="404117" cy="1033473"/>
+            </a:xfrm>
+            <a:prstGeom prst="bentConnector2">
+              <a:avLst/>
+            </a:prstGeom>
+            <a:ln w="19050">
+              <a:solidFill>
+                <a:srgbClr val="7030A0"/>
+              </a:solidFill>
+              <a:headEnd type="none" w="med" len="med"/>
+              <a:tailEnd type="arrow" w="med" len="med"/>
+            </a:ln>
+            <a:effectLst/>
+          </p:spPr>
+          <p:style>
+            <a:lnRef idx="1">
+              <a:schemeClr val="accent2"/>
+            </a:lnRef>
+            <a:fillRef idx="2">
+              <a:schemeClr val="accent2"/>
+            </a:fillRef>
+            <a:effectRef idx="1">
+              <a:schemeClr val="accent2"/>
+            </a:effectRef>
+            <a:fontRef idx="minor">
+              <a:schemeClr val="dk1"/>
+            </a:fontRef>
+          </p:style>
+        </p:cxnSp>
+        <p:sp>
+          <p:nvSpPr>
+            <p:cNvPr id="11" name="TextBox 10"/>
+            <p:cNvSpPr txBox="1"/>
+            <p:nvPr/>
+          </p:nvSpPr>
+          <p:spPr>
+            <a:xfrm>
+              <a:off x="4324972" y="1505428"/>
+              <a:ext cx="189257" cy="178683"/>
+            </a:xfrm>
+            <a:prstGeom prst="rect">
+              <a:avLst/>
+            </a:prstGeom>
+            <a:noFill/>
+          </p:spPr>
+          <p:txBody>
+            <a:bodyPr wrap="square" lIns="0" tIns="0" rIns="0" bIns="0" rtlCol="0">
+              <a:noAutofit/>
+            </a:bodyPr>
+            <a:lstStyle/>
+            <a:p>
+              <a:pPr algn="ctr"/>
+              <a:r>
+                <a:rPr lang="en-US" sz="1100" dirty="0" smtClean="0">
+                  <a:solidFill>
+                    <a:srgbClr val="7030A0"/>
+                  </a:solidFill>
+                </a:rPr>
+                <a:t>1</a:t>
+              </a:r>
+              <a:endParaRPr lang="en-SG" sz="1100" dirty="0">
+                <a:solidFill>
+                  <a:srgbClr val="7030A0"/>
+                </a:solidFill>
+              </a:endParaRPr>
+            </a:p>
+          </p:txBody>
+        </p:sp>
+        <p:sp>
+          <p:nvSpPr>
+            <p:cNvPr id="54" name="TextBox 53"/>
+            <p:cNvSpPr txBox="1"/>
+            <p:nvPr/>
+          </p:nvSpPr>
+          <p:spPr>
+            <a:xfrm>
+              <a:off x="4324972" y="2373064"/>
+              <a:ext cx="189257" cy="178683"/>
+            </a:xfrm>
+            <a:prstGeom prst="rect">
+              <a:avLst/>
+            </a:prstGeom>
+            <a:noFill/>
+          </p:spPr>
+          <p:txBody>
+            <a:bodyPr wrap="square" lIns="0" tIns="0" rIns="0" bIns="0" rtlCol="0">
+              <a:noAutofit/>
+            </a:bodyPr>
+            <a:lstStyle/>
+            <a:p>
+              <a:pPr algn="ctr"/>
+              <a:r>
+                <a:rPr lang="en-US" sz="1100" dirty="0" smtClean="0">
+                  <a:solidFill>
+                    <a:srgbClr val="7030A0"/>
+                  </a:solidFill>
+                </a:rPr>
+                <a:t>1</a:t>
+              </a:r>
+              <a:endParaRPr lang="en-SG" sz="1100" dirty="0">
+                <a:solidFill>
+                  <a:srgbClr val="7030A0"/>
+                </a:solidFill>
+              </a:endParaRPr>
+            </a:p>
+          </p:txBody>
+        </p:sp>
+        <p:sp>
+          <p:nvSpPr>
+            <p:cNvPr id="56" name="TextBox 55"/>
+            <p:cNvSpPr txBox="1"/>
+            <p:nvPr/>
+          </p:nvSpPr>
+          <p:spPr>
+            <a:xfrm>
+              <a:off x="5689761" y="1809613"/>
+              <a:ext cx="189257" cy="178683"/>
+            </a:xfrm>
+            <a:prstGeom prst="rect">
+              <a:avLst/>
+            </a:prstGeom>
+            <a:noFill/>
+          </p:spPr>
+          <p:txBody>
+            <a:bodyPr wrap="square" lIns="0" tIns="0" rIns="0" bIns="0" rtlCol="0">
+              <a:noAutofit/>
+            </a:bodyPr>
+            <a:lstStyle/>
+            <a:p>
+              <a:pPr algn="ctr"/>
+              <a:r>
+                <a:rPr lang="en-US" sz="1100" dirty="0" smtClean="0">
+                  <a:solidFill>
+                    <a:srgbClr val="7030A0"/>
+                  </a:solidFill>
+                </a:rPr>
+                <a:t>1</a:t>
+              </a:r>
+              <a:endParaRPr lang="en-SG" sz="1100" dirty="0">
+                <a:solidFill>
+                  <a:srgbClr val="7030A0"/>
+                </a:solidFill>
+              </a:endParaRPr>
+            </a:p>
+          </p:txBody>
+        </p:sp>
+        <p:sp>
+          <p:nvSpPr>
+            <p:cNvPr id="60" name="TextBox 59"/>
+            <p:cNvSpPr txBox="1"/>
+            <p:nvPr/>
+          </p:nvSpPr>
+          <p:spPr>
+            <a:xfrm>
+              <a:off x="5163172" y="1093119"/>
+              <a:ext cx="189257" cy="178683"/>
+            </a:xfrm>
+            <a:prstGeom prst="rect">
+              <a:avLst/>
+            </a:prstGeom>
+            <a:noFill/>
+          </p:spPr>
+          <p:txBody>
+            <a:bodyPr wrap="square" lIns="0" tIns="0" rIns="0" bIns="0" rtlCol="0">
+              <a:noAutofit/>
+            </a:bodyPr>
+            <a:lstStyle/>
+            <a:p>
+              <a:pPr algn="ctr"/>
+              <a:r>
+                <a:rPr lang="en-US" sz="1100" dirty="0" smtClean="0">
+                  <a:solidFill>
+                    <a:srgbClr val="7030A0"/>
+                  </a:solidFill>
+                </a:rPr>
+                <a:t>*</a:t>
+              </a:r>
+              <a:endParaRPr lang="en-SG" sz="1100" dirty="0">
+                <a:solidFill>
+                  <a:srgbClr val="7030A0"/>
+                </a:solidFill>
+              </a:endParaRPr>
+            </a:p>
+          </p:txBody>
+        </p:sp>
+        <p:sp>
+          <p:nvSpPr>
+            <p:cNvPr id="61" name="TextBox 60"/>
+            <p:cNvSpPr txBox="1"/>
+            <p:nvPr/>
+          </p:nvSpPr>
+          <p:spPr>
+            <a:xfrm>
+              <a:off x="6135256" y="2412117"/>
+              <a:ext cx="189257" cy="178683"/>
+            </a:xfrm>
+            <a:prstGeom prst="rect">
+              <a:avLst/>
+            </a:prstGeom>
+            <a:noFill/>
+          </p:spPr>
+          <p:txBody>
+            <a:bodyPr wrap="square" lIns="0" tIns="0" rIns="0" bIns="0" rtlCol="0">
+              <a:noAutofit/>
+            </a:bodyPr>
+            <a:lstStyle/>
+            <a:p>
+              <a:pPr algn="ctr"/>
+              <a:r>
+                <a:rPr lang="en-US" sz="1100" dirty="0" smtClean="0">
+                  <a:solidFill>
+                    <a:srgbClr val="7030A0"/>
+                  </a:solidFill>
+                </a:rPr>
+                <a:t>*</a:t>
+              </a:r>
+              <a:endParaRPr lang="en-SG" sz="1100" dirty="0">
+                <a:solidFill>
+                  <a:srgbClr val="7030A0"/>
+                </a:solidFill>
+              </a:endParaRPr>
+            </a:p>
+          </p:txBody>
+        </p:sp>
+        <p:sp>
+          <p:nvSpPr>
+            <p:cNvPr id="65" name="TextBox 64"/>
+            <p:cNvSpPr txBox="1"/>
+            <p:nvPr/>
+          </p:nvSpPr>
+          <p:spPr>
+            <a:xfrm>
+              <a:off x="2687923" y="1878438"/>
+              <a:ext cx="189257" cy="178683"/>
+            </a:xfrm>
+            <a:prstGeom prst="rect">
+              <a:avLst/>
+            </a:prstGeom>
+            <a:noFill/>
+          </p:spPr>
+          <p:txBody>
+            <a:bodyPr wrap="square" lIns="0" tIns="0" rIns="0" bIns="0" rtlCol="0">
+              <a:noAutofit/>
+            </a:bodyPr>
+            <a:lstStyle/>
+            <a:p>
+              <a:pPr algn="ctr"/>
+              <a:r>
+                <a:rPr lang="en-US" sz="1100" dirty="0" smtClean="0">
+                  <a:solidFill>
+                    <a:srgbClr val="7030A0"/>
+                  </a:solidFill>
+                </a:rPr>
+                <a:t>1</a:t>
+              </a:r>
+              <a:endParaRPr lang="en-SG" sz="1100" dirty="0">
+                <a:solidFill>
+                  <a:srgbClr val="7030A0"/>
+                </a:solidFill>
+              </a:endParaRPr>
+            </a:p>
+          </p:txBody>
+        </p:sp>
+        <p:sp>
+          <p:nvSpPr>
+            <p:cNvPr id="66" name="TextBox 65"/>
+            <p:cNvSpPr txBox="1"/>
+            <p:nvPr/>
+          </p:nvSpPr>
+          <p:spPr>
+            <a:xfrm>
+              <a:off x="2656370" y="2700250"/>
+              <a:ext cx="189257" cy="178683"/>
+            </a:xfrm>
+            <a:prstGeom prst="rect">
+              <a:avLst/>
+            </a:prstGeom>
+            <a:noFill/>
+          </p:spPr>
+          <p:txBody>
+            <a:bodyPr wrap="square" lIns="0" tIns="0" rIns="0" bIns="0" rtlCol="0">
+              <a:noAutofit/>
+            </a:bodyPr>
+            <a:lstStyle/>
+            <a:p>
+              <a:pPr algn="ctr"/>
+              <a:r>
+                <a:rPr lang="en-US" sz="1100" dirty="0" smtClean="0">
+                  <a:solidFill>
+                    <a:srgbClr val="7030A0"/>
+                  </a:solidFill>
+                </a:rPr>
+                <a:t>1</a:t>
+              </a:r>
+              <a:endParaRPr lang="en-SG" sz="1100" dirty="0">
+                <a:solidFill>
+                  <a:srgbClr val="7030A0"/>
+                </a:solidFill>
+              </a:endParaRPr>
+            </a:p>
+          </p:txBody>
+        </p:sp>
+        <p:sp>
+          <p:nvSpPr>
+            <p:cNvPr id="70" name="TextBox 69"/>
+            <p:cNvSpPr txBox="1"/>
+            <p:nvPr/>
+          </p:nvSpPr>
+          <p:spPr>
+            <a:xfrm>
+              <a:off x="6667770" y="2524394"/>
+              <a:ext cx="189257" cy="178683"/>
+            </a:xfrm>
+            <a:prstGeom prst="rect">
+              <a:avLst/>
+            </a:prstGeom>
+            <a:noFill/>
+          </p:spPr>
+          <p:txBody>
+            <a:bodyPr wrap="square" lIns="0" tIns="0" rIns="0" bIns="0" rtlCol="0">
+              <a:noAutofit/>
+            </a:bodyPr>
+            <a:lstStyle/>
+            <a:p>
+              <a:pPr algn="ctr"/>
+              <a:r>
+                <a:rPr lang="en-US" sz="1100" dirty="0" smtClean="0">
+                  <a:solidFill>
+                    <a:srgbClr val="7030A0"/>
+                  </a:solidFill>
+                </a:rPr>
+                <a:t>1</a:t>
+              </a:r>
+              <a:endParaRPr lang="en-SG" sz="1100" dirty="0">
+                <a:solidFill>
+                  <a:srgbClr val="7030A0"/>
+                </a:solidFill>
+              </a:endParaRPr>
+            </a:p>
+          </p:txBody>
+        </p:sp>
+        <p:cxnSp>
+          <p:nvCxnSpPr>
+            <p:cNvPr id="55" name="Elbow Connector 54"/>
+            <p:cNvCxnSpPr>
+              <a:endCxn id="73" idx="1"/>
+            </p:cNvCxnSpPr>
+            <p:nvPr/>
+          </p:nvCxnSpPr>
+          <p:spPr>
+            <a:xfrm rot="5400000" flipH="1" flipV="1">
+              <a:off x="7275357" y="1907364"/>
+              <a:ext cx="660265" cy="218407"/>
+            </a:xfrm>
+            <a:prstGeom prst="bentConnector2">
+              <a:avLst/>
+            </a:prstGeom>
+            <a:ln w="19050">
+              <a:solidFill>
+                <a:srgbClr val="7030A0"/>
+              </a:solidFill>
+              <a:headEnd type="none" w="med" len="med"/>
+              <a:tailEnd type="arrow" w="med" len="med"/>
+            </a:ln>
+            <a:effectLst/>
+          </p:spPr>
+          <p:style>
+            <a:lnRef idx="1">
+              <a:schemeClr val="accent2"/>
+            </a:lnRef>
+            <a:fillRef idx="2">
+              <a:schemeClr val="accent2"/>
+            </a:fillRef>
+            <a:effectRef idx="1">
+              <a:schemeClr val="accent2"/>
+            </a:effectRef>
+            <a:fontRef idx="minor">
+              <a:schemeClr val="dk1"/>
+            </a:fontRef>
+          </p:style>
+        </p:cxnSp>
+        <p:sp>
+          <p:nvSpPr>
+            <p:cNvPr id="73" name="Rectangle 8"/>
+            <p:cNvSpPr/>
+            <p:nvPr/>
+          </p:nvSpPr>
+          <p:spPr>
+            <a:xfrm>
+              <a:off x="7714693" y="1543542"/>
+              <a:ext cx="708186" cy="285783"/>
+            </a:xfrm>
+            <a:prstGeom prst="rect">
+              <a:avLst/>
+            </a:prstGeom>
+            <a:ln w="19050">
+              <a:solidFill>
+                <a:srgbClr val="7030A0"/>
+              </a:solidFill>
+            </a:ln>
+            <a:effectLst/>
+          </p:spPr>
+          <p:style>
+            <a:lnRef idx="1">
+              <a:schemeClr val="accent4"/>
+            </a:lnRef>
+            <a:fillRef idx="2">
+              <a:schemeClr val="accent4"/>
+            </a:fillRef>
+            <a:effectRef idx="1">
+              <a:schemeClr val="accent4"/>
+            </a:effectRef>
+            <a:fontRef idx="minor">
+              <a:schemeClr val="dk1"/>
+            </a:fontRef>
+          </p:style>
+          <p:txBody>
+            <a:bodyPr rtlCol="0" anchor="ctr"/>
+            <a:lstStyle/>
+            <a:p>
+              <a:pPr algn="ctr"/>
+              <a:r>
+                <a:rPr lang="en-US" sz="1050" dirty="0" smtClean="0">
+                  <a:solidFill>
+                    <a:srgbClr val="7030A0"/>
+                  </a:solidFill>
+                </a:rPr>
+                <a:t>Search Data</a:t>
+              </a:r>
+              <a:endParaRPr lang="en-SG" sz="1050" dirty="0">
+                <a:solidFill>
+                  <a:srgbClr val="7030A0"/>
+                </a:solidFill>
+              </a:endParaRPr>
+            </a:p>
+          </p:txBody>
+        </p:sp>
+        <p:sp>
+          <p:nvSpPr>
+            <p:cNvPr id="74" name="Rectangle 8"/>
+            <p:cNvSpPr/>
+            <p:nvPr/>
+          </p:nvSpPr>
+          <p:spPr>
+            <a:xfrm>
+              <a:off x="4333603" y="4652260"/>
+              <a:ext cx="1156969" cy="346760"/>
+            </a:xfrm>
+            <a:prstGeom prst="rect">
+              <a:avLst/>
+            </a:prstGeom>
+            <a:ln w="19050">
+              <a:solidFill>
+                <a:srgbClr val="7030A0"/>
+              </a:solidFill>
+            </a:ln>
+            <a:effectLst/>
+          </p:spPr>
+          <p:style>
+            <a:lnRef idx="1">
+              <a:schemeClr val="accent4"/>
+            </a:lnRef>
+            <a:fillRef idx="2">
+              <a:schemeClr val="accent4"/>
+            </a:fillRef>
+            <a:effectRef idx="1">
+              <a:schemeClr val="accent4"/>
+            </a:effectRef>
+            <a:fontRef idx="minor">
+              <a:schemeClr val="dk1"/>
+            </a:fontRef>
+          </p:style>
+          <p:txBody>
+            <a:bodyPr rtlCol="0" anchor="ctr"/>
+            <a:lstStyle/>
+            <a:p>
+              <a:pPr algn="ctr"/>
+              <a:r>
+                <a:rPr lang="en-US" sz="1000" dirty="0" smtClean="0">
+                  <a:solidFill>
+                    <a:srgbClr val="7030A0"/>
+                  </a:solidFill>
+                </a:rPr>
+                <a:t>&lt;&lt;interface&gt;&gt;</a:t>
+              </a:r>
+              <a:br>
+                <a:rPr lang="en-US" sz="1000" dirty="0" smtClean="0">
+                  <a:solidFill>
+                    <a:srgbClr val="7030A0"/>
+                  </a:solidFill>
+                </a:rPr>
+              </a:br>
+              <a:r>
+                <a:rPr lang="en-US" sz="1000" dirty="0" err="1" smtClean="0">
+                  <a:solidFill>
+                    <a:srgbClr val="7030A0"/>
+                  </a:solidFill>
+                </a:rPr>
+                <a:t>ReadOnlyMeeting</a:t>
+              </a:r>
+              <a:endParaRPr lang="en-SG" sz="1000" dirty="0">
+                <a:solidFill>
+                  <a:srgbClr val="7030A0"/>
+                </a:solidFill>
+              </a:endParaRPr>
+            </a:p>
+          </p:txBody>
+        </p:sp>
+        <p:sp>
+          <p:nvSpPr>
+            <p:cNvPr id="77" name="Rectangle 8"/>
+            <p:cNvSpPr/>
+            <p:nvPr/>
+          </p:nvSpPr>
+          <p:spPr>
+            <a:xfrm>
+              <a:off x="5415011" y="3977218"/>
+              <a:ext cx="708186" cy="346760"/>
+            </a:xfrm>
+            <a:prstGeom prst="rect">
+              <a:avLst/>
+            </a:prstGeom>
+            <a:ln w="19050">
+              <a:solidFill>
+                <a:srgbClr val="7030A0"/>
+              </a:solidFill>
+            </a:ln>
+            <a:effectLst/>
+          </p:spPr>
+          <p:style>
+            <a:lnRef idx="1">
+              <a:schemeClr val="accent4"/>
+            </a:lnRef>
+            <a:fillRef idx="2">
+              <a:schemeClr val="accent4"/>
+            </a:fillRef>
+            <a:effectRef idx="1">
+              <a:schemeClr val="accent4"/>
+            </a:effectRef>
+            <a:fontRef idx="minor">
+              <a:schemeClr val="dk1"/>
+            </a:fontRef>
+          </p:style>
+          <p:txBody>
+            <a:bodyPr rtlCol="0" anchor="ctr"/>
+            <a:lstStyle/>
+            <a:p>
+              <a:pPr algn="ctr"/>
+              <a:r>
+                <a:rPr lang="en-US" sz="1050" dirty="0" smtClean="0">
+                  <a:solidFill>
+                    <a:srgbClr val="7030A0"/>
+                  </a:solidFill>
+                </a:rPr>
+                <a:t>Meeting</a:t>
+              </a:r>
+              <a:endParaRPr lang="en-SG" sz="1050" dirty="0">
+                <a:solidFill>
+                  <a:srgbClr val="7030A0"/>
+                </a:solidFill>
+              </a:endParaRPr>
+            </a:p>
+          </p:txBody>
+        </p:sp>
+        <p:sp>
+          <p:nvSpPr>
+            <p:cNvPr id="82" name="Flowchart: Decision 96"/>
+            <p:cNvSpPr/>
+            <p:nvPr/>
+          </p:nvSpPr>
+          <p:spPr>
+            <a:xfrm>
+              <a:off x="6127084" y="4044433"/>
+              <a:ext cx="236048" cy="173380"/>
+            </a:xfrm>
+            <a:prstGeom prst="flowChartDecision">
+              <a:avLst/>
+            </a:prstGeom>
             <a:solidFill>
               <a:srgbClr val="7030A0"/>
             </a:solidFill>
-            <a:headEnd type="none" w="med" len="med"/>
-            <a:tailEnd type="arrow" w="med" len="med"/>
-          </a:ln>
-          <a:effectLst/>
-        </p:spPr>
-        <p:style>
-          <a:lnRef idx="1">
-            <a:schemeClr val="accent2"/>
-          </a:lnRef>
-          <a:fillRef idx="2">
-            <a:schemeClr val="accent2"/>
-          </a:fillRef>
-          <a:effectRef idx="1">
-            <a:schemeClr val="accent2"/>
-          </a:effectRef>
-          <a:fontRef idx="minor">
-            <a:schemeClr val="dk1"/>
-          </a:fontRef>
-        </p:style>
-      </p:cxnSp>
-      <p:sp>
-        <p:nvSpPr>
-          <p:cNvPr id="71" name="Isosceles Triangle 102"/>
-          <p:cNvSpPr/>
-          <p:nvPr/>
-        </p:nvSpPr>
-        <p:spPr>
-          <a:xfrm rot="5400000" flipV="1">
-            <a:off x="6253986" y="3522883"/>
-            <a:ext cx="270504" cy="175523"/>
-          </a:xfrm>
-          <a:prstGeom prst="triangle">
-            <a:avLst/>
-          </a:prstGeom>
-          <a:solidFill>
-            <a:srgbClr val="7030A0"/>
-          </a:solidFill>
-          <a:ln w="19050">
+            <a:ln w="19050">
+              <a:solidFill>
+                <a:srgbClr val="7030A0"/>
+              </a:solidFill>
+            </a:ln>
+            <a:effectLst/>
+          </p:spPr>
+          <p:style>
+            <a:lnRef idx="1">
+              <a:schemeClr val="accent6"/>
+            </a:lnRef>
+            <a:fillRef idx="2">
+              <a:schemeClr val="accent6"/>
+            </a:fillRef>
+            <a:effectRef idx="1">
+              <a:schemeClr val="accent6"/>
+            </a:effectRef>
+            <a:fontRef idx="minor">
+              <a:schemeClr val="dk1"/>
+            </a:fontRef>
+          </p:style>
+          <p:txBody>
+            <a:bodyPr rtlCol="0" anchor="ctr"/>
+            <a:lstStyle/>
+            <a:p>
+              <a:pPr algn="ctr"/>
+              <a:endParaRPr lang="en-US" sz="1050"/>
+            </a:p>
+          </p:txBody>
+        </p:sp>
+        <p:cxnSp>
+          <p:nvCxnSpPr>
+            <p:cNvPr id="87" name="Elbow Connector 86"/>
+            <p:cNvCxnSpPr/>
+            <p:nvPr/>
+          </p:nvCxnSpPr>
+          <p:spPr>
+            <a:xfrm>
+              <a:off x="6363132" y="4131123"/>
+              <a:ext cx="425359" cy="177583"/>
+            </a:xfrm>
+            <a:prstGeom prst="bentConnector3">
+              <a:avLst/>
+            </a:prstGeom>
+            <a:ln w="19050">
+              <a:solidFill>
+                <a:srgbClr val="7030A0"/>
+              </a:solidFill>
+              <a:headEnd type="none" w="med" len="med"/>
+              <a:tailEnd type="arrow" w="med" len="med"/>
+            </a:ln>
+            <a:effectLst/>
+          </p:spPr>
+          <p:style>
+            <a:lnRef idx="1">
+              <a:schemeClr val="accent2"/>
+            </a:lnRef>
+            <a:fillRef idx="2">
+              <a:schemeClr val="accent2"/>
+            </a:fillRef>
+            <a:effectRef idx="1">
+              <a:schemeClr val="accent2"/>
+            </a:effectRef>
+            <a:fontRef idx="minor">
+              <a:schemeClr val="dk1"/>
+            </a:fontRef>
+          </p:style>
+        </p:cxnSp>
+        <p:sp>
+          <p:nvSpPr>
+            <p:cNvPr id="88" name="Rectangle 8"/>
+            <p:cNvSpPr/>
+            <p:nvPr/>
+          </p:nvSpPr>
+          <p:spPr>
+            <a:xfrm>
+              <a:off x="6797534" y="4122889"/>
+              <a:ext cx="708186" cy="285783"/>
+            </a:xfrm>
+            <a:prstGeom prst="rect">
+              <a:avLst/>
+            </a:prstGeom>
+            <a:ln w="19050">
+              <a:solidFill>
+                <a:srgbClr val="7030A0"/>
+              </a:solidFill>
+            </a:ln>
+            <a:effectLst/>
+          </p:spPr>
+          <p:style>
+            <a:lnRef idx="1">
+              <a:schemeClr val="accent4"/>
+            </a:lnRef>
+            <a:fillRef idx="2">
+              <a:schemeClr val="accent4"/>
+            </a:fillRef>
+            <a:effectRef idx="1">
+              <a:schemeClr val="accent4"/>
+            </a:effectRef>
+            <a:fontRef idx="minor">
+              <a:schemeClr val="dk1"/>
+            </a:fontRef>
+          </p:style>
+          <p:txBody>
+            <a:bodyPr rtlCol="0" anchor="ctr"/>
+            <a:lstStyle/>
+            <a:p>
+              <a:pPr algn="ctr"/>
+              <a:r>
+                <a:rPr lang="en-US" sz="1000" dirty="0" err="1" smtClean="0">
+                  <a:solidFill>
+                    <a:srgbClr val="7030A0"/>
+                  </a:solidFill>
+                </a:rPr>
+                <a:t>InternalId</a:t>
+              </a:r>
+              <a:endParaRPr lang="en-SG" sz="1000" dirty="0">
+                <a:solidFill>
+                  <a:srgbClr val="7030A0"/>
+                </a:solidFill>
+              </a:endParaRPr>
+            </a:p>
+          </p:txBody>
+        </p:sp>
+        <p:sp>
+          <p:nvSpPr>
+            <p:cNvPr id="89" name="Rectangle 8"/>
+            <p:cNvSpPr/>
+            <p:nvPr/>
+          </p:nvSpPr>
+          <p:spPr>
+            <a:xfrm>
+              <a:off x="6788491" y="3657600"/>
+              <a:ext cx="708186" cy="285783"/>
+            </a:xfrm>
+            <a:prstGeom prst="rect">
+              <a:avLst/>
+            </a:prstGeom>
+            <a:ln w="19050">
+              <a:solidFill>
+                <a:srgbClr val="7030A0"/>
+              </a:solidFill>
+            </a:ln>
+            <a:effectLst/>
+          </p:spPr>
+          <p:style>
+            <a:lnRef idx="1">
+              <a:schemeClr val="accent4"/>
+            </a:lnRef>
+            <a:fillRef idx="2">
+              <a:schemeClr val="accent4"/>
+            </a:fillRef>
+            <a:effectRef idx="1">
+              <a:schemeClr val="accent4"/>
+            </a:effectRef>
+            <a:fontRef idx="minor">
+              <a:schemeClr val="dk1"/>
+            </a:fontRef>
+          </p:style>
+          <p:txBody>
+            <a:bodyPr rtlCol="0" anchor="ctr"/>
+            <a:lstStyle/>
+            <a:p>
+              <a:pPr algn="ctr"/>
+              <a:r>
+                <a:rPr lang="en-US" sz="1000" dirty="0" err="1" smtClean="0">
+                  <a:solidFill>
+                    <a:srgbClr val="7030A0"/>
+                  </a:solidFill>
+                </a:rPr>
+                <a:t>LocalDateTime</a:t>
+              </a:r>
+              <a:endParaRPr lang="en-SG" sz="1000" dirty="0">
+                <a:solidFill>
+                  <a:srgbClr val="7030A0"/>
+                </a:solidFill>
+              </a:endParaRPr>
+            </a:p>
+          </p:txBody>
+        </p:sp>
+        <p:cxnSp>
+          <p:nvCxnSpPr>
+            <p:cNvPr id="90" name="Elbow Connector 89"/>
+            <p:cNvCxnSpPr/>
+            <p:nvPr/>
+          </p:nvCxnSpPr>
+          <p:spPr>
+            <a:xfrm flipV="1">
+              <a:off x="6354089" y="3808146"/>
+              <a:ext cx="434402" cy="321054"/>
+            </a:xfrm>
+            <a:prstGeom prst="bentConnector3">
+              <a:avLst/>
+            </a:prstGeom>
+            <a:ln w="19050">
+              <a:solidFill>
+                <a:srgbClr val="7030A0"/>
+              </a:solidFill>
+              <a:headEnd type="none" w="med" len="med"/>
+              <a:tailEnd type="arrow" w="med" len="med"/>
+            </a:ln>
+            <a:effectLst/>
+          </p:spPr>
+          <p:style>
+            <a:lnRef idx="1">
+              <a:schemeClr val="accent2"/>
+            </a:lnRef>
+            <a:fillRef idx="2">
+              <a:schemeClr val="accent2"/>
+            </a:fillRef>
+            <a:effectRef idx="1">
+              <a:schemeClr val="accent2"/>
+            </a:effectRef>
+            <a:fontRef idx="minor">
+              <a:schemeClr val="dk1"/>
+            </a:fontRef>
+          </p:style>
+        </p:cxnSp>
+        <p:cxnSp>
+          <p:nvCxnSpPr>
+            <p:cNvPr id="91" name="Elbow Connector 63"/>
+            <p:cNvCxnSpPr/>
+            <p:nvPr/>
+          </p:nvCxnSpPr>
+          <p:spPr>
+            <a:xfrm rot="5400000" flipH="1" flipV="1">
+              <a:off x="5511803" y="4489834"/>
+              <a:ext cx="465465" cy="133755"/>
+            </a:xfrm>
+            <a:prstGeom prst="bentConnector3">
+              <a:avLst>
+                <a:gd name="adj1" fmla="val 5353"/>
+              </a:avLst>
+            </a:prstGeom>
+            <a:ln w="19050">
+              <a:solidFill>
+                <a:srgbClr val="7030A0"/>
+              </a:solidFill>
+              <a:prstDash val="sysDot"/>
+              <a:headEnd type="none" w="med" len="med"/>
+              <a:tailEnd type="none" w="med" len="med"/>
+            </a:ln>
+            <a:effectLst/>
+          </p:spPr>
+          <p:style>
+            <a:lnRef idx="1">
+              <a:schemeClr val="accent2"/>
+            </a:lnRef>
+            <a:fillRef idx="2">
+              <a:schemeClr val="accent2"/>
+            </a:fillRef>
+            <a:effectRef idx="1">
+              <a:schemeClr val="accent2"/>
+            </a:effectRef>
+            <a:fontRef idx="minor">
+              <a:schemeClr val="dk1"/>
+            </a:fontRef>
+          </p:style>
+        </p:cxnSp>
+        <p:sp>
+          <p:nvSpPr>
+            <p:cNvPr id="92" name="Isosceles Triangle 102"/>
+            <p:cNvSpPr/>
+            <p:nvPr/>
+          </p:nvSpPr>
+          <p:spPr>
+            <a:xfrm rot="5400000" flipV="1">
+              <a:off x="5454644" y="4701681"/>
+              <a:ext cx="270504" cy="175523"/>
+            </a:xfrm>
+            <a:prstGeom prst="triangle">
+              <a:avLst/>
+            </a:prstGeom>
             <a:solidFill>
               <a:srgbClr val="7030A0"/>
             </a:solidFill>
-          </a:ln>
-          <a:effectLst/>
-        </p:spPr>
-        <p:style>
-          <a:lnRef idx="1">
-            <a:schemeClr val="accent4"/>
-          </a:lnRef>
-          <a:fillRef idx="2">
-            <a:schemeClr val="accent4"/>
-          </a:fillRef>
-          <a:effectRef idx="1">
-            <a:schemeClr val="accent4"/>
-          </a:effectRef>
-          <a:fontRef idx="minor">
-            <a:schemeClr val="dk1"/>
-          </a:fontRef>
-        </p:style>
-        <p:txBody>
-          <a:bodyPr rtlCol="0" anchor="ctr"/>
-          <a:lstStyle/>
-          <a:p>
-            <a:pPr algn="ctr"/>
-            <a:endParaRPr lang="en-SG" sz="1050" b="1">
+            <a:ln w="19050">
               <a:solidFill>
-                <a:srgbClr val="92D050"/>
+                <a:srgbClr val="7030A0"/>
               </a:solidFill>
-            </a:endParaRPr>
-          </a:p>
-        </p:txBody>
-      </p:sp>
-      <p:cxnSp>
-        <p:nvCxnSpPr>
-          <p:cNvPr id="75" name="Elbow Connector 122"/>
-          <p:cNvCxnSpPr/>
-          <p:nvPr/>
-        </p:nvCxnSpPr>
-        <p:spPr>
-          <a:xfrm>
-            <a:off x="910091" y="3040053"/>
-            <a:ext cx="419548" cy="2860"/>
-          </a:xfrm>
-          <a:prstGeom prst="bentConnector3">
-            <a:avLst>
-              <a:gd name="adj1" fmla="val 50000"/>
-            </a:avLst>
-          </a:prstGeom>
-          <a:ln w="19050">
-            <a:solidFill>
-              <a:schemeClr val="bg1">
-                <a:lumMod val="75000"/>
-              </a:schemeClr>
-            </a:solidFill>
-            <a:prstDash val="sysDot"/>
-            <a:headEnd type="none" w="med" len="med"/>
-            <a:tailEnd type="arrow" w="med" len="med"/>
-          </a:ln>
-          <a:effectLst/>
-        </p:spPr>
-        <p:style>
-          <a:lnRef idx="1">
-            <a:schemeClr val="accent2"/>
-          </a:lnRef>
-          <a:fillRef idx="2">
-            <a:schemeClr val="accent2"/>
-          </a:fillRef>
-          <a:effectRef idx="1">
-            <a:schemeClr val="accent2"/>
-          </a:effectRef>
-          <a:fontRef idx="minor">
-            <a:schemeClr val="dk1"/>
-          </a:fontRef>
-        </p:style>
-      </p:cxnSp>
-      <p:cxnSp>
-        <p:nvCxnSpPr>
-          <p:cNvPr id="21" name="Straight Connector 20"/>
-          <p:cNvCxnSpPr>
-            <a:stCxn id="120" idx="3"/>
-          </p:cNvCxnSpPr>
-          <p:nvPr/>
-        </p:nvCxnSpPr>
-        <p:spPr>
-          <a:xfrm flipV="1">
-            <a:off x="1849924" y="3040052"/>
-            <a:ext cx="216105" cy="1"/>
-          </a:xfrm>
-          <a:prstGeom prst="line">
-            <a:avLst/>
-          </a:prstGeom>
-          <a:ln w="19050">
+            </a:ln>
+            <a:effectLst/>
+          </p:spPr>
+          <p:style>
+            <a:lnRef idx="1">
+              <a:schemeClr val="accent4"/>
+            </a:lnRef>
+            <a:fillRef idx="2">
+              <a:schemeClr val="accent4"/>
+            </a:fillRef>
+            <a:effectRef idx="1">
+              <a:schemeClr val="accent4"/>
+            </a:effectRef>
+            <a:fontRef idx="minor">
+              <a:schemeClr val="dk1"/>
+            </a:fontRef>
+          </p:style>
+          <p:txBody>
+            <a:bodyPr rtlCol="0" anchor="ctr"/>
+            <a:lstStyle/>
+            <a:p>
+              <a:pPr algn="ctr"/>
+              <a:endParaRPr lang="en-SG" sz="1050" b="1">
+                <a:solidFill>
+                  <a:srgbClr val="92D050"/>
+                </a:solidFill>
+              </a:endParaRPr>
+            </a:p>
+          </p:txBody>
+        </p:sp>
+        <p:sp>
+          <p:nvSpPr>
+            <p:cNvPr id="93" name="Rectangle 8"/>
+            <p:cNvSpPr/>
+            <p:nvPr/>
+          </p:nvSpPr>
+          <p:spPr>
+            <a:xfrm>
+              <a:off x="3597134" y="4010295"/>
+              <a:ext cx="1156969" cy="346760"/>
+            </a:xfrm>
+            <a:prstGeom prst="rect">
+              <a:avLst/>
+            </a:prstGeom>
+            <a:ln w="19050">
+              <a:solidFill>
+                <a:srgbClr val="7030A0"/>
+              </a:solidFill>
+            </a:ln>
+            <a:effectLst/>
+          </p:spPr>
+          <p:style>
+            <a:lnRef idx="1">
+              <a:schemeClr val="accent4"/>
+            </a:lnRef>
+            <a:fillRef idx="2">
+              <a:schemeClr val="accent4"/>
+            </a:fillRef>
+            <a:effectRef idx="1">
+              <a:schemeClr val="accent4"/>
+            </a:effectRef>
+            <a:fontRef idx="minor">
+              <a:schemeClr val="dk1"/>
+            </a:fontRef>
+          </p:style>
+          <p:txBody>
+            <a:bodyPr rtlCol="0" anchor="ctr"/>
+            <a:lstStyle/>
+            <a:p>
+              <a:pPr algn="ctr"/>
+              <a:r>
+                <a:rPr lang="en-US" sz="900" dirty="0" err="1" smtClean="0">
+                  <a:solidFill>
+                    <a:srgbClr val="7030A0"/>
+                  </a:solidFill>
+                </a:rPr>
+                <a:t>UniqueMeetingList</a:t>
+              </a:r>
+              <a:endParaRPr lang="en-SG" sz="900" dirty="0">
+                <a:solidFill>
+                  <a:srgbClr val="7030A0"/>
+                </a:solidFill>
+              </a:endParaRPr>
+            </a:p>
+          </p:txBody>
+        </p:sp>
+        <p:sp>
+          <p:nvSpPr>
+            <p:cNvPr id="94" name="Flowchart: Decision 96"/>
+            <p:cNvSpPr/>
+            <p:nvPr/>
+          </p:nvSpPr>
+          <p:spPr>
+            <a:xfrm>
+              <a:off x="4761107" y="4077317"/>
+              <a:ext cx="236048" cy="173380"/>
+            </a:xfrm>
+            <a:prstGeom prst="flowChartDecision">
+              <a:avLst/>
+            </a:prstGeom>
+            <a:noFill/>
+            <a:ln w="19050">
+              <a:solidFill>
+                <a:srgbClr val="7030A0"/>
+              </a:solidFill>
+            </a:ln>
+            <a:effectLst/>
+          </p:spPr>
+          <p:style>
+            <a:lnRef idx="1">
+              <a:schemeClr val="accent6"/>
+            </a:lnRef>
+            <a:fillRef idx="2">
+              <a:schemeClr val="accent6"/>
+            </a:fillRef>
+            <a:effectRef idx="1">
+              <a:schemeClr val="accent6"/>
+            </a:effectRef>
+            <a:fontRef idx="minor">
+              <a:schemeClr val="dk1"/>
+            </a:fontRef>
+          </p:style>
+          <p:txBody>
+            <a:bodyPr rtlCol="0" anchor="ctr"/>
+            <a:lstStyle/>
+            <a:p>
+              <a:pPr algn="ctr"/>
+              <a:endParaRPr lang="en-US" sz="1050"/>
+            </a:p>
+          </p:txBody>
+        </p:sp>
+        <p:cxnSp>
+          <p:nvCxnSpPr>
+            <p:cNvPr id="95" name="Elbow Connector 94"/>
+            <p:cNvCxnSpPr/>
+            <p:nvPr/>
+          </p:nvCxnSpPr>
+          <p:spPr>
+            <a:xfrm>
+              <a:off x="4997155" y="4164007"/>
+              <a:ext cx="434402" cy="777"/>
+            </a:xfrm>
+            <a:prstGeom prst="bentConnector3">
+              <a:avLst/>
+            </a:prstGeom>
+            <a:ln w="19050">
+              <a:solidFill>
+                <a:srgbClr val="7030A0"/>
+              </a:solidFill>
+              <a:headEnd type="none" w="med" len="med"/>
+              <a:tailEnd type="arrow" w="med" len="med"/>
+            </a:ln>
+            <a:effectLst/>
+          </p:spPr>
+          <p:style>
+            <a:lnRef idx="1">
+              <a:schemeClr val="accent2"/>
+            </a:lnRef>
+            <a:fillRef idx="2">
+              <a:schemeClr val="accent2"/>
+            </a:fillRef>
+            <a:effectRef idx="1">
+              <a:schemeClr val="accent2"/>
+            </a:effectRef>
+            <a:fontRef idx="minor">
+              <a:schemeClr val="dk1"/>
+            </a:fontRef>
+          </p:style>
+        </p:cxnSp>
+        <p:sp>
+          <p:nvSpPr>
+            <p:cNvPr id="96" name="TextBox 95"/>
+            <p:cNvSpPr txBox="1"/>
+            <p:nvPr/>
+          </p:nvSpPr>
+          <p:spPr>
+            <a:xfrm>
+              <a:off x="5253136" y="4231255"/>
+              <a:ext cx="189257" cy="178683"/>
+            </a:xfrm>
+            <a:prstGeom prst="rect">
+              <a:avLst/>
+            </a:prstGeom>
+            <a:noFill/>
+          </p:spPr>
+          <p:txBody>
+            <a:bodyPr wrap="square" lIns="0" tIns="0" rIns="0" bIns="0" rtlCol="0">
+              <a:noAutofit/>
+            </a:bodyPr>
+            <a:lstStyle/>
+            <a:p>
+              <a:pPr algn="ctr"/>
+              <a:r>
+                <a:rPr lang="en-US" sz="1100" dirty="0" smtClean="0">
+                  <a:solidFill>
+                    <a:srgbClr val="7030A0"/>
+                  </a:solidFill>
+                </a:rPr>
+                <a:t>*</a:t>
+              </a:r>
+              <a:endParaRPr lang="en-SG" sz="1100" dirty="0">
+                <a:solidFill>
+                  <a:srgbClr val="7030A0"/>
+                </a:solidFill>
+              </a:endParaRPr>
+            </a:p>
+          </p:txBody>
+        </p:sp>
+        <p:sp>
+          <p:nvSpPr>
+            <p:cNvPr id="98" name="Rectangle 8"/>
+            <p:cNvSpPr/>
+            <p:nvPr/>
+          </p:nvSpPr>
+          <p:spPr>
+            <a:xfrm>
+              <a:off x="2743200" y="4652260"/>
+              <a:ext cx="1156969" cy="346760"/>
+            </a:xfrm>
+            <a:prstGeom prst="rect">
+              <a:avLst/>
+            </a:prstGeom>
+            <a:ln w="19050">
+              <a:solidFill>
+                <a:srgbClr val="7030A0"/>
+              </a:solidFill>
+            </a:ln>
+            <a:effectLst/>
+          </p:spPr>
+          <p:style>
+            <a:lnRef idx="1">
+              <a:schemeClr val="accent4"/>
+            </a:lnRef>
+            <a:fillRef idx="2">
+              <a:schemeClr val="accent4"/>
+            </a:fillRef>
+            <a:effectRef idx="1">
+              <a:schemeClr val="accent4"/>
+            </a:effectRef>
+            <a:fontRef idx="minor">
+              <a:schemeClr val="dk1"/>
+            </a:fontRef>
+          </p:style>
+          <p:txBody>
+            <a:bodyPr rtlCol="0" anchor="ctr"/>
+            <a:lstStyle/>
+            <a:p>
+              <a:pPr algn="ctr"/>
+              <a:r>
+                <a:rPr lang="en-US" sz="800" dirty="0" smtClean="0">
+                  <a:solidFill>
+                    <a:srgbClr val="7030A0"/>
+                  </a:solidFill>
+                </a:rPr>
+                <a:t>&lt;&lt;interface&gt;&gt;</a:t>
+              </a:r>
+              <a:br>
+                <a:rPr lang="en-US" sz="800" dirty="0" smtClean="0">
+                  <a:solidFill>
+                    <a:srgbClr val="7030A0"/>
+                  </a:solidFill>
+                </a:rPr>
+              </a:br>
+              <a:r>
+                <a:rPr lang="en-US" sz="800" dirty="0" err="1" smtClean="0">
+                  <a:solidFill>
+                    <a:srgbClr val="7030A0"/>
+                  </a:solidFill>
+                </a:rPr>
+                <a:t>ReadOnlyMeetingList</a:t>
+              </a:r>
+              <a:endParaRPr lang="en-SG" sz="800" dirty="0">
+                <a:solidFill>
+                  <a:srgbClr val="7030A0"/>
+                </a:solidFill>
+              </a:endParaRPr>
+            </a:p>
+          </p:txBody>
+        </p:sp>
+        <p:cxnSp>
+          <p:nvCxnSpPr>
+            <p:cNvPr id="101" name="Elbow Connector 63"/>
+            <p:cNvCxnSpPr/>
+            <p:nvPr/>
+          </p:nvCxnSpPr>
+          <p:spPr>
+            <a:xfrm rot="5400000" flipH="1" flipV="1">
+              <a:off x="3919568" y="4522910"/>
+              <a:ext cx="465465" cy="133755"/>
+            </a:xfrm>
+            <a:prstGeom prst="bentConnector3">
+              <a:avLst>
+                <a:gd name="adj1" fmla="val 5353"/>
+              </a:avLst>
+            </a:prstGeom>
+            <a:ln w="19050">
+              <a:solidFill>
+                <a:srgbClr val="7030A0"/>
+              </a:solidFill>
+              <a:prstDash val="sysDot"/>
+              <a:headEnd type="none" w="med" len="med"/>
+              <a:tailEnd type="none" w="med" len="med"/>
+            </a:ln>
+            <a:effectLst/>
+          </p:spPr>
+          <p:style>
+            <a:lnRef idx="1">
+              <a:schemeClr val="accent2"/>
+            </a:lnRef>
+            <a:fillRef idx="2">
+              <a:schemeClr val="accent2"/>
+            </a:fillRef>
+            <a:effectRef idx="1">
+              <a:schemeClr val="accent2"/>
+            </a:effectRef>
+            <a:fontRef idx="minor">
+              <a:schemeClr val="dk1"/>
+            </a:fontRef>
+          </p:style>
+        </p:cxnSp>
+        <p:sp>
+          <p:nvSpPr>
+            <p:cNvPr id="102" name="Isosceles Triangle 102"/>
+            <p:cNvSpPr/>
+            <p:nvPr/>
+          </p:nvSpPr>
+          <p:spPr>
+            <a:xfrm rot="5400000" flipV="1">
+              <a:off x="3862409" y="4734757"/>
+              <a:ext cx="270504" cy="175523"/>
+            </a:xfrm>
+            <a:prstGeom prst="triangle">
+              <a:avLst/>
+            </a:prstGeom>
             <a:solidFill>
               <a:srgbClr val="7030A0"/>
             </a:solidFill>
-            <a:prstDash val="sysDot"/>
-            <a:headEnd type="none" w="med" len="med"/>
-            <a:tailEnd type="none" w="med" len="med"/>
-          </a:ln>
-          <a:effectLst/>
-        </p:spPr>
-        <p:style>
-          <a:lnRef idx="1">
-            <a:schemeClr val="accent2"/>
-          </a:lnRef>
-          <a:fillRef idx="2">
-            <a:schemeClr val="accent2"/>
-          </a:fillRef>
-          <a:effectRef idx="1">
-            <a:schemeClr val="accent2"/>
-          </a:effectRef>
-          <a:fontRef idx="minor">
-            <a:schemeClr val="dk1"/>
-          </a:fontRef>
-        </p:style>
-      </p:cxnSp>
-      <p:sp>
-        <p:nvSpPr>
-          <p:cNvPr id="42" name="Flowchart: Decision 96"/>
-          <p:cNvSpPr/>
-          <p:nvPr/>
-        </p:nvSpPr>
-        <p:spPr>
-          <a:xfrm>
-            <a:off x="2420322" y="3239846"/>
-            <a:ext cx="236048" cy="173380"/>
-          </a:xfrm>
-          <a:prstGeom prst="flowChartDecision">
-            <a:avLst/>
-          </a:prstGeom>
-          <a:noFill/>
-          <a:ln w="19050">
-            <a:solidFill>
-              <a:srgbClr val="7030A0"/>
-            </a:solidFill>
-          </a:ln>
-          <a:effectLst/>
-        </p:spPr>
-        <p:style>
-          <a:lnRef idx="1">
-            <a:schemeClr val="accent6"/>
-          </a:lnRef>
-          <a:fillRef idx="2">
-            <a:schemeClr val="accent6"/>
-          </a:fillRef>
-          <a:effectRef idx="1">
-            <a:schemeClr val="accent6"/>
-          </a:effectRef>
-          <a:fontRef idx="minor">
-            <a:schemeClr val="dk1"/>
-          </a:fontRef>
-        </p:style>
-        <p:txBody>
-          <a:bodyPr rtlCol="0" anchor="ctr"/>
-          <a:lstStyle/>
-          <a:p>
-            <a:pPr algn="ctr"/>
-            <a:endParaRPr lang="en-US" sz="1050"/>
-          </a:p>
-        </p:txBody>
-      </p:sp>
-      <p:sp>
-        <p:nvSpPr>
-          <p:cNvPr id="46" name="Rectangle 8"/>
-          <p:cNvSpPr/>
-          <p:nvPr/>
-        </p:nvSpPr>
-        <p:spPr>
-          <a:xfrm>
-            <a:off x="2879490" y="2627420"/>
-            <a:ext cx="1093635" cy="346760"/>
-          </a:xfrm>
-          <a:prstGeom prst="rect">
-            <a:avLst/>
-          </a:prstGeom>
-          <a:ln w="19050">
-            <a:solidFill>
-              <a:srgbClr val="7030A0"/>
-            </a:solidFill>
-          </a:ln>
-          <a:effectLst/>
-        </p:spPr>
-        <p:style>
-          <a:lnRef idx="1">
-            <a:schemeClr val="accent4"/>
-          </a:lnRef>
-          <a:fillRef idx="2">
-            <a:schemeClr val="accent4"/>
-          </a:fillRef>
-          <a:effectRef idx="1">
-            <a:schemeClr val="accent4"/>
-          </a:effectRef>
-          <a:fontRef idx="minor">
-            <a:schemeClr val="dk1"/>
-          </a:fontRef>
-        </p:style>
-        <p:txBody>
-          <a:bodyPr rtlCol="0" anchor="ctr"/>
-          <a:lstStyle/>
-          <a:p>
-            <a:pPr algn="ctr"/>
-            <a:r>
-              <a:rPr lang="en-US" sz="1050" dirty="0" err="1" smtClean="0">
+            <a:ln w="19050">
+              <a:solidFill>
+                <a:srgbClr val="7030A0"/>
+              </a:solidFill>
+            </a:ln>
+            <a:effectLst/>
+          </p:spPr>
+          <p:style>
+            <a:lnRef idx="1">
+              <a:schemeClr val="accent4"/>
+            </a:lnRef>
+            <a:fillRef idx="2">
+              <a:schemeClr val="accent4"/>
+            </a:fillRef>
+            <a:effectRef idx="1">
+              <a:schemeClr val="accent4"/>
+            </a:effectRef>
+            <a:fontRef idx="minor">
+              <a:schemeClr val="dk1"/>
+            </a:fontRef>
+          </p:style>
+          <p:txBody>
+            <a:bodyPr rtlCol="0" anchor="ctr"/>
+            <a:lstStyle/>
+            <a:p>
+              <a:pPr algn="ctr"/>
+              <a:endParaRPr lang="en-SG" sz="1050" b="1">
+                <a:solidFill>
+                  <a:srgbClr val="92D050"/>
+                </a:solidFill>
+              </a:endParaRPr>
+            </a:p>
+          </p:txBody>
+        </p:sp>
+        <p:cxnSp>
+          <p:nvCxnSpPr>
+            <p:cNvPr id="103" name="Straight Arrow Connector 102"/>
+            <p:cNvCxnSpPr>
+              <a:endCxn id="93" idx="1"/>
+            </p:cNvCxnSpPr>
+            <p:nvPr/>
+          </p:nvCxnSpPr>
+          <p:spPr>
+            <a:xfrm>
+              <a:off x="2674448" y="4180510"/>
+              <a:ext cx="922686" cy="3165"/>
+            </a:xfrm>
+            <a:prstGeom prst="straightConnector1">
+              <a:avLst/>
+            </a:prstGeom>
+            <a:ln w="19050">
+              <a:solidFill>
+                <a:srgbClr val="7030A0"/>
+              </a:solidFill>
+              <a:headEnd type="none" w="med" len="med"/>
+              <a:tailEnd type="arrow" w="med" len="med"/>
+            </a:ln>
+            <a:effectLst/>
+          </p:spPr>
+          <p:style>
+            <a:lnRef idx="1">
+              <a:schemeClr val="accent2"/>
+            </a:lnRef>
+            <a:fillRef idx="2">
+              <a:schemeClr val="accent2"/>
+            </a:fillRef>
+            <a:effectRef idx="1">
+              <a:schemeClr val="accent2"/>
+            </a:effectRef>
+            <a:fontRef idx="minor">
+              <a:schemeClr val="dk1"/>
+            </a:fontRef>
+          </p:style>
+        </p:cxnSp>
+        <p:sp>
+          <p:nvSpPr>
+            <p:cNvPr id="104" name="Flowchart: Decision 96"/>
+            <p:cNvSpPr/>
+            <p:nvPr/>
+          </p:nvSpPr>
+          <p:spPr>
+            <a:xfrm>
+              <a:off x="2430952" y="4093820"/>
+              <a:ext cx="236048" cy="173380"/>
+            </a:xfrm>
+            <a:prstGeom prst="flowChartDecision">
+              <a:avLst/>
+            </a:prstGeom>
+            <a:noFill/>
+            <a:ln w="19050">
+              <a:solidFill>
+                <a:srgbClr val="7030A0"/>
+              </a:solidFill>
+            </a:ln>
+            <a:effectLst/>
+          </p:spPr>
+          <p:style>
+            <a:lnRef idx="1">
+              <a:schemeClr val="accent6"/>
+            </a:lnRef>
+            <a:fillRef idx="2">
+              <a:schemeClr val="accent6"/>
+            </a:fillRef>
+            <a:effectRef idx="1">
+              <a:schemeClr val="accent6"/>
+            </a:effectRef>
+            <a:fontRef idx="minor">
+              <a:schemeClr val="dk1"/>
+            </a:fontRef>
+          </p:style>
+          <p:txBody>
+            <a:bodyPr rtlCol="0" anchor="ctr"/>
+            <a:lstStyle/>
+            <a:p>
+              <a:pPr algn="ctr"/>
+              <a:endParaRPr lang="en-US" sz="1050"/>
+            </a:p>
+          </p:txBody>
+        </p:sp>
+        <p:sp>
+          <p:nvSpPr>
+            <p:cNvPr id="105" name="TextBox 104"/>
+            <p:cNvSpPr txBox="1"/>
+            <p:nvPr/>
+          </p:nvSpPr>
+          <p:spPr>
+            <a:xfrm>
+              <a:off x="3316457" y="4222354"/>
+              <a:ext cx="189257" cy="178683"/>
+            </a:xfrm>
+            <a:prstGeom prst="rect">
+              <a:avLst/>
+            </a:prstGeom>
+            <a:noFill/>
+          </p:spPr>
+          <p:txBody>
+            <a:bodyPr wrap="square" lIns="0" tIns="0" rIns="0" bIns="0" rtlCol="0">
+              <a:noAutofit/>
+            </a:bodyPr>
+            <a:lstStyle/>
+            <a:p>
+              <a:pPr algn="ctr"/>
+              <a:r>
+                <a:rPr lang="en-US" sz="1100" dirty="0" smtClean="0">
+                  <a:solidFill>
+                    <a:srgbClr val="7030A0"/>
+                  </a:solidFill>
+                </a:rPr>
+                <a:t>1</a:t>
+              </a:r>
+              <a:endParaRPr lang="en-SG" sz="1100" dirty="0">
                 <a:solidFill>
                   <a:srgbClr val="7030A0"/>
                 </a:solidFill>
-              </a:rPr>
-              <a:t>AddressBook</a:t>
-            </a:r>
-            <a:endParaRPr lang="en-SG" sz="1050" dirty="0">
+              </a:endParaRPr>
+            </a:p>
+          </p:txBody>
+        </p:sp>
+        <p:sp>
+          <p:nvSpPr>
+            <p:cNvPr id="106" name="Rectangle 8"/>
+            <p:cNvSpPr/>
+            <p:nvPr/>
+          </p:nvSpPr>
+          <p:spPr>
+            <a:xfrm>
+              <a:off x="2971800" y="5775220"/>
+              <a:ext cx="1346226" cy="346760"/>
+            </a:xfrm>
+            <a:prstGeom prst="rect">
+              <a:avLst/>
+            </a:prstGeom>
+            <a:ln w="19050">
               <a:solidFill>
                 <a:srgbClr val="7030A0"/>
               </a:solidFill>
-            </a:endParaRPr>
-          </a:p>
-        </p:txBody>
-      </p:sp>
-      <p:cxnSp>
-        <p:nvCxnSpPr>
-          <p:cNvPr id="47" name="Straight Arrow Connector 46"/>
-          <p:cNvCxnSpPr>
-            <a:stCxn id="48" idx="3"/>
-            <a:endCxn id="46" idx="1"/>
-          </p:cNvCxnSpPr>
-          <p:nvPr/>
-        </p:nvCxnSpPr>
-        <p:spPr>
-          <a:xfrm>
-            <a:off x="2658680" y="2795516"/>
-            <a:ext cx="220810" cy="5284"/>
-          </a:xfrm>
-          <a:prstGeom prst="straightConnector1">
-            <a:avLst/>
-          </a:prstGeom>
-          <a:ln w="19050">
-            <a:solidFill>
-              <a:srgbClr val="7030A0"/>
-            </a:solidFill>
-            <a:headEnd type="none" w="med" len="med"/>
-            <a:tailEnd type="arrow" w="med" len="med"/>
-          </a:ln>
-          <a:effectLst/>
-        </p:spPr>
-        <p:style>
-          <a:lnRef idx="1">
-            <a:schemeClr val="accent2"/>
-          </a:lnRef>
-          <a:fillRef idx="2">
-            <a:schemeClr val="accent2"/>
-          </a:fillRef>
-          <a:effectRef idx="1">
-            <a:schemeClr val="accent2"/>
-          </a:effectRef>
-          <a:fontRef idx="minor">
-            <a:schemeClr val="dk1"/>
-          </a:fontRef>
-        </p:style>
-      </p:cxnSp>
-      <p:sp>
-        <p:nvSpPr>
-          <p:cNvPr id="48" name="Flowchart: Decision 96"/>
-          <p:cNvSpPr/>
-          <p:nvPr/>
-        </p:nvSpPr>
-        <p:spPr>
-          <a:xfrm>
-            <a:off x="2422632" y="2708826"/>
-            <a:ext cx="236048" cy="173380"/>
-          </a:xfrm>
-          <a:prstGeom prst="flowChartDecision">
-            <a:avLst/>
-          </a:prstGeom>
-          <a:noFill/>
-          <a:ln w="19050">
-            <a:solidFill>
-              <a:srgbClr val="7030A0"/>
-            </a:solidFill>
-          </a:ln>
-          <a:effectLst/>
-        </p:spPr>
-        <p:style>
-          <a:lnRef idx="1">
-            <a:schemeClr val="accent6"/>
-          </a:lnRef>
-          <a:fillRef idx="2">
-            <a:schemeClr val="accent6"/>
-          </a:fillRef>
-          <a:effectRef idx="1">
-            <a:schemeClr val="accent6"/>
-          </a:effectRef>
-          <a:fontRef idx="minor">
-            <a:schemeClr val="dk1"/>
-          </a:fontRef>
-        </p:style>
-        <p:txBody>
-          <a:bodyPr rtlCol="0" anchor="ctr"/>
-          <a:lstStyle/>
-          <a:p>
-            <a:pPr algn="ctr"/>
-            <a:endParaRPr lang="en-US" sz="1050"/>
-          </a:p>
-        </p:txBody>
-      </p:sp>
-      <p:sp>
-        <p:nvSpPr>
-          <p:cNvPr id="49" name="Rectangle 8"/>
-          <p:cNvSpPr/>
-          <p:nvPr/>
-        </p:nvSpPr>
-        <p:spPr>
-          <a:xfrm>
-            <a:off x="4487017" y="2847371"/>
-            <a:ext cx="1156969" cy="346760"/>
-          </a:xfrm>
-          <a:prstGeom prst="rect">
-            <a:avLst/>
-          </a:prstGeom>
-          <a:ln w="19050">
-            <a:solidFill>
-              <a:srgbClr val="7030A0"/>
-            </a:solidFill>
-          </a:ln>
-          <a:effectLst/>
-        </p:spPr>
-        <p:style>
-          <a:lnRef idx="1">
-            <a:schemeClr val="accent4"/>
-          </a:lnRef>
-          <a:fillRef idx="2">
-            <a:schemeClr val="accent4"/>
-          </a:fillRef>
-          <a:effectRef idx="1">
-            <a:schemeClr val="accent4"/>
-          </a:effectRef>
-          <a:fontRef idx="minor">
-            <a:schemeClr val="dk1"/>
-          </a:fontRef>
-        </p:style>
-        <p:txBody>
-          <a:bodyPr rtlCol="0" anchor="ctr"/>
-          <a:lstStyle/>
-          <a:p>
-            <a:pPr algn="ctr"/>
-            <a:r>
-              <a:rPr lang="en-US" sz="1050" dirty="0" err="1" smtClean="0">
+            </a:ln>
+            <a:effectLst/>
+          </p:spPr>
+          <p:style>
+            <a:lnRef idx="1">
+              <a:schemeClr val="accent4"/>
+            </a:lnRef>
+            <a:fillRef idx="2">
+              <a:schemeClr val="accent4"/>
+            </a:fillRef>
+            <a:effectRef idx="1">
+              <a:schemeClr val="accent4"/>
+            </a:effectRef>
+            <a:fontRef idx="minor">
+              <a:schemeClr val="dk1"/>
+            </a:fontRef>
+          </p:style>
+          <p:txBody>
+            <a:bodyPr rtlCol="0" anchor="ctr"/>
+            <a:lstStyle/>
+            <a:p>
+              <a:pPr algn="ctr"/>
+              <a:r>
+                <a:rPr lang="en-US" sz="900" smtClean="0">
+                  <a:solidFill>
+                    <a:srgbClr val="7030A0"/>
+                  </a:solidFill>
+                </a:rPr>
+                <a:t>AuthenticateAsanaUser</a:t>
+              </a:r>
+              <a:endParaRPr lang="en-SG" sz="900" dirty="0">
                 <a:solidFill>
                   <a:srgbClr val="7030A0"/>
                 </a:solidFill>
-              </a:rPr>
-              <a:t>UniquePersonList</a:t>
-            </a:r>
-            <a:endParaRPr lang="en-SG" sz="1050" dirty="0">
+              </a:endParaRPr>
+            </a:p>
+          </p:txBody>
+        </p:sp>
+        <p:sp>
+          <p:nvSpPr>
+            <p:cNvPr id="108" name="Rectangle 8"/>
+            <p:cNvSpPr/>
+            <p:nvPr/>
+          </p:nvSpPr>
+          <p:spPr>
+            <a:xfrm>
+              <a:off x="2971800" y="5323491"/>
+              <a:ext cx="1156969" cy="346760"/>
+            </a:xfrm>
+            <a:prstGeom prst="rect">
+              <a:avLst/>
+            </a:prstGeom>
+            <a:ln w="19050">
               <a:solidFill>
                 <a:srgbClr val="7030A0"/>
               </a:solidFill>
-            </a:endParaRPr>
-          </a:p>
-        </p:txBody>
-      </p:sp>
-      <p:sp>
-        <p:nvSpPr>
-          <p:cNvPr id="51" name="Flowchart: Decision 96"/>
-          <p:cNvSpPr/>
-          <p:nvPr/>
-        </p:nvSpPr>
-        <p:spPr>
-          <a:xfrm>
-            <a:off x="3984303" y="2673991"/>
-            <a:ext cx="236048" cy="173380"/>
-          </a:xfrm>
-          <a:prstGeom prst="flowChartDecision">
-            <a:avLst/>
-          </a:prstGeom>
-          <a:solidFill>
-            <a:srgbClr val="7030A0"/>
-          </a:solidFill>
-          <a:ln w="19050">
-            <a:solidFill>
-              <a:srgbClr val="7030A0"/>
-            </a:solidFill>
-          </a:ln>
-          <a:effectLst/>
-        </p:spPr>
-        <p:style>
-          <a:lnRef idx="1">
-            <a:schemeClr val="accent6"/>
-          </a:lnRef>
-          <a:fillRef idx="2">
-            <a:schemeClr val="accent6"/>
-          </a:fillRef>
-          <a:effectRef idx="1">
-            <a:schemeClr val="accent6"/>
-          </a:effectRef>
-          <a:fontRef idx="minor">
-            <a:schemeClr val="dk1"/>
-          </a:fontRef>
-        </p:style>
-        <p:txBody>
-          <a:bodyPr rtlCol="0" anchor="ctr"/>
-          <a:lstStyle/>
-          <a:p>
-            <a:pPr algn="ctr"/>
-            <a:endParaRPr lang="en-US" sz="1050"/>
-          </a:p>
-        </p:txBody>
-      </p:sp>
-      <p:cxnSp>
-        <p:nvCxnSpPr>
-          <p:cNvPr id="30" name="Elbow Connector 29"/>
-          <p:cNvCxnSpPr>
-            <a:stCxn id="51" idx="3"/>
-            <a:endCxn id="49" idx="1"/>
-          </p:cNvCxnSpPr>
-          <p:nvPr/>
-        </p:nvCxnSpPr>
-        <p:spPr>
-          <a:xfrm>
-            <a:off x="4220351" y="2760681"/>
-            <a:ext cx="266666" cy="260070"/>
-          </a:xfrm>
-          <a:prstGeom prst="bentConnector3">
-            <a:avLst/>
-          </a:prstGeom>
-          <a:ln w="19050">
-            <a:solidFill>
-              <a:srgbClr val="7030A0"/>
-            </a:solidFill>
-            <a:headEnd type="none" w="med" len="med"/>
-            <a:tailEnd type="arrow" w="med" len="med"/>
-          </a:ln>
-          <a:effectLst/>
-        </p:spPr>
-        <p:style>
-          <a:lnRef idx="1">
-            <a:schemeClr val="accent2"/>
-          </a:lnRef>
-          <a:fillRef idx="2">
-            <a:schemeClr val="accent2"/>
-          </a:fillRef>
-          <a:effectRef idx="1">
-            <a:schemeClr val="accent2"/>
-          </a:effectRef>
-          <a:fontRef idx="minor">
-            <a:schemeClr val="dk1"/>
-          </a:fontRef>
-        </p:style>
-      </p:cxnSp>
-      <p:sp>
-        <p:nvSpPr>
-          <p:cNvPr id="57" name="Rectangle 8"/>
-          <p:cNvSpPr/>
-          <p:nvPr/>
-        </p:nvSpPr>
-        <p:spPr>
-          <a:xfrm>
-            <a:off x="4477328" y="2280569"/>
-            <a:ext cx="1156969" cy="346760"/>
-          </a:xfrm>
-          <a:prstGeom prst="rect">
-            <a:avLst/>
-          </a:prstGeom>
-          <a:ln w="19050">
-            <a:solidFill>
-              <a:srgbClr val="7030A0"/>
-            </a:solidFill>
-          </a:ln>
-          <a:effectLst/>
-        </p:spPr>
-        <p:style>
-          <a:lnRef idx="1">
-            <a:schemeClr val="accent4"/>
-          </a:lnRef>
-          <a:fillRef idx="2">
-            <a:schemeClr val="accent4"/>
-          </a:fillRef>
-          <a:effectRef idx="1">
-            <a:schemeClr val="accent4"/>
-          </a:effectRef>
-          <a:fontRef idx="minor">
-            <a:schemeClr val="dk1"/>
-          </a:fontRef>
-        </p:style>
-        <p:txBody>
-          <a:bodyPr rtlCol="0" anchor="ctr"/>
-          <a:lstStyle/>
-          <a:p>
-            <a:pPr algn="ctr"/>
-            <a:r>
-              <a:rPr lang="en-US" sz="1050" dirty="0" err="1" smtClean="0">
+            </a:ln>
+            <a:effectLst/>
+          </p:spPr>
+          <p:style>
+            <a:lnRef idx="1">
+              <a:schemeClr val="accent4"/>
+            </a:lnRef>
+            <a:fillRef idx="2">
+              <a:schemeClr val="accent4"/>
+            </a:fillRef>
+            <a:effectRef idx="1">
+              <a:schemeClr val="accent4"/>
+            </a:effectRef>
+            <a:fontRef idx="minor">
+              <a:schemeClr val="dk1"/>
+            </a:fontRef>
+          </p:style>
+          <p:txBody>
+            <a:bodyPr rtlCol="0" anchor="ctr"/>
+            <a:lstStyle/>
+            <a:p>
+              <a:pPr algn="ctr"/>
+              <a:r>
+                <a:rPr lang="en-US" sz="900" dirty="0" err="1" smtClean="0">
+                  <a:solidFill>
+                    <a:srgbClr val="7030A0"/>
+                  </a:solidFill>
+                </a:rPr>
+                <a:t>CheckAuthenticate</a:t>
+              </a:r>
+              <a:endParaRPr lang="en-US" sz="900" dirty="0" smtClean="0">
                 <a:solidFill>
                   <a:srgbClr val="7030A0"/>
                 </a:solidFill>
-              </a:rPr>
-              <a:t>UniqueTagList</a:t>
-            </a:r>
-            <a:endParaRPr lang="en-SG" sz="1050" dirty="0">
+              </a:endParaRPr>
+            </a:p>
+            <a:p>
+              <a:pPr algn="ctr"/>
+              <a:r>
+                <a:rPr lang="en-US" sz="900" dirty="0" err="1" smtClean="0">
+                  <a:solidFill>
+                    <a:srgbClr val="7030A0"/>
+                  </a:solidFill>
+                </a:rPr>
+                <a:t>AsanaUser</a:t>
+              </a:r>
+              <a:endParaRPr lang="en-SG" sz="900" dirty="0">
+                <a:solidFill>
+                  <a:srgbClr val="7030A0"/>
+                </a:solidFill>
+              </a:endParaRPr>
+            </a:p>
+          </p:txBody>
+        </p:sp>
+        <p:sp>
+          <p:nvSpPr>
+            <p:cNvPr id="109" name="Rectangle 8"/>
+            <p:cNvSpPr/>
+            <p:nvPr/>
+          </p:nvSpPr>
+          <p:spPr>
+            <a:xfrm>
+              <a:off x="2983000" y="6236662"/>
+              <a:ext cx="1156969" cy="346760"/>
+            </a:xfrm>
+            <a:prstGeom prst="rect">
+              <a:avLst/>
+            </a:prstGeom>
+            <a:ln w="19050">
               <a:solidFill>
                 <a:srgbClr val="7030A0"/>
               </a:solidFill>
-            </a:endParaRPr>
-          </a:p>
-        </p:txBody>
-      </p:sp>
-      <p:cxnSp>
-        <p:nvCxnSpPr>
-          <p:cNvPr id="59" name="Elbow Connector 58"/>
-          <p:cNvCxnSpPr>
-            <a:stCxn id="51" idx="3"/>
-            <a:endCxn id="57" idx="1"/>
-          </p:cNvCxnSpPr>
-          <p:nvPr/>
-        </p:nvCxnSpPr>
-        <p:spPr>
-          <a:xfrm flipV="1">
-            <a:off x="4220351" y="2453949"/>
-            <a:ext cx="256977" cy="306732"/>
-          </a:xfrm>
-          <a:prstGeom prst="bentConnector3">
-            <a:avLst>
-              <a:gd name="adj1" fmla="val 50000"/>
-            </a:avLst>
-          </a:prstGeom>
-          <a:ln w="19050">
-            <a:solidFill>
-              <a:srgbClr val="7030A0"/>
-            </a:solidFill>
-            <a:headEnd type="none" w="med" len="med"/>
-            <a:tailEnd type="arrow" w="med" len="med"/>
-          </a:ln>
-          <a:effectLst/>
-        </p:spPr>
-        <p:style>
-          <a:lnRef idx="1">
-            <a:schemeClr val="accent2"/>
-          </a:lnRef>
-          <a:fillRef idx="2">
-            <a:schemeClr val="accent2"/>
-          </a:fillRef>
-          <a:effectRef idx="1">
-            <a:schemeClr val="accent2"/>
-          </a:effectRef>
-          <a:fontRef idx="minor">
-            <a:schemeClr val="dk1"/>
-          </a:fontRef>
-        </p:style>
-      </p:cxnSp>
-      <p:sp>
-        <p:nvSpPr>
-          <p:cNvPr id="62" name="Rectangle 8"/>
-          <p:cNvSpPr/>
-          <p:nvPr/>
-        </p:nvSpPr>
-        <p:spPr>
-          <a:xfrm>
-            <a:off x="6313677" y="2858066"/>
-            <a:ext cx="708186" cy="346760"/>
-          </a:xfrm>
-          <a:prstGeom prst="rect">
-            <a:avLst/>
-          </a:prstGeom>
-          <a:ln w="19050">
-            <a:solidFill>
-              <a:srgbClr val="7030A0"/>
-            </a:solidFill>
-          </a:ln>
-          <a:effectLst/>
-        </p:spPr>
-        <p:style>
-          <a:lnRef idx="1">
-            <a:schemeClr val="accent4"/>
-          </a:lnRef>
-          <a:fillRef idx="2">
-            <a:schemeClr val="accent4"/>
-          </a:fillRef>
-          <a:effectRef idx="1">
-            <a:schemeClr val="accent4"/>
-          </a:effectRef>
-          <a:fontRef idx="minor">
-            <a:schemeClr val="dk1"/>
-          </a:fontRef>
-        </p:style>
-        <p:txBody>
-          <a:bodyPr rtlCol="0" anchor="ctr"/>
-          <a:lstStyle/>
-          <a:p>
-            <a:pPr algn="ctr"/>
-            <a:r>
-              <a:rPr lang="en-US" sz="1050" dirty="0" smtClean="0">
+            </a:ln>
+            <a:effectLst/>
+          </p:spPr>
+          <p:style>
+            <a:lnRef idx="1">
+              <a:schemeClr val="accent4"/>
+            </a:lnRef>
+            <a:fillRef idx="2">
+              <a:schemeClr val="accent4"/>
+            </a:fillRef>
+            <a:effectRef idx="1">
+              <a:schemeClr val="accent4"/>
+            </a:effectRef>
+            <a:fontRef idx="minor">
+              <a:schemeClr val="dk1"/>
+            </a:fontRef>
+          </p:style>
+          <p:txBody>
+            <a:bodyPr rtlCol="0" anchor="ctr"/>
+            <a:lstStyle/>
+            <a:p>
+              <a:pPr algn="ctr"/>
+              <a:r>
+                <a:rPr lang="en-US" sz="900" dirty="0" err="1" smtClean="0">
+                  <a:solidFill>
+                    <a:srgbClr val="7030A0"/>
+                  </a:solidFill>
+                </a:rPr>
+                <a:t>StoreAccessToken</a:t>
+              </a:r>
+              <a:endParaRPr lang="en-SG" sz="900" dirty="0">
                 <a:solidFill>
                   <a:srgbClr val="7030A0"/>
                 </a:solidFill>
-              </a:rPr>
-              <a:t>Person</a:t>
-            </a:r>
-            <a:endParaRPr lang="en-SG" sz="1050" dirty="0">
+              </a:endParaRPr>
+            </a:p>
+          </p:txBody>
+        </p:sp>
+        <p:cxnSp>
+          <p:nvCxnSpPr>
+            <p:cNvPr id="110" name="Straight Arrow Connector 109"/>
+            <p:cNvCxnSpPr/>
+            <p:nvPr/>
+          </p:nvCxnSpPr>
+          <p:spPr>
+            <a:xfrm>
+              <a:off x="2630342" y="5943600"/>
+              <a:ext cx="341458" cy="0"/>
+            </a:xfrm>
+            <a:prstGeom prst="straightConnector1">
+              <a:avLst/>
+            </a:prstGeom>
+            <a:ln w="19050">
               <a:solidFill>
                 <a:srgbClr val="7030A0"/>
               </a:solidFill>
-            </a:endParaRPr>
-          </a:p>
-        </p:txBody>
-      </p:sp>
-      <p:sp>
-        <p:nvSpPr>
-          <p:cNvPr id="63" name="Flowchart: Decision 96"/>
-          <p:cNvSpPr/>
-          <p:nvPr/>
-        </p:nvSpPr>
-        <p:spPr>
-          <a:xfrm>
-            <a:off x="5643227" y="2943979"/>
-            <a:ext cx="236048" cy="173380"/>
-          </a:xfrm>
-          <a:prstGeom prst="flowChartDecision">
-            <a:avLst/>
-          </a:prstGeom>
-          <a:noFill/>
-          <a:ln w="19050">
-            <a:solidFill>
-              <a:srgbClr val="7030A0"/>
-            </a:solidFill>
-          </a:ln>
-          <a:effectLst/>
-        </p:spPr>
-        <p:style>
-          <a:lnRef idx="1">
-            <a:schemeClr val="accent6"/>
-          </a:lnRef>
-          <a:fillRef idx="2">
-            <a:schemeClr val="accent6"/>
-          </a:fillRef>
-          <a:effectRef idx="1">
-            <a:schemeClr val="accent6"/>
-          </a:effectRef>
-          <a:fontRef idx="minor">
-            <a:schemeClr val="dk1"/>
-          </a:fontRef>
-        </p:style>
-        <p:txBody>
-          <a:bodyPr rtlCol="0" anchor="ctr"/>
-          <a:lstStyle/>
-          <a:p>
-            <a:pPr algn="ctr"/>
-            <a:endParaRPr lang="en-US" sz="1050"/>
-          </a:p>
-        </p:txBody>
-      </p:sp>
-      <p:cxnSp>
-        <p:nvCxnSpPr>
-          <p:cNvPr id="64" name="Elbow Connector 63"/>
-          <p:cNvCxnSpPr>
-            <a:stCxn id="63" idx="3"/>
-            <a:endCxn id="62" idx="1"/>
-          </p:cNvCxnSpPr>
-          <p:nvPr/>
-        </p:nvCxnSpPr>
-        <p:spPr>
-          <a:xfrm>
-            <a:off x="5879275" y="3030669"/>
-            <a:ext cx="434402" cy="777"/>
-          </a:xfrm>
-          <a:prstGeom prst="bentConnector3">
-            <a:avLst/>
-          </a:prstGeom>
-          <a:ln w="19050">
-            <a:solidFill>
-              <a:srgbClr val="7030A0"/>
-            </a:solidFill>
-            <a:headEnd type="none" w="med" len="med"/>
-            <a:tailEnd type="arrow" w="med" len="med"/>
-          </a:ln>
-          <a:effectLst/>
-        </p:spPr>
-        <p:style>
-          <a:lnRef idx="1">
-            <a:schemeClr val="accent2"/>
-          </a:lnRef>
-          <a:fillRef idx="2">
-            <a:schemeClr val="accent2"/>
-          </a:fillRef>
-          <a:effectRef idx="1">
-            <a:schemeClr val="accent2"/>
-          </a:effectRef>
-          <a:fontRef idx="minor">
-            <a:schemeClr val="dk1"/>
-          </a:fontRef>
-        </p:style>
-      </p:cxnSp>
-      <p:sp>
-        <p:nvSpPr>
-          <p:cNvPr id="67" name="Rectangle 8"/>
-          <p:cNvSpPr/>
-          <p:nvPr/>
-        </p:nvSpPr>
-        <p:spPr>
-          <a:xfrm>
-            <a:off x="5336105" y="1809332"/>
-            <a:ext cx="483700" cy="346760"/>
-          </a:xfrm>
-          <a:prstGeom prst="rect">
-            <a:avLst/>
-          </a:prstGeom>
-          <a:ln w="19050">
-            <a:solidFill>
-              <a:srgbClr val="7030A0"/>
-            </a:solidFill>
-          </a:ln>
-          <a:effectLst/>
-        </p:spPr>
-        <p:style>
-          <a:lnRef idx="1">
-            <a:schemeClr val="accent4"/>
-          </a:lnRef>
-          <a:fillRef idx="2">
-            <a:schemeClr val="accent4"/>
-          </a:fillRef>
-          <a:effectRef idx="1">
-            <a:schemeClr val="accent4"/>
-          </a:effectRef>
-          <a:fontRef idx="minor">
-            <a:schemeClr val="dk1"/>
-          </a:fontRef>
-        </p:style>
-        <p:txBody>
-          <a:bodyPr rtlCol="0" anchor="ctr"/>
-          <a:lstStyle/>
-          <a:p>
-            <a:pPr algn="ctr"/>
-            <a:r>
-              <a:rPr lang="en-US" sz="1050" dirty="0" smtClean="0">
-                <a:solidFill>
-                  <a:srgbClr val="7030A0"/>
-                </a:solidFill>
-              </a:rPr>
-              <a:t>Tag</a:t>
-            </a:r>
-            <a:endParaRPr lang="en-SG" sz="1050" dirty="0">
+              <a:headEnd type="none" w="med" len="med"/>
+              <a:tailEnd type="arrow" w="med" len="med"/>
+            </a:ln>
+            <a:effectLst/>
+          </p:spPr>
+          <p:style>
+            <a:lnRef idx="1">
+              <a:schemeClr val="accent2"/>
+            </a:lnRef>
+            <a:fillRef idx="2">
+              <a:schemeClr val="accent2"/>
+            </a:fillRef>
+            <a:effectRef idx="1">
+              <a:schemeClr val="accent2"/>
+            </a:effectRef>
+            <a:fontRef idx="minor">
+              <a:schemeClr val="dk1"/>
+            </a:fontRef>
+          </p:style>
+        </p:cxnSp>
+        <p:sp>
+          <p:nvSpPr>
+            <p:cNvPr id="111" name="Flowchart: Decision 96"/>
+            <p:cNvSpPr/>
+            <p:nvPr/>
+          </p:nvSpPr>
+          <p:spPr>
+            <a:xfrm>
+              <a:off x="2395303" y="5846420"/>
+              <a:ext cx="236048" cy="173380"/>
+            </a:xfrm>
+            <a:prstGeom prst="flowChartDecision">
+              <a:avLst/>
+            </a:prstGeom>
+            <a:noFill/>
+            <a:ln w="19050">
               <a:solidFill>
                 <a:srgbClr val="7030A0"/>
               </a:solidFill>
-            </a:endParaRPr>
-          </a:p>
-        </p:txBody>
-      </p:sp>
-      <p:sp>
-        <p:nvSpPr>
-          <p:cNvPr id="68" name="Flowchart: Decision 96"/>
-          <p:cNvSpPr/>
-          <p:nvPr/>
-        </p:nvSpPr>
-        <p:spPr>
-          <a:xfrm rot="16200000">
-            <a:off x="4921666" y="2066540"/>
-            <a:ext cx="236048" cy="173380"/>
-          </a:xfrm>
-          <a:prstGeom prst="flowChartDecision">
-            <a:avLst/>
-          </a:prstGeom>
-          <a:noFill/>
-          <a:ln w="19050">
-            <a:solidFill>
-              <a:srgbClr val="7030A0"/>
-            </a:solidFill>
-          </a:ln>
-          <a:effectLst/>
-        </p:spPr>
-        <p:style>
-          <a:lnRef idx="1">
-            <a:schemeClr val="accent6"/>
-          </a:lnRef>
-          <a:fillRef idx="2">
-            <a:schemeClr val="accent6"/>
-          </a:fillRef>
-          <a:effectRef idx="1">
-            <a:schemeClr val="accent6"/>
-          </a:effectRef>
-          <a:fontRef idx="minor">
-            <a:schemeClr val="dk1"/>
-          </a:fontRef>
-        </p:style>
-        <p:txBody>
-          <a:bodyPr rtlCol="0" anchor="ctr"/>
-          <a:lstStyle/>
-          <a:p>
-            <a:pPr algn="ctr"/>
-            <a:endParaRPr lang="en-US" sz="1050"/>
-          </a:p>
-        </p:txBody>
-      </p:sp>
-      <p:cxnSp>
-        <p:nvCxnSpPr>
-          <p:cNvPr id="69" name="Elbow Connector 68"/>
-          <p:cNvCxnSpPr>
-            <a:stCxn id="68" idx="3"/>
-            <a:endCxn id="67" idx="1"/>
-          </p:cNvCxnSpPr>
-          <p:nvPr/>
-        </p:nvCxnSpPr>
-        <p:spPr>
-          <a:xfrm rot="5400000" flipH="1" flipV="1">
-            <a:off x="5161650" y="1860752"/>
-            <a:ext cx="52494" cy="296415"/>
-          </a:xfrm>
-          <a:prstGeom prst="bentConnector2">
-            <a:avLst/>
-          </a:prstGeom>
-          <a:ln w="19050">
-            <a:solidFill>
-              <a:srgbClr val="7030A0"/>
-            </a:solidFill>
-            <a:headEnd type="none" w="med" len="med"/>
-            <a:tailEnd type="arrow" w="med" len="med"/>
-          </a:ln>
-          <a:effectLst/>
-        </p:spPr>
-        <p:style>
-          <a:lnRef idx="1">
-            <a:schemeClr val="accent2"/>
-          </a:lnRef>
-          <a:fillRef idx="2">
-            <a:schemeClr val="accent2"/>
-          </a:fillRef>
-          <a:effectRef idx="1">
-            <a:schemeClr val="accent2"/>
-          </a:effectRef>
-          <a:fontRef idx="minor">
-            <a:schemeClr val="dk1"/>
-          </a:fontRef>
-        </p:style>
-      </p:cxnSp>
-      <p:sp>
-        <p:nvSpPr>
-          <p:cNvPr id="72" name="Rectangle 8"/>
-          <p:cNvSpPr/>
-          <p:nvPr/>
-        </p:nvSpPr>
-        <p:spPr>
-          <a:xfrm>
-            <a:off x="5128257" y="3429000"/>
-            <a:ext cx="1156969" cy="346760"/>
-          </a:xfrm>
-          <a:prstGeom prst="rect">
-            <a:avLst/>
-          </a:prstGeom>
-          <a:ln w="19050">
-            <a:solidFill>
-              <a:srgbClr val="7030A0"/>
-            </a:solidFill>
-          </a:ln>
-          <a:effectLst/>
-        </p:spPr>
-        <p:style>
-          <a:lnRef idx="1">
-            <a:schemeClr val="accent4"/>
-          </a:lnRef>
-          <a:fillRef idx="2">
-            <a:schemeClr val="accent4"/>
-          </a:fillRef>
-          <a:effectRef idx="1">
-            <a:schemeClr val="accent4"/>
-          </a:effectRef>
-          <a:fontRef idx="minor">
-            <a:schemeClr val="dk1"/>
-          </a:fontRef>
-        </p:style>
-        <p:txBody>
-          <a:bodyPr rtlCol="0" anchor="ctr"/>
-          <a:lstStyle/>
-          <a:p>
-            <a:pPr algn="ctr"/>
-            <a:r>
-              <a:rPr lang="en-US" sz="1050" dirty="0" smtClean="0">
-                <a:solidFill>
-                  <a:srgbClr val="7030A0"/>
-                </a:solidFill>
-              </a:rPr>
-              <a:t>&lt;&lt;interface&gt;&gt;</a:t>
-            </a:r>
-            <a:br>
-              <a:rPr lang="en-US" sz="1050" dirty="0" smtClean="0">
-                <a:solidFill>
-                  <a:srgbClr val="7030A0"/>
-                </a:solidFill>
-              </a:rPr>
-            </a:br>
-            <a:r>
-              <a:rPr lang="en-US" sz="1050" dirty="0" err="1" smtClean="0">
-                <a:solidFill>
-                  <a:srgbClr val="7030A0"/>
-                </a:solidFill>
-              </a:rPr>
-              <a:t>ReadOnlyPerson</a:t>
-            </a:r>
-            <a:endParaRPr lang="en-SG" sz="1050" dirty="0">
+            </a:ln>
+            <a:effectLst/>
+          </p:spPr>
+          <p:style>
+            <a:lnRef idx="1">
+              <a:schemeClr val="accent6"/>
+            </a:lnRef>
+            <a:fillRef idx="2">
+              <a:schemeClr val="accent6"/>
+            </a:fillRef>
+            <a:effectRef idx="1">
+              <a:schemeClr val="accent6"/>
+            </a:effectRef>
+            <a:fontRef idx="minor">
+              <a:schemeClr val="dk1"/>
+            </a:fontRef>
+          </p:style>
+          <p:txBody>
+            <a:bodyPr rtlCol="0" anchor="ctr"/>
+            <a:lstStyle/>
+            <a:p>
+              <a:pPr algn="ctr"/>
+              <a:endParaRPr lang="en-US" sz="1050"/>
+            </a:p>
+          </p:txBody>
+        </p:sp>
+        <p:cxnSp>
+          <p:nvCxnSpPr>
+            <p:cNvPr id="112" name="Straight Arrow Connector 111"/>
+            <p:cNvCxnSpPr>
+              <a:stCxn id="113" idx="3"/>
+              <a:endCxn id="108" idx="1"/>
+            </p:cNvCxnSpPr>
+            <p:nvPr/>
+          </p:nvCxnSpPr>
+          <p:spPr>
+            <a:xfrm flipV="1">
+              <a:off x="2674448" y="5496871"/>
+              <a:ext cx="297352" cy="19"/>
+            </a:xfrm>
+            <a:prstGeom prst="straightConnector1">
+              <a:avLst/>
+            </a:prstGeom>
+            <a:ln w="19050">
               <a:solidFill>
                 <a:srgbClr val="7030A0"/>
               </a:solidFill>
-            </a:endParaRPr>
-          </a:p>
-        </p:txBody>
-      </p:sp>
-      <p:sp>
-        <p:nvSpPr>
-          <p:cNvPr id="76" name="Rectangle 8"/>
-          <p:cNvSpPr/>
-          <p:nvPr/>
-        </p:nvSpPr>
-        <p:spPr>
-          <a:xfrm>
-            <a:off x="7712397" y="2564238"/>
-            <a:ext cx="708186" cy="285783"/>
-          </a:xfrm>
-          <a:prstGeom prst="rect">
-            <a:avLst/>
-          </a:prstGeom>
-          <a:ln w="19050">
-            <a:solidFill>
-              <a:srgbClr val="7030A0"/>
-            </a:solidFill>
-          </a:ln>
-          <a:effectLst/>
-        </p:spPr>
-        <p:style>
-          <a:lnRef idx="1">
-            <a:schemeClr val="accent4"/>
-          </a:lnRef>
-          <a:fillRef idx="2">
-            <a:schemeClr val="accent4"/>
-          </a:fillRef>
-          <a:effectRef idx="1">
-            <a:schemeClr val="accent4"/>
-          </a:effectRef>
-          <a:fontRef idx="minor">
-            <a:schemeClr val="dk1"/>
-          </a:fontRef>
-        </p:style>
-        <p:txBody>
-          <a:bodyPr rtlCol="0" anchor="ctr"/>
-          <a:lstStyle/>
-          <a:p>
-            <a:pPr algn="ctr"/>
-            <a:r>
-              <a:rPr lang="en-US" sz="1050" dirty="0" smtClean="0">
-                <a:solidFill>
-                  <a:srgbClr val="7030A0"/>
-                </a:solidFill>
-              </a:rPr>
-              <a:t>Name</a:t>
-            </a:r>
-            <a:endParaRPr lang="en-SG" sz="1050" dirty="0">
+              <a:headEnd type="none" w="med" len="med"/>
+              <a:tailEnd type="arrow" w="med" len="med"/>
+            </a:ln>
+            <a:effectLst/>
+          </p:spPr>
+          <p:style>
+            <a:lnRef idx="1">
+              <a:schemeClr val="accent2"/>
+            </a:lnRef>
+            <a:fillRef idx="2">
+              <a:schemeClr val="accent2"/>
+            </a:fillRef>
+            <a:effectRef idx="1">
+              <a:schemeClr val="accent2"/>
+            </a:effectRef>
+            <a:fontRef idx="minor">
+              <a:schemeClr val="dk1"/>
+            </a:fontRef>
+          </p:style>
+        </p:cxnSp>
+        <p:sp>
+          <p:nvSpPr>
+            <p:cNvPr id="113" name="Flowchart: Decision 96"/>
+            <p:cNvSpPr/>
+            <p:nvPr/>
+          </p:nvSpPr>
+          <p:spPr>
+            <a:xfrm>
+              <a:off x="2438400" y="5410200"/>
+              <a:ext cx="236048" cy="173380"/>
+            </a:xfrm>
+            <a:prstGeom prst="flowChartDecision">
+              <a:avLst/>
+            </a:prstGeom>
+            <a:noFill/>
+            <a:ln w="19050">
               <a:solidFill>
                 <a:srgbClr val="7030A0"/>
               </a:solidFill>
-            </a:endParaRPr>
-          </a:p>
-        </p:txBody>
-      </p:sp>
-      <p:sp>
-        <p:nvSpPr>
-          <p:cNvPr id="78" name="Flowchart: Decision 96"/>
-          <p:cNvSpPr/>
-          <p:nvPr/>
-        </p:nvSpPr>
-        <p:spPr>
-          <a:xfrm>
-            <a:off x="7041947" y="2948201"/>
-            <a:ext cx="236048" cy="173380"/>
-          </a:xfrm>
-          <a:prstGeom prst="flowChartDecision">
-            <a:avLst/>
-          </a:prstGeom>
-          <a:solidFill>
-            <a:srgbClr val="7030A0"/>
-          </a:solidFill>
-          <a:ln w="19050">
-            <a:solidFill>
-              <a:srgbClr val="7030A0"/>
-            </a:solidFill>
-          </a:ln>
-          <a:effectLst/>
-        </p:spPr>
-        <p:style>
-          <a:lnRef idx="1">
-            <a:schemeClr val="accent6"/>
-          </a:lnRef>
-          <a:fillRef idx="2">
-            <a:schemeClr val="accent6"/>
-          </a:fillRef>
-          <a:effectRef idx="1">
-            <a:schemeClr val="accent6"/>
-          </a:effectRef>
-          <a:fontRef idx="minor">
-            <a:schemeClr val="dk1"/>
-          </a:fontRef>
-        </p:style>
-        <p:txBody>
-          <a:bodyPr rtlCol="0" anchor="ctr"/>
-          <a:lstStyle/>
-          <a:p>
-            <a:pPr algn="ctr"/>
-            <a:endParaRPr lang="en-US" sz="1050"/>
-          </a:p>
-        </p:txBody>
-      </p:sp>
-      <p:cxnSp>
-        <p:nvCxnSpPr>
-          <p:cNvPr id="79" name="Elbow Connector 78"/>
-          <p:cNvCxnSpPr>
-            <a:stCxn id="78" idx="3"/>
-            <a:endCxn id="76" idx="1"/>
-          </p:cNvCxnSpPr>
-          <p:nvPr/>
-        </p:nvCxnSpPr>
-        <p:spPr>
-          <a:xfrm flipV="1">
-            <a:off x="7277995" y="2707130"/>
-            <a:ext cx="434402" cy="327761"/>
-          </a:xfrm>
-          <a:prstGeom prst="bentConnector3">
-            <a:avLst/>
-          </a:prstGeom>
-          <a:ln w="19050">
-            <a:solidFill>
-              <a:srgbClr val="7030A0"/>
-            </a:solidFill>
-            <a:headEnd type="none" w="med" len="med"/>
-            <a:tailEnd type="arrow" w="med" len="med"/>
-          </a:ln>
-          <a:effectLst/>
-        </p:spPr>
-        <p:style>
-          <a:lnRef idx="1">
-            <a:schemeClr val="accent2"/>
-          </a:lnRef>
-          <a:fillRef idx="2">
-            <a:schemeClr val="accent2"/>
-          </a:fillRef>
-          <a:effectRef idx="1">
-            <a:schemeClr val="accent2"/>
-          </a:effectRef>
-          <a:fontRef idx="minor">
-            <a:schemeClr val="dk1"/>
-          </a:fontRef>
-        </p:style>
-      </p:cxnSp>
-      <p:sp>
-        <p:nvSpPr>
-          <p:cNvPr id="80" name="Rectangle 8"/>
-          <p:cNvSpPr/>
-          <p:nvPr/>
-        </p:nvSpPr>
-        <p:spPr>
-          <a:xfrm>
-            <a:off x="7712397" y="2887216"/>
-            <a:ext cx="708186" cy="285783"/>
-          </a:xfrm>
-          <a:prstGeom prst="rect">
-            <a:avLst/>
-          </a:prstGeom>
-          <a:ln w="19050">
-            <a:solidFill>
-              <a:srgbClr val="7030A0"/>
-            </a:solidFill>
-          </a:ln>
-          <a:effectLst/>
-        </p:spPr>
-        <p:style>
-          <a:lnRef idx="1">
-            <a:schemeClr val="accent4"/>
-          </a:lnRef>
-          <a:fillRef idx="2">
-            <a:schemeClr val="accent4"/>
-          </a:fillRef>
-          <a:effectRef idx="1">
-            <a:schemeClr val="accent4"/>
-          </a:effectRef>
-          <a:fontRef idx="minor">
-            <a:schemeClr val="dk1"/>
-          </a:fontRef>
-        </p:style>
-        <p:txBody>
-          <a:bodyPr rtlCol="0" anchor="ctr"/>
-          <a:lstStyle/>
-          <a:p>
-            <a:pPr algn="ctr"/>
-            <a:r>
-              <a:rPr lang="en-US" sz="1050" dirty="0" smtClean="0">
-                <a:solidFill>
-                  <a:srgbClr val="7030A0"/>
-                </a:solidFill>
-              </a:rPr>
-              <a:t>Phone</a:t>
-            </a:r>
-            <a:endParaRPr lang="en-SG" sz="1050" dirty="0">
+            </a:ln>
+            <a:effectLst/>
+          </p:spPr>
+          <p:style>
+            <a:lnRef idx="1">
+              <a:schemeClr val="accent6"/>
+            </a:lnRef>
+            <a:fillRef idx="2">
+              <a:schemeClr val="accent6"/>
+            </a:fillRef>
+            <a:effectRef idx="1">
+              <a:schemeClr val="accent6"/>
+            </a:effectRef>
+            <a:fontRef idx="minor">
+              <a:schemeClr val="dk1"/>
+            </a:fontRef>
+          </p:style>
+          <p:txBody>
+            <a:bodyPr rtlCol="0" anchor="ctr"/>
+            <a:lstStyle/>
+            <a:p>
+              <a:pPr algn="ctr"/>
+              <a:endParaRPr lang="en-US" sz="1050"/>
+            </a:p>
+          </p:txBody>
+        </p:sp>
+        <p:sp>
+          <p:nvSpPr>
+            <p:cNvPr id="115" name="Flowchart: Decision 96"/>
+            <p:cNvSpPr/>
+            <p:nvPr/>
+          </p:nvSpPr>
+          <p:spPr>
+            <a:xfrm>
+              <a:off x="2438400" y="6303620"/>
+              <a:ext cx="236048" cy="173380"/>
+            </a:xfrm>
+            <a:prstGeom prst="flowChartDecision">
+              <a:avLst/>
+            </a:prstGeom>
+            <a:noFill/>
+            <a:ln w="19050">
               <a:solidFill>
                 <a:srgbClr val="7030A0"/>
               </a:solidFill>
-            </a:endParaRPr>
-          </a:p>
-        </p:txBody>
-      </p:sp>
-      <p:cxnSp>
-        <p:nvCxnSpPr>
-          <p:cNvPr id="81" name="Elbow Connector 80"/>
-          <p:cNvCxnSpPr>
-            <a:stCxn id="78" idx="3"/>
-            <a:endCxn id="80" idx="1"/>
-          </p:cNvCxnSpPr>
-          <p:nvPr/>
-        </p:nvCxnSpPr>
-        <p:spPr>
-          <a:xfrm flipV="1">
-            <a:off x="7277995" y="3030108"/>
-            <a:ext cx="434402" cy="4783"/>
-          </a:xfrm>
-          <a:prstGeom prst="bentConnector3">
-            <a:avLst/>
-          </a:prstGeom>
-          <a:ln w="19050">
-            <a:solidFill>
-              <a:srgbClr val="7030A0"/>
-            </a:solidFill>
-            <a:headEnd type="none" w="med" len="med"/>
-            <a:tailEnd type="arrow" w="med" len="med"/>
-          </a:ln>
-          <a:effectLst/>
-        </p:spPr>
-        <p:style>
-          <a:lnRef idx="1">
-            <a:schemeClr val="accent2"/>
-          </a:lnRef>
-          <a:fillRef idx="2">
-            <a:schemeClr val="accent2"/>
-          </a:fillRef>
-          <a:effectRef idx="1">
-            <a:schemeClr val="accent2"/>
-          </a:effectRef>
-          <a:fontRef idx="minor">
-            <a:schemeClr val="dk1"/>
-          </a:fontRef>
-        </p:style>
-      </p:cxnSp>
-      <p:sp>
-        <p:nvSpPr>
-          <p:cNvPr id="83" name="Rectangle 8"/>
-          <p:cNvSpPr/>
-          <p:nvPr/>
-        </p:nvSpPr>
-        <p:spPr>
-          <a:xfrm>
-            <a:off x="7712397" y="3210194"/>
-            <a:ext cx="708186" cy="285783"/>
-          </a:xfrm>
-          <a:prstGeom prst="rect">
-            <a:avLst/>
-          </a:prstGeom>
-          <a:ln w="19050">
-            <a:solidFill>
-              <a:srgbClr val="7030A0"/>
-            </a:solidFill>
-          </a:ln>
-          <a:effectLst/>
-        </p:spPr>
-        <p:style>
-          <a:lnRef idx="1">
-            <a:schemeClr val="accent4"/>
-          </a:lnRef>
-          <a:fillRef idx="2">
-            <a:schemeClr val="accent4"/>
-          </a:fillRef>
-          <a:effectRef idx="1">
-            <a:schemeClr val="accent4"/>
-          </a:effectRef>
-          <a:fontRef idx="minor">
-            <a:schemeClr val="dk1"/>
-          </a:fontRef>
-        </p:style>
-        <p:txBody>
-          <a:bodyPr rtlCol="0" anchor="ctr"/>
-          <a:lstStyle/>
-          <a:p>
-            <a:pPr algn="ctr"/>
-            <a:r>
-              <a:rPr lang="en-US" sz="1050" dirty="0" smtClean="0">
-                <a:solidFill>
-                  <a:srgbClr val="7030A0"/>
-                </a:solidFill>
-              </a:rPr>
-              <a:t>Email</a:t>
-            </a:r>
-            <a:endParaRPr lang="en-SG" sz="1050" dirty="0">
+            </a:ln>
+            <a:effectLst/>
+          </p:spPr>
+          <p:style>
+            <a:lnRef idx="1">
+              <a:schemeClr val="accent6"/>
+            </a:lnRef>
+            <a:fillRef idx="2">
+              <a:schemeClr val="accent6"/>
+            </a:fillRef>
+            <a:effectRef idx="1">
+              <a:schemeClr val="accent6"/>
+            </a:effectRef>
+            <a:fontRef idx="minor">
+              <a:schemeClr val="dk1"/>
+            </a:fontRef>
+          </p:style>
+          <p:txBody>
+            <a:bodyPr rtlCol="0" anchor="ctr"/>
+            <a:lstStyle/>
+            <a:p>
+              <a:pPr algn="ctr"/>
+              <a:endParaRPr lang="en-US" sz="1050"/>
+            </a:p>
+          </p:txBody>
+        </p:sp>
+        <p:cxnSp>
+          <p:nvCxnSpPr>
+            <p:cNvPr id="116" name="Straight Arrow Connector 115"/>
+            <p:cNvCxnSpPr/>
+            <p:nvPr/>
+          </p:nvCxnSpPr>
+          <p:spPr>
+            <a:xfrm>
+              <a:off x="2667000" y="6386730"/>
+              <a:ext cx="315605" cy="0"/>
+            </a:xfrm>
+            <a:prstGeom prst="straightConnector1">
+              <a:avLst/>
+            </a:prstGeom>
+            <a:ln w="19050">
               <a:solidFill>
                 <a:srgbClr val="7030A0"/>
               </a:solidFill>
-            </a:endParaRPr>
-          </a:p>
-        </p:txBody>
-      </p:sp>
-      <p:cxnSp>
-        <p:nvCxnSpPr>
-          <p:cNvPr id="84" name="Elbow Connector 83"/>
-          <p:cNvCxnSpPr>
-            <a:stCxn id="78" idx="3"/>
-            <a:endCxn id="83" idx="1"/>
-          </p:cNvCxnSpPr>
-          <p:nvPr/>
-        </p:nvCxnSpPr>
-        <p:spPr>
-          <a:xfrm>
-            <a:off x="7277995" y="3034891"/>
-            <a:ext cx="434402" cy="318195"/>
-          </a:xfrm>
-          <a:prstGeom prst="bentConnector3">
-            <a:avLst/>
-          </a:prstGeom>
-          <a:ln w="19050">
-            <a:solidFill>
-              <a:srgbClr val="7030A0"/>
-            </a:solidFill>
-            <a:headEnd type="none" w="med" len="med"/>
-            <a:tailEnd type="arrow" w="med" len="med"/>
-          </a:ln>
-          <a:effectLst/>
-        </p:spPr>
-        <p:style>
-          <a:lnRef idx="1">
-            <a:schemeClr val="accent2"/>
-          </a:lnRef>
-          <a:fillRef idx="2">
-            <a:schemeClr val="accent2"/>
-          </a:fillRef>
-          <a:effectRef idx="1">
-            <a:schemeClr val="accent2"/>
-          </a:effectRef>
-          <a:fontRef idx="minor">
-            <a:schemeClr val="dk1"/>
-          </a:fontRef>
-        </p:style>
-      </p:cxnSp>
-      <p:sp>
-        <p:nvSpPr>
-          <p:cNvPr id="85" name="Rectangle 8"/>
-          <p:cNvSpPr/>
-          <p:nvPr/>
-        </p:nvSpPr>
-        <p:spPr>
-          <a:xfrm>
-            <a:off x="7712397" y="3533171"/>
-            <a:ext cx="708186" cy="285783"/>
-          </a:xfrm>
-          <a:prstGeom prst="rect">
-            <a:avLst/>
-          </a:prstGeom>
-          <a:ln w="19050">
-            <a:solidFill>
-              <a:srgbClr val="7030A0"/>
-            </a:solidFill>
-          </a:ln>
-          <a:effectLst/>
-        </p:spPr>
-        <p:style>
-          <a:lnRef idx="1">
-            <a:schemeClr val="accent4"/>
-          </a:lnRef>
-          <a:fillRef idx="2">
-            <a:schemeClr val="accent4"/>
-          </a:fillRef>
-          <a:effectRef idx="1">
-            <a:schemeClr val="accent4"/>
-          </a:effectRef>
-          <a:fontRef idx="minor">
-            <a:schemeClr val="dk1"/>
-          </a:fontRef>
-        </p:style>
-        <p:txBody>
-          <a:bodyPr rtlCol="0" anchor="ctr"/>
-          <a:lstStyle/>
-          <a:p>
-            <a:pPr algn="ctr"/>
-            <a:r>
-              <a:rPr lang="en-US" sz="1050" dirty="0" smtClean="0">
-                <a:solidFill>
-                  <a:srgbClr val="7030A0"/>
-                </a:solidFill>
-              </a:rPr>
-              <a:t>Address</a:t>
-            </a:r>
-            <a:endParaRPr lang="en-SG" sz="1050" dirty="0">
-              <a:solidFill>
-                <a:srgbClr val="7030A0"/>
-              </a:solidFill>
-            </a:endParaRPr>
-          </a:p>
-        </p:txBody>
-      </p:sp>
-      <p:cxnSp>
-        <p:nvCxnSpPr>
-          <p:cNvPr id="86" name="Elbow Connector 85"/>
-          <p:cNvCxnSpPr>
-            <a:stCxn id="78" idx="3"/>
-            <a:endCxn id="85" idx="1"/>
-          </p:cNvCxnSpPr>
-          <p:nvPr/>
-        </p:nvCxnSpPr>
-        <p:spPr>
-          <a:xfrm>
-            <a:off x="7277995" y="3034891"/>
-            <a:ext cx="434402" cy="641172"/>
-          </a:xfrm>
-          <a:prstGeom prst="bentConnector3">
-            <a:avLst/>
-          </a:prstGeom>
-          <a:ln w="19050">
-            <a:solidFill>
-              <a:srgbClr val="7030A0"/>
-            </a:solidFill>
-            <a:headEnd type="none" w="med" len="med"/>
-            <a:tailEnd type="arrow" w="med" len="med"/>
-          </a:ln>
-          <a:effectLst/>
-        </p:spPr>
-        <p:style>
-          <a:lnRef idx="1">
-            <a:schemeClr val="accent2"/>
-          </a:lnRef>
-          <a:fillRef idx="2">
-            <a:schemeClr val="accent2"/>
-          </a:fillRef>
-          <a:effectRef idx="1">
-            <a:schemeClr val="accent2"/>
-          </a:effectRef>
-          <a:fontRef idx="minor">
-            <a:schemeClr val="dk1"/>
-          </a:fontRef>
-        </p:style>
-      </p:cxnSp>
-      <p:cxnSp>
-        <p:nvCxnSpPr>
-          <p:cNvPr id="97" name="Elbow Connector 63"/>
-          <p:cNvCxnSpPr>
-            <a:stCxn id="99" idx="3"/>
-          </p:cNvCxnSpPr>
-          <p:nvPr/>
-        </p:nvCxnSpPr>
-        <p:spPr>
-          <a:xfrm rot="16200000" flipH="1">
-            <a:off x="3279321" y="2485431"/>
-            <a:ext cx="293825" cy="1"/>
-          </a:xfrm>
-          <a:prstGeom prst="bentConnector3">
-            <a:avLst>
-              <a:gd name="adj1" fmla="val 50000"/>
-            </a:avLst>
-          </a:prstGeom>
-          <a:ln w="19050">
-            <a:solidFill>
-              <a:srgbClr val="7030A0"/>
-            </a:solidFill>
-            <a:prstDash val="sysDot"/>
-            <a:headEnd type="none" w="med" len="med"/>
-            <a:tailEnd type="none" w="med" len="med"/>
-          </a:ln>
-          <a:effectLst/>
-        </p:spPr>
-        <p:style>
-          <a:lnRef idx="1">
-            <a:schemeClr val="accent2"/>
-          </a:lnRef>
-          <a:fillRef idx="2">
-            <a:schemeClr val="accent2"/>
-          </a:fillRef>
-          <a:effectRef idx="1">
-            <a:schemeClr val="accent2"/>
-          </a:effectRef>
-          <a:fontRef idx="minor">
-            <a:schemeClr val="dk1"/>
-          </a:fontRef>
-        </p:style>
-      </p:cxnSp>
-      <p:sp>
-        <p:nvSpPr>
-          <p:cNvPr id="99" name="Isosceles Triangle 102"/>
-          <p:cNvSpPr/>
-          <p:nvPr/>
-        </p:nvSpPr>
-        <p:spPr>
-          <a:xfrm rot="10800000" flipV="1">
-            <a:off x="3290981" y="2162997"/>
-            <a:ext cx="270504" cy="175523"/>
-          </a:xfrm>
-          <a:prstGeom prst="triangle">
-            <a:avLst/>
-          </a:prstGeom>
-          <a:ln w="19050">
-            <a:solidFill>
-              <a:srgbClr val="7030A0"/>
-            </a:solidFill>
-          </a:ln>
-          <a:effectLst/>
-        </p:spPr>
-        <p:style>
-          <a:lnRef idx="1">
-            <a:schemeClr val="accent4"/>
-          </a:lnRef>
-          <a:fillRef idx="2">
-            <a:schemeClr val="accent4"/>
-          </a:fillRef>
-          <a:effectRef idx="1">
-            <a:schemeClr val="accent4"/>
-          </a:effectRef>
-          <a:fontRef idx="minor">
-            <a:schemeClr val="dk1"/>
-          </a:fontRef>
-        </p:style>
-        <p:txBody>
-          <a:bodyPr rtlCol="0" anchor="ctr"/>
-          <a:lstStyle/>
-          <a:p>
-            <a:pPr algn="ctr"/>
-            <a:endParaRPr lang="en-SG" sz="1050" b="1">
-              <a:solidFill>
-                <a:srgbClr val="92D050"/>
-              </a:solidFill>
-            </a:endParaRPr>
-          </a:p>
-        </p:txBody>
-      </p:sp>
-      <p:sp>
-        <p:nvSpPr>
-          <p:cNvPr id="100" name="Rectangle 8"/>
-          <p:cNvSpPr/>
-          <p:nvPr/>
-        </p:nvSpPr>
-        <p:spPr>
-          <a:xfrm>
-            <a:off x="2660303" y="1806470"/>
-            <a:ext cx="1539926" cy="346760"/>
-          </a:xfrm>
-          <a:prstGeom prst="rect">
-            <a:avLst/>
-          </a:prstGeom>
-          <a:ln w="19050">
-            <a:solidFill>
-              <a:srgbClr val="7030A0"/>
-            </a:solidFill>
-          </a:ln>
-          <a:effectLst/>
-        </p:spPr>
-        <p:style>
-          <a:lnRef idx="1">
-            <a:schemeClr val="accent4"/>
-          </a:lnRef>
-          <a:fillRef idx="2">
-            <a:schemeClr val="accent4"/>
-          </a:fillRef>
-          <a:effectRef idx="1">
-            <a:schemeClr val="accent4"/>
-          </a:effectRef>
-          <a:fontRef idx="minor">
-            <a:schemeClr val="dk1"/>
-          </a:fontRef>
-        </p:style>
-        <p:txBody>
-          <a:bodyPr rtlCol="0" anchor="ctr"/>
-          <a:lstStyle/>
-          <a:p>
-            <a:pPr algn="ctr"/>
-            <a:r>
-              <a:rPr lang="en-US" sz="1050" dirty="0" smtClean="0">
-                <a:solidFill>
-                  <a:srgbClr val="7030A0"/>
-                </a:solidFill>
-              </a:rPr>
-              <a:t>&lt;&lt;interface&gt;&gt;</a:t>
-            </a:r>
-            <a:br>
-              <a:rPr lang="en-US" sz="1050" dirty="0" smtClean="0">
-                <a:solidFill>
-                  <a:srgbClr val="7030A0"/>
-                </a:solidFill>
-              </a:rPr>
-            </a:br>
-            <a:r>
-              <a:rPr lang="en-US" sz="1050" dirty="0" err="1" smtClean="0">
-                <a:solidFill>
-                  <a:srgbClr val="7030A0"/>
-                </a:solidFill>
-              </a:rPr>
-              <a:t>ReadOnlyAddressBook</a:t>
-            </a:r>
-            <a:endParaRPr lang="en-SG" sz="1050" dirty="0">
-              <a:solidFill>
-                <a:srgbClr val="7030A0"/>
-              </a:solidFill>
-            </a:endParaRPr>
-          </a:p>
-        </p:txBody>
-      </p:sp>
-      <p:sp>
-        <p:nvSpPr>
-          <p:cNvPr id="114" name="TextBox 113"/>
-          <p:cNvSpPr txBox="1"/>
-          <p:nvPr/>
-        </p:nvSpPr>
-        <p:spPr>
-          <a:xfrm rot="16200000">
-            <a:off x="6527512" y="3586305"/>
-            <a:ext cx="881018" cy="261610"/>
-          </a:xfrm>
-          <a:prstGeom prst="rect">
-            <a:avLst/>
-          </a:prstGeom>
-          <a:noFill/>
-        </p:spPr>
-        <p:txBody>
-          <a:bodyPr wrap="square" rtlCol="0">
-            <a:spAutoFit/>
-          </a:bodyPr>
-          <a:lstStyle/>
-          <a:p>
-            <a:pPr algn="r"/>
-            <a:r>
-              <a:rPr lang="en-US" sz="1100" dirty="0" smtClean="0">
-                <a:solidFill>
-                  <a:srgbClr val="7030A0"/>
-                </a:solidFill>
-              </a:rPr>
-              <a:t>filtered list</a:t>
-            </a:r>
-            <a:endParaRPr lang="en-SG" sz="1100" dirty="0">
-              <a:solidFill>
-                <a:srgbClr val="7030A0"/>
-              </a:solidFill>
-            </a:endParaRPr>
-          </a:p>
-        </p:txBody>
-      </p:sp>
-      <p:sp>
-        <p:nvSpPr>
-          <p:cNvPr id="122" name="Rectangle 8"/>
-          <p:cNvSpPr/>
-          <p:nvPr/>
-        </p:nvSpPr>
-        <p:spPr>
-          <a:xfrm>
-            <a:off x="2057401" y="4239491"/>
-            <a:ext cx="1066800" cy="346760"/>
-          </a:xfrm>
-          <a:prstGeom prst="rect">
-            <a:avLst/>
-          </a:prstGeom>
-          <a:ln w="19050">
-            <a:solidFill>
-              <a:srgbClr val="7030A0"/>
-            </a:solidFill>
-          </a:ln>
-          <a:effectLst/>
-        </p:spPr>
-        <p:style>
-          <a:lnRef idx="1">
-            <a:schemeClr val="accent4"/>
-          </a:lnRef>
-          <a:fillRef idx="2">
-            <a:schemeClr val="accent4"/>
-          </a:fillRef>
-          <a:effectRef idx="1">
-            <a:schemeClr val="accent4"/>
-          </a:effectRef>
-          <a:fontRef idx="minor">
-            <a:schemeClr val="dk1"/>
-          </a:fontRef>
-        </p:style>
-        <p:txBody>
-          <a:bodyPr rtlCol="0" anchor="ctr"/>
-          <a:lstStyle/>
-          <a:p>
-            <a:pPr algn="ctr"/>
-            <a:r>
-              <a:rPr lang="en-US" sz="1050" dirty="0" smtClean="0">
-                <a:solidFill>
-                  <a:srgbClr val="7030A0"/>
-                </a:solidFill>
-              </a:rPr>
-              <a:t>&lt;&lt;interface&gt;&gt;</a:t>
-            </a:r>
-            <a:r>
-              <a:rPr lang="en-US" sz="1050">
-                <a:solidFill>
-                  <a:srgbClr val="7030A0"/>
-                </a:solidFill>
-              </a:rPr>
-              <a:t/>
-            </a:r>
-            <a:br>
-              <a:rPr lang="en-US" sz="1050">
-                <a:solidFill>
-                  <a:srgbClr val="7030A0"/>
-                </a:solidFill>
-              </a:rPr>
-            </a:br>
-            <a:r>
-              <a:rPr lang="en-US" sz="1050" dirty="0" err="1" smtClean="0">
-                <a:solidFill>
-                  <a:srgbClr val="7030A0"/>
-                </a:solidFill>
-              </a:rPr>
-              <a:t>ObservableList</a:t>
-            </a:r>
-            <a:endParaRPr lang="en-SG" sz="1050" dirty="0">
-              <a:solidFill>
-                <a:srgbClr val="7030A0"/>
-              </a:solidFill>
-            </a:endParaRPr>
-          </a:p>
-        </p:txBody>
-      </p:sp>
-      <p:cxnSp>
-        <p:nvCxnSpPr>
-          <p:cNvPr id="124" name="Elbow Connector 122"/>
-          <p:cNvCxnSpPr>
-            <a:stCxn id="119" idx="1"/>
-            <a:endCxn id="122" idx="1"/>
-          </p:cNvCxnSpPr>
-          <p:nvPr/>
-        </p:nvCxnSpPr>
-        <p:spPr>
-          <a:xfrm rot="16200000" flipH="1">
-            <a:off x="1364475" y="3719944"/>
-            <a:ext cx="831471" cy="554381"/>
-          </a:xfrm>
-          <a:prstGeom prst="bentConnector2">
-            <a:avLst/>
-          </a:prstGeom>
-          <a:ln w="19050">
-            <a:solidFill>
-              <a:srgbClr val="7030A0"/>
-            </a:solidFill>
-            <a:prstDash val="sysDot"/>
-            <a:headEnd type="none" w="med" len="med"/>
-            <a:tailEnd type="arrow" w="med" len="med"/>
-          </a:ln>
-          <a:effectLst/>
-        </p:spPr>
-        <p:style>
-          <a:lnRef idx="1">
-            <a:schemeClr val="accent2"/>
-          </a:lnRef>
-          <a:fillRef idx="2">
-            <a:schemeClr val="accent2"/>
-          </a:fillRef>
-          <a:effectRef idx="1">
-            <a:schemeClr val="accent2"/>
-          </a:effectRef>
-          <a:fontRef idx="minor">
-            <a:schemeClr val="dk1"/>
-          </a:fontRef>
-        </p:style>
-      </p:cxnSp>
-      <p:cxnSp>
-        <p:nvCxnSpPr>
-          <p:cNvPr id="50" name="Elbow Connector 49"/>
-          <p:cNvCxnSpPr>
-            <a:stCxn id="62" idx="0"/>
-            <a:endCxn id="57" idx="3"/>
-          </p:cNvCxnSpPr>
-          <p:nvPr/>
-        </p:nvCxnSpPr>
-        <p:spPr>
-          <a:xfrm rot="16200000" flipV="1">
-            <a:off x="5948976" y="2139271"/>
-            <a:ext cx="404117" cy="1033473"/>
-          </a:xfrm>
-          <a:prstGeom prst="bentConnector2">
-            <a:avLst/>
-          </a:prstGeom>
-          <a:ln w="19050">
-            <a:solidFill>
-              <a:srgbClr val="7030A0"/>
-            </a:solidFill>
-            <a:headEnd type="none" w="med" len="med"/>
-            <a:tailEnd type="arrow" w="med" len="med"/>
-          </a:ln>
-          <a:effectLst/>
-        </p:spPr>
-        <p:style>
-          <a:lnRef idx="1">
-            <a:schemeClr val="accent2"/>
-          </a:lnRef>
-          <a:fillRef idx="2">
-            <a:schemeClr val="accent2"/>
-          </a:fillRef>
-          <a:effectRef idx="1">
-            <a:schemeClr val="accent2"/>
-          </a:effectRef>
-          <a:fontRef idx="minor">
-            <a:schemeClr val="dk1"/>
-          </a:fontRef>
-        </p:style>
-      </p:cxnSp>
-      <p:sp>
-        <p:nvSpPr>
-          <p:cNvPr id="11" name="TextBox 10"/>
-          <p:cNvSpPr txBox="1"/>
-          <p:nvPr/>
-        </p:nvSpPr>
-        <p:spPr>
-          <a:xfrm>
-            <a:off x="4324972" y="2191228"/>
-            <a:ext cx="189257" cy="178683"/>
-          </a:xfrm>
-          <a:prstGeom prst="rect">
-            <a:avLst/>
-          </a:prstGeom>
-          <a:noFill/>
-        </p:spPr>
-        <p:txBody>
-          <a:bodyPr wrap="square" lIns="0" tIns="0" rIns="0" bIns="0" rtlCol="0">
-            <a:noAutofit/>
-          </a:bodyPr>
-          <a:lstStyle/>
-          <a:p>
-            <a:pPr algn="ctr"/>
-            <a:r>
-              <a:rPr lang="en-US" sz="1100" dirty="0" smtClean="0">
-                <a:solidFill>
-                  <a:srgbClr val="7030A0"/>
-                </a:solidFill>
-              </a:rPr>
-              <a:t>1</a:t>
-            </a:r>
-            <a:endParaRPr lang="en-SG" sz="1100" dirty="0">
-              <a:solidFill>
-                <a:srgbClr val="7030A0"/>
-              </a:solidFill>
-            </a:endParaRPr>
-          </a:p>
-        </p:txBody>
-      </p:sp>
-      <p:sp>
-        <p:nvSpPr>
-          <p:cNvPr id="54" name="TextBox 53"/>
-          <p:cNvSpPr txBox="1"/>
-          <p:nvPr/>
-        </p:nvSpPr>
-        <p:spPr>
-          <a:xfrm>
-            <a:off x="4324972" y="3058864"/>
-            <a:ext cx="189257" cy="178683"/>
-          </a:xfrm>
-          <a:prstGeom prst="rect">
-            <a:avLst/>
-          </a:prstGeom>
-          <a:noFill/>
-        </p:spPr>
-        <p:txBody>
-          <a:bodyPr wrap="square" lIns="0" tIns="0" rIns="0" bIns="0" rtlCol="0">
-            <a:noAutofit/>
-          </a:bodyPr>
-          <a:lstStyle/>
-          <a:p>
-            <a:pPr algn="ctr"/>
-            <a:r>
-              <a:rPr lang="en-US" sz="1100" dirty="0" smtClean="0">
-                <a:solidFill>
-                  <a:srgbClr val="7030A0"/>
-                </a:solidFill>
-              </a:rPr>
-              <a:t>1</a:t>
-            </a:r>
-            <a:endParaRPr lang="en-SG" sz="1100" dirty="0">
-              <a:solidFill>
-                <a:srgbClr val="7030A0"/>
-              </a:solidFill>
-            </a:endParaRPr>
-          </a:p>
-        </p:txBody>
-      </p:sp>
-      <p:sp>
-        <p:nvSpPr>
-          <p:cNvPr id="56" name="TextBox 55"/>
-          <p:cNvSpPr txBox="1"/>
-          <p:nvPr/>
-        </p:nvSpPr>
-        <p:spPr>
-          <a:xfrm>
-            <a:off x="5689761" y="2495413"/>
-            <a:ext cx="189257" cy="178683"/>
-          </a:xfrm>
-          <a:prstGeom prst="rect">
-            <a:avLst/>
-          </a:prstGeom>
-          <a:noFill/>
-        </p:spPr>
-        <p:txBody>
-          <a:bodyPr wrap="square" lIns="0" tIns="0" rIns="0" bIns="0" rtlCol="0">
-            <a:noAutofit/>
-          </a:bodyPr>
-          <a:lstStyle/>
-          <a:p>
-            <a:pPr algn="ctr"/>
-            <a:r>
-              <a:rPr lang="en-US" sz="1100" dirty="0" smtClean="0">
-                <a:solidFill>
-                  <a:srgbClr val="7030A0"/>
-                </a:solidFill>
-              </a:rPr>
-              <a:t>1</a:t>
-            </a:r>
-            <a:endParaRPr lang="en-SG" sz="1100" dirty="0">
-              <a:solidFill>
-                <a:srgbClr val="7030A0"/>
-              </a:solidFill>
-            </a:endParaRPr>
-          </a:p>
-        </p:txBody>
-      </p:sp>
-      <p:sp>
-        <p:nvSpPr>
-          <p:cNvPr id="60" name="TextBox 59"/>
-          <p:cNvSpPr txBox="1"/>
-          <p:nvPr/>
-        </p:nvSpPr>
-        <p:spPr>
-          <a:xfrm>
-            <a:off x="5163172" y="1778919"/>
-            <a:ext cx="189257" cy="178683"/>
-          </a:xfrm>
-          <a:prstGeom prst="rect">
-            <a:avLst/>
-          </a:prstGeom>
-          <a:noFill/>
-        </p:spPr>
-        <p:txBody>
-          <a:bodyPr wrap="square" lIns="0" tIns="0" rIns="0" bIns="0" rtlCol="0">
-            <a:noAutofit/>
-          </a:bodyPr>
-          <a:lstStyle/>
-          <a:p>
-            <a:pPr algn="ctr"/>
-            <a:r>
-              <a:rPr lang="en-US" sz="1100" dirty="0" smtClean="0">
-                <a:solidFill>
-                  <a:srgbClr val="7030A0"/>
-                </a:solidFill>
-              </a:rPr>
-              <a:t>*</a:t>
-            </a:r>
-            <a:endParaRPr lang="en-SG" sz="1100" dirty="0">
-              <a:solidFill>
-                <a:srgbClr val="7030A0"/>
-              </a:solidFill>
-            </a:endParaRPr>
-          </a:p>
-        </p:txBody>
-      </p:sp>
-      <p:sp>
-        <p:nvSpPr>
-          <p:cNvPr id="61" name="TextBox 60"/>
-          <p:cNvSpPr txBox="1"/>
-          <p:nvPr/>
-        </p:nvSpPr>
-        <p:spPr>
-          <a:xfrm>
-            <a:off x="6135256" y="3097917"/>
-            <a:ext cx="189257" cy="178683"/>
-          </a:xfrm>
-          <a:prstGeom prst="rect">
-            <a:avLst/>
-          </a:prstGeom>
-          <a:noFill/>
-        </p:spPr>
-        <p:txBody>
-          <a:bodyPr wrap="square" lIns="0" tIns="0" rIns="0" bIns="0" rtlCol="0">
-            <a:noAutofit/>
-          </a:bodyPr>
-          <a:lstStyle/>
-          <a:p>
-            <a:pPr algn="ctr"/>
-            <a:r>
-              <a:rPr lang="en-US" sz="1100" dirty="0" smtClean="0">
-                <a:solidFill>
-                  <a:srgbClr val="7030A0"/>
-                </a:solidFill>
-              </a:rPr>
-              <a:t>*</a:t>
-            </a:r>
-            <a:endParaRPr lang="en-SG" sz="1100" dirty="0">
-              <a:solidFill>
-                <a:srgbClr val="7030A0"/>
-              </a:solidFill>
-            </a:endParaRPr>
-          </a:p>
-        </p:txBody>
-      </p:sp>
-      <p:sp>
-        <p:nvSpPr>
-          <p:cNvPr id="65" name="TextBox 64"/>
-          <p:cNvSpPr txBox="1"/>
-          <p:nvPr/>
-        </p:nvSpPr>
-        <p:spPr>
-          <a:xfrm>
-            <a:off x="2687923" y="2564238"/>
-            <a:ext cx="189257" cy="178683"/>
-          </a:xfrm>
-          <a:prstGeom prst="rect">
-            <a:avLst/>
-          </a:prstGeom>
-          <a:noFill/>
-        </p:spPr>
-        <p:txBody>
-          <a:bodyPr wrap="square" lIns="0" tIns="0" rIns="0" bIns="0" rtlCol="0">
-            <a:noAutofit/>
-          </a:bodyPr>
-          <a:lstStyle/>
-          <a:p>
-            <a:pPr algn="ctr"/>
-            <a:r>
-              <a:rPr lang="en-US" sz="1100" dirty="0" smtClean="0">
-                <a:solidFill>
-                  <a:srgbClr val="7030A0"/>
-                </a:solidFill>
-              </a:rPr>
-              <a:t>1</a:t>
-            </a:r>
-            <a:endParaRPr lang="en-SG" sz="1100" dirty="0">
-              <a:solidFill>
-                <a:srgbClr val="7030A0"/>
-              </a:solidFill>
-            </a:endParaRPr>
-          </a:p>
-        </p:txBody>
-      </p:sp>
-      <p:sp>
-        <p:nvSpPr>
-          <p:cNvPr id="66" name="TextBox 65"/>
-          <p:cNvSpPr txBox="1"/>
-          <p:nvPr/>
-        </p:nvSpPr>
-        <p:spPr>
-          <a:xfrm>
-            <a:off x="2656370" y="3386050"/>
-            <a:ext cx="189257" cy="178683"/>
-          </a:xfrm>
-          <a:prstGeom prst="rect">
-            <a:avLst/>
-          </a:prstGeom>
-          <a:noFill/>
-        </p:spPr>
-        <p:txBody>
-          <a:bodyPr wrap="square" lIns="0" tIns="0" rIns="0" bIns="0" rtlCol="0">
-            <a:noAutofit/>
-          </a:bodyPr>
-          <a:lstStyle/>
-          <a:p>
-            <a:pPr algn="ctr"/>
-            <a:r>
-              <a:rPr lang="en-US" sz="1100" dirty="0" smtClean="0">
-                <a:solidFill>
-                  <a:srgbClr val="7030A0"/>
-                </a:solidFill>
-              </a:rPr>
-              <a:t>1</a:t>
-            </a:r>
-            <a:endParaRPr lang="en-SG" sz="1100" dirty="0">
-              <a:solidFill>
-                <a:srgbClr val="7030A0"/>
-              </a:solidFill>
-            </a:endParaRPr>
-          </a:p>
-        </p:txBody>
-      </p:sp>
-      <p:sp>
-        <p:nvSpPr>
-          <p:cNvPr id="70" name="TextBox 69"/>
-          <p:cNvSpPr txBox="1"/>
-          <p:nvPr/>
-        </p:nvSpPr>
-        <p:spPr>
-          <a:xfrm>
-            <a:off x="6667770" y="3210194"/>
-            <a:ext cx="189257" cy="178683"/>
-          </a:xfrm>
-          <a:prstGeom prst="rect">
-            <a:avLst/>
-          </a:prstGeom>
-          <a:noFill/>
-        </p:spPr>
-        <p:txBody>
-          <a:bodyPr wrap="square" lIns="0" tIns="0" rIns="0" bIns="0" rtlCol="0">
-            <a:noAutofit/>
-          </a:bodyPr>
-          <a:lstStyle/>
-          <a:p>
-            <a:pPr algn="ctr"/>
-            <a:r>
-              <a:rPr lang="en-US" sz="1100" dirty="0" smtClean="0">
-                <a:solidFill>
-                  <a:srgbClr val="7030A0"/>
-                </a:solidFill>
-              </a:rPr>
-              <a:t>1</a:t>
-            </a:r>
-            <a:endParaRPr lang="en-SG" sz="1100" dirty="0">
-              <a:solidFill>
-                <a:srgbClr val="7030A0"/>
-              </a:solidFill>
-            </a:endParaRPr>
-          </a:p>
-        </p:txBody>
-      </p:sp>
-      <p:cxnSp>
-        <p:nvCxnSpPr>
-          <p:cNvPr id="55" name="Elbow Connector 54"/>
-          <p:cNvCxnSpPr>
-            <a:endCxn id="73" idx="1"/>
-          </p:cNvCxnSpPr>
-          <p:nvPr/>
-        </p:nvCxnSpPr>
-        <p:spPr>
-          <a:xfrm rot="5400000" flipH="1" flipV="1">
-            <a:off x="7275357" y="2593164"/>
-            <a:ext cx="660265" cy="218407"/>
-          </a:xfrm>
-          <a:prstGeom prst="bentConnector2">
-            <a:avLst/>
-          </a:prstGeom>
-          <a:ln w="19050">
-            <a:solidFill>
-              <a:srgbClr val="7030A0"/>
-            </a:solidFill>
-            <a:headEnd type="none" w="med" len="med"/>
-            <a:tailEnd type="arrow" w="med" len="med"/>
-          </a:ln>
-          <a:effectLst/>
-        </p:spPr>
-        <p:style>
-          <a:lnRef idx="1">
-            <a:schemeClr val="accent2"/>
-          </a:lnRef>
-          <a:fillRef idx="2">
-            <a:schemeClr val="accent2"/>
-          </a:fillRef>
-          <a:effectRef idx="1">
-            <a:schemeClr val="accent2"/>
-          </a:effectRef>
-          <a:fontRef idx="minor">
-            <a:schemeClr val="dk1"/>
-          </a:fontRef>
-        </p:style>
-      </p:cxnSp>
-      <p:sp>
-        <p:nvSpPr>
-          <p:cNvPr id="73" name="Rectangle 8"/>
-          <p:cNvSpPr/>
-          <p:nvPr/>
-        </p:nvSpPr>
-        <p:spPr>
-          <a:xfrm>
-            <a:off x="7714693" y="2229342"/>
-            <a:ext cx="708186" cy="285783"/>
-          </a:xfrm>
-          <a:prstGeom prst="rect">
-            <a:avLst/>
-          </a:prstGeom>
-          <a:ln w="19050">
-            <a:solidFill>
-              <a:srgbClr val="7030A0"/>
-            </a:solidFill>
-          </a:ln>
-          <a:effectLst/>
-        </p:spPr>
-        <p:style>
-          <a:lnRef idx="1">
-            <a:schemeClr val="accent4"/>
-          </a:lnRef>
-          <a:fillRef idx="2">
-            <a:schemeClr val="accent4"/>
-          </a:fillRef>
-          <a:effectRef idx="1">
-            <a:schemeClr val="accent4"/>
-          </a:effectRef>
-          <a:fontRef idx="minor">
-            <a:schemeClr val="dk1"/>
-          </a:fontRef>
-        </p:style>
-        <p:txBody>
-          <a:bodyPr rtlCol="0" anchor="ctr"/>
-          <a:lstStyle/>
-          <a:p>
-            <a:pPr algn="ctr"/>
-            <a:r>
-              <a:rPr lang="en-US" sz="1050" dirty="0" smtClean="0">
-                <a:solidFill>
-                  <a:srgbClr val="7030A0"/>
-                </a:solidFill>
-              </a:rPr>
-              <a:t>Search Data</a:t>
-            </a:r>
-            <a:endParaRPr lang="en-SG" sz="1050" dirty="0">
-              <a:solidFill>
-                <a:srgbClr val="7030A0"/>
-              </a:solidFill>
-            </a:endParaRPr>
-          </a:p>
-        </p:txBody>
-      </p:sp>
+              <a:headEnd type="none" w="med" len="med"/>
+              <a:tailEnd type="arrow" w="med" len="med"/>
+            </a:ln>
+            <a:effectLst/>
+          </p:spPr>
+          <p:style>
+            <a:lnRef idx="1">
+              <a:schemeClr val="accent2"/>
+            </a:lnRef>
+            <a:fillRef idx="2">
+              <a:schemeClr val="accent2"/>
+            </a:fillRef>
+            <a:effectRef idx="1">
+              <a:schemeClr val="accent2"/>
+            </a:effectRef>
+            <a:fontRef idx="minor">
+              <a:schemeClr val="dk1"/>
+            </a:fontRef>
+          </p:style>
+        </p:cxnSp>
+      </p:grpSp>
     </p:spTree>
     <p:extLst>
       <p:ext uri="{BB962C8B-B14F-4D97-AF65-F5344CB8AC3E}">
